--- a/00-Resources/04. Data-Structures-Binary-Search-Trees.pptx
+++ b/00-Resources/04. Data-Structures-Binary-Search-Trees.pptx
@@ -5,49 +5,45 @@
     <p:sldMasterId id="2147483660" r:id="rId2"/>
   </p:sldMasterIdLst>
   <p:notesMasterIdLst>
-    <p:notesMasterId r:id="rId40"/>
+    <p:notesMasterId r:id="rId36"/>
   </p:notesMasterIdLst>
   <p:handoutMasterIdLst>
-    <p:handoutMasterId r:id="rId41"/>
+    <p:handoutMasterId r:id="rId37"/>
   </p:handoutMasterIdLst>
   <p:sldIdLst>
     <p:sldId id="394" r:id="rId3"/>
     <p:sldId id="395" r:id="rId4"/>
-    <p:sldId id="430" r:id="rId5"/>
-    <p:sldId id="438" r:id="rId6"/>
-    <p:sldId id="439" r:id="rId7"/>
-    <p:sldId id="440" r:id="rId8"/>
-    <p:sldId id="441" r:id="rId9"/>
-    <p:sldId id="442" r:id="rId10"/>
-    <p:sldId id="443" r:id="rId11"/>
-    <p:sldId id="444" r:id="rId12"/>
-    <p:sldId id="445" r:id="rId13"/>
-    <p:sldId id="456" r:id="rId14"/>
-    <p:sldId id="457" r:id="rId15"/>
-    <p:sldId id="458" r:id="rId16"/>
-    <p:sldId id="455" r:id="rId17"/>
-    <p:sldId id="452" r:id="rId18"/>
-    <p:sldId id="460" r:id="rId19"/>
-    <p:sldId id="446" r:id="rId20"/>
-    <p:sldId id="447" r:id="rId21"/>
-    <p:sldId id="448" r:id="rId22"/>
-    <p:sldId id="449" r:id="rId23"/>
-    <p:sldId id="464" r:id="rId24"/>
-    <p:sldId id="451" r:id="rId25"/>
-    <p:sldId id="465" r:id="rId26"/>
-    <p:sldId id="459" r:id="rId27"/>
-    <p:sldId id="453" r:id="rId28"/>
-    <p:sldId id="462" r:id="rId29"/>
-    <p:sldId id="463" r:id="rId30"/>
-    <p:sldId id="454" r:id="rId31"/>
-    <p:sldId id="461" r:id="rId32"/>
-    <p:sldId id="466" r:id="rId33"/>
-    <p:sldId id="467" r:id="rId34"/>
-    <p:sldId id="468" r:id="rId35"/>
-    <p:sldId id="436" r:id="rId36"/>
-    <p:sldId id="435" r:id="rId37"/>
-    <p:sldId id="421" r:id="rId38"/>
-    <p:sldId id="437" r:id="rId39"/>
+    <p:sldId id="438" r:id="rId5"/>
+    <p:sldId id="439" r:id="rId6"/>
+    <p:sldId id="440" r:id="rId7"/>
+    <p:sldId id="441" r:id="rId8"/>
+    <p:sldId id="442" r:id="rId9"/>
+    <p:sldId id="443" r:id="rId10"/>
+    <p:sldId id="444" r:id="rId11"/>
+    <p:sldId id="445" r:id="rId12"/>
+    <p:sldId id="456" r:id="rId13"/>
+    <p:sldId id="457" r:id="rId14"/>
+    <p:sldId id="458" r:id="rId15"/>
+    <p:sldId id="455" r:id="rId16"/>
+    <p:sldId id="452" r:id="rId17"/>
+    <p:sldId id="460" r:id="rId18"/>
+    <p:sldId id="446" r:id="rId19"/>
+    <p:sldId id="447" r:id="rId20"/>
+    <p:sldId id="448" r:id="rId21"/>
+    <p:sldId id="449" r:id="rId22"/>
+    <p:sldId id="464" r:id="rId23"/>
+    <p:sldId id="451" r:id="rId24"/>
+    <p:sldId id="465" r:id="rId25"/>
+    <p:sldId id="459" r:id="rId26"/>
+    <p:sldId id="453" r:id="rId27"/>
+    <p:sldId id="462" r:id="rId28"/>
+    <p:sldId id="463" r:id="rId29"/>
+    <p:sldId id="454" r:id="rId30"/>
+    <p:sldId id="461" r:id="rId31"/>
+    <p:sldId id="466" r:id="rId32"/>
+    <p:sldId id="467" r:id="rId33"/>
+    <p:sldId id="468" r:id="rId34"/>
+    <p:sldId id="436" r:id="rId35"/>
   </p:sldIdLst>
   <p:sldSz cx="12188825" cy="6858000"/>
   <p:notesSz cx="6858000" cy="9144000"/>
@@ -153,7 +149,6 @@
           <p14:sldIdLst>
             <p14:sldId id="394"/>
             <p14:sldId id="395"/>
-            <p14:sldId id="430"/>
           </p14:sldIdLst>
         </p14:section>
         <p14:section name="Binary Search Trees" id="{ECD6BA2E-8BC4-43FC-9C4F-3F51A48D7E66}">
@@ -193,9 +188,6 @@
         <p14:section name="Conclusion" id="{4BF49AFF-9EC6-427A-9F8E-A964CAD38ABD}">
           <p14:sldIdLst>
             <p14:sldId id="436"/>
-            <p14:sldId id="435"/>
-            <p14:sldId id="421"/>
-            <p14:sldId id="437"/>
           </p14:sldIdLst>
         </p14:section>
       </p14:sectionLst>
@@ -232,10 +224,6 @@
 </p:presentation>
 </file>
 
-<file path=ppt/revisionInfo.xml><?xml version="1.0" encoding="utf-8"?>
-<p1510:revInfo xmlns:a="http://schemas.openxmlformats.org/drawingml/2006/main" xmlns:r="http://schemas.openxmlformats.org/officeDocument/2006/relationships" xmlns:p1510="http://schemas.microsoft.com/office/powerpoint/2015/10/main"/>
-</file>
-
 <file path=ppt/handoutMasters/handoutMaster1.xml><?xml version="1.0" encoding="utf-8"?>
 <p:handoutMaster xmlns:a="http://schemas.openxmlformats.org/drawingml/2006/main" xmlns:r="http://schemas.openxmlformats.org/officeDocument/2006/relationships" xmlns:p="http://schemas.openxmlformats.org/presentationml/2006/main">
   <p:cSld>
@@ -319,7 +307,7 @@
             <a:fld id="{FE5B4EDC-59C0-49C7-8ADA-5A781B329E02}" type="datetimeFigureOut">
               <a:rPr lang="en-US"/>
               <a:pPr/>
-              <a:t>5/31/2017</a:t>
+              <a:t>12/17/2018</a:t>
             </a:fld>
             <a:endParaRPr dirty="0"/>
           </a:p>
@@ -518,7 +506,7 @@
             <a:fld id="{F2D8D46A-B586-417D-BFBD-8C8FE0AAF762}" type="datetimeFigureOut">
               <a:rPr lang="en-US" smtClean="0"/>
               <a:pPr/>
-              <a:t>5/31/2017</a:t>
+              <a:t>12/17/2018</a:t>
             </a:fld>
             <a:endParaRPr lang="en-US"/>
           </a:p>
@@ -952,314 +940,6 @@
 </p:notes>
 </file>
 
-<file path=ppt/notesSlides/notesSlide10.xml><?xml version="1.0" encoding="utf-8"?>
-<p:notes xmlns:a="http://schemas.openxmlformats.org/drawingml/2006/main" xmlns:r="http://schemas.openxmlformats.org/officeDocument/2006/relationships" xmlns:p="http://schemas.openxmlformats.org/presentationml/2006/main">
-  <p:cSld>
-    <p:spTree>
-      <p:nvGrpSpPr>
-        <p:cNvPr id="1" name=""/>
-        <p:cNvGrpSpPr/>
-        <p:nvPr/>
-      </p:nvGrpSpPr>
-      <p:grpSpPr>
-        <a:xfrm>
-          <a:off x="0" y="0"/>
-          <a:ext cx="0" cy="0"/>
-          <a:chOff x="0" y="0"/>
-          <a:chExt cx="0" cy="0"/>
-        </a:xfrm>
-      </p:grpSpPr>
-      <p:sp>
-        <p:nvSpPr>
-          <p:cNvPr id="2" name="Slide Image Placeholder 1"/>
-          <p:cNvSpPr>
-            <a:spLocks noGrp="1" noRot="1" noChangeAspect="1"/>
-          </p:cNvSpPr>
-          <p:nvPr>
-            <p:ph type="sldImg"/>
-          </p:nvPr>
-        </p:nvSpPr>
-        <p:spPr/>
-      </p:sp>
-      <p:sp>
-        <p:nvSpPr>
-          <p:cNvPr id="3" name="Notes Placeholder 2"/>
-          <p:cNvSpPr>
-            <a:spLocks noGrp="1"/>
-          </p:cNvSpPr>
-          <p:nvPr>
-            <p:ph type="body" idx="1"/>
-          </p:nvPr>
-        </p:nvSpPr>
-        <p:spPr/>
-        <p:txBody>
-          <a:bodyPr/>
-          <a:lstStyle/>
-          <a:p>
-            <a:endParaRPr lang="en-US"/>
-          </a:p>
-        </p:txBody>
-      </p:sp>
-      <p:sp>
-        <p:nvSpPr>
-          <p:cNvPr id="4" name="Footer Placeholder 3"/>
-          <p:cNvSpPr>
-            <a:spLocks noGrp="1"/>
-          </p:cNvSpPr>
-          <p:nvPr>
-            <p:ph type="ftr" sz="quarter" idx="10"/>
-          </p:nvPr>
-        </p:nvSpPr>
-        <p:spPr/>
-        <p:txBody>
-          <a:bodyPr/>
-          <a:lstStyle/>
-          <a:p>
-            <a:r>
-              <a:rPr lang="en-US" sz="1000"/>
-              <a:t>© Software University Foundation – </a:t>
-            </a:r>
-            <a:r>
-              <a:rPr lang="en-US" sz="1000" u="sng">
-                <a:hlinkClick r:id="rId3"/>
-              </a:rPr>
-              <a:t>http://softuni.org</a:t>
-            </a:r>
-            <a:endParaRPr lang="en-US" sz="1000"/>
-          </a:p>
-          <a:p>
-            <a:r>
-              <a:rPr lang="en-US" sz="1000"/>
-              <a:t>This work is licensed under the </a:t>
-            </a:r>
-            <a:r>
-              <a:rPr lang="en-US" sz="1000" u="sng" noProof="1">
-                <a:hlinkClick r:id="rId4"/>
-              </a:rPr>
-              <a:t>Creative Commons Attribution-NonCommercial-ShareAlike</a:t>
-            </a:r>
-            <a:r>
-              <a:rPr lang="en-US" sz="1000" noProof="1"/>
-              <a:t> </a:t>
-            </a:r>
-            <a:r>
-              <a:rPr lang="en-US" sz="1000"/>
-              <a:t>license.</a:t>
-            </a:r>
-            <a:endParaRPr lang="en-US" sz="1000" dirty="0"/>
-          </a:p>
-        </p:txBody>
-      </p:sp>
-      <p:sp>
-        <p:nvSpPr>
-          <p:cNvPr id="5" name="Slide Number Placeholder 4"/>
-          <p:cNvSpPr>
-            <a:spLocks noGrp="1"/>
-          </p:cNvSpPr>
-          <p:nvPr>
-            <p:ph type="sldNum" sz="quarter" idx="11"/>
-          </p:nvPr>
-        </p:nvSpPr>
-        <p:spPr/>
-        <p:txBody>
-          <a:bodyPr/>
-          <a:lstStyle/>
-          <a:p>
-            <a:fld id="{3EBA5BD7-F043-4D1B-AA17-CD412FC534DE}" type="slidenum">
-              <a:rPr lang="en-US" smtClean="0"/>
-              <a:pPr/>
-              <a:t>36</a:t>
-            </a:fld>
-            <a:endParaRPr lang="en-US" dirty="0"/>
-          </a:p>
-        </p:txBody>
-      </p:sp>
-    </p:spTree>
-    <p:extLst>
-      <p:ext uri="{BB962C8B-B14F-4D97-AF65-F5344CB8AC3E}">
-        <p14:creationId xmlns:p14="http://schemas.microsoft.com/office/powerpoint/2010/main" val="3287872668"/>
-      </p:ext>
-    </p:extLst>
-  </p:cSld>
-  <p:clrMapOvr>
-    <a:masterClrMapping/>
-  </p:clrMapOvr>
-</p:notes>
-</file>
-
-<file path=ppt/notesSlides/notesSlide11.xml><?xml version="1.0" encoding="utf-8"?>
-<p:notes xmlns:a="http://schemas.openxmlformats.org/drawingml/2006/main" xmlns:r="http://schemas.openxmlformats.org/officeDocument/2006/relationships" xmlns:p="http://schemas.openxmlformats.org/presentationml/2006/main">
-  <p:cSld>
-    <p:spTree>
-      <p:nvGrpSpPr>
-        <p:cNvPr id="1" name=""/>
-        <p:cNvGrpSpPr/>
-        <p:nvPr/>
-      </p:nvGrpSpPr>
-      <p:grpSpPr>
-        <a:xfrm>
-          <a:off x="0" y="0"/>
-          <a:ext cx="0" cy="0"/>
-          <a:chOff x="0" y="0"/>
-          <a:chExt cx="0" cy="0"/>
-        </a:xfrm>
-      </p:grpSpPr>
-      <p:sp>
-        <p:nvSpPr>
-          <p:cNvPr id="2" name="Slide Image Placeholder 1"/>
-          <p:cNvSpPr>
-            <a:spLocks noGrp="1" noRot="1" noChangeAspect="1"/>
-          </p:cNvSpPr>
-          <p:nvPr>
-            <p:ph type="sldImg"/>
-          </p:nvPr>
-        </p:nvSpPr>
-        <p:spPr/>
-      </p:sp>
-      <p:sp>
-        <p:nvSpPr>
-          <p:cNvPr id="3" name="Notes Placeholder 2"/>
-          <p:cNvSpPr>
-            <a:spLocks noGrp="1"/>
-          </p:cNvSpPr>
-          <p:nvPr>
-            <p:ph type="body" idx="1"/>
-          </p:nvPr>
-        </p:nvSpPr>
-        <p:spPr/>
-        <p:txBody>
-          <a:bodyPr/>
-          <a:lstStyle/>
-          <a:p>
-            <a:endParaRPr lang="en-US"/>
-          </a:p>
-        </p:txBody>
-      </p:sp>
-      <p:sp>
-        <p:nvSpPr>
-          <p:cNvPr id="4" name="Footer Placeholder 3"/>
-          <p:cNvSpPr>
-            <a:spLocks noGrp="1"/>
-          </p:cNvSpPr>
-          <p:nvPr>
-            <p:ph type="ftr" sz="quarter" idx="10"/>
-          </p:nvPr>
-        </p:nvSpPr>
-        <p:spPr/>
-        <p:txBody>
-          <a:bodyPr/>
-          <a:lstStyle/>
-          <a:p>
-            <a:r>
-              <a:rPr lang="en-US" sz="1000">
-                <a:solidFill>
-                  <a:prstClr val="black"/>
-                </a:solidFill>
-              </a:rPr>
-              <a:t>© Software University Foundation – </a:t>
-            </a:r>
-            <a:r>
-              <a:rPr lang="en-US" sz="1000" u="sng">
-                <a:solidFill>
-                  <a:prstClr val="black"/>
-                </a:solidFill>
-                <a:hlinkClick r:id="rId3"/>
-              </a:rPr>
-              <a:t>http://softuni.org</a:t>
-            </a:r>
-            <a:endParaRPr lang="en-US" sz="1000">
-              <a:solidFill>
-                <a:prstClr val="black"/>
-              </a:solidFill>
-            </a:endParaRPr>
-          </a:p>
-          <a:p>
-            <a:r>
-              <a:rPr lang="en-US" sz="1000">
-                <a:solidFill>
-                  <a:prstClr val="black"/>
-                </a:solidFill>
-              </a:rPr>
-              <a:t>This work is licensed under the </a:t>
-            </a:r>
-            <a:r>
-              <a:rPr lang="en-US" sz="1000" u="sng" noProof="1">
-                <a:solidFill>
-                  <a:prstClr val="black"/>
-                </a:solidFill>
-                <a:hlinkClick r:id="rId4"/>
-              </a:rPr>
-              <a:t>Creative Commons Attribution-NonCommercial-ShareAlike</a:t>
-            </a:r>
-            <a:r>
-              <a:rPr lang="en-US" sz="1000" noProof="1">
-                <a:solidFill>
-                  <a:prstClr val="black"/>
-                </a:solidFill>
-              </a:rPr>
-              <a:t> </a:t>
-            </a:r>
-            <a:r>
-              <a:rPr lang="en-US" sz="1000">
-                <a:solidFill>
-                  <a:prstClr val="black"/>
-                </a:solidFill>
-              </a:rPr>
-              <a:t>license.</a:t>
-            </a:r>
-            <a:endParaRPr lang="en-US" sz="1000" dirty="0">
-              <a:solidFill>
-                <a:prstClr val="black"/>
-              </a:solidFill>
-            </a:endParaRPr>
-          </a:p>
-        </p:txBody>
-      </p:sp>
-      <p:sp>
-        <p:nvSpPr>
-          <p:cNvPr id="5" name="Slide Number Placeholder 4"/>
-          <p:cNvSpPr>
-            <a:spLocks noGrp="1"/>
-          </p:cNvSpPr>
-          <p:nvPr>
-            <p:ph type="sldNum" sz="quarter" idx="11"/>
-          </p:nvPr>
-        </p:nvSpPr>
-        <p:spPr/>
-        <p:txBody>
-          <a:bodyPr/>
-          <a:lstStyle/>
-          <a:p>
-            <a:fld id="{3EBA5BD7-F043-4D1B-AA17-CD412FC534DE}" type="slidenum">
-              <a:rPr lang="en-US" smtClean="0">
-                <a:solidFill>
-                  <a:prstClr val="black"/>
-                </a:solidFill>
-              </a:rPr>
-              <a:pPr/>
-              <a:t>37</a:t>
-            </a:fld>
-            <a:endParaRPr lang="en-US" dirty="0">
-              <a:solidFill>
-                <a:prstClr val="black"/>
-              </a:solidFill>
-            </a:endParaRPr>
-          </a:p>
-        </p:txBody>
-      </p:sp>
-    </p:spTree>
-    <p:extLst>
-      <p:ext uri="{BB962C8B-B14F-4D97-AF65-F5344CB8AC3E}">
-        <p14:creationId xmlns:p14="http://schemas.microsoft.com/office/powerpoint/2010/main" val="4260728213"/>
-      </p:ext>
-    </p:extLst>
-  </p:cSld>
-  <p:clrMapOvr>
-    <a:masterClrMapping/>
-  </p:clrMapOvr>
-</p:notes>
-</file>
-
 <file path=ppt/notesSlides/notesSlide2.xml><?xml version="1.0" encoding="utf-8"?>
 <p:notes xmlns:a="http://schemas.openxmlformats.org/drawingml/2006/main" xmlns:r="http://schemas.openxmlformats.org/officeDocument/2006/relationships" xmlns:p="http://schemas.openxmlformats.org/presentationml/2006/main">
   <p:cSld>
@@ -1482,7 +1162,7 @@
             <a:fld id="{EE92EC80-7FD2-4C71-8A5C-8AF09BC0BF94}" type="slidenum">
               <a:rPr lang="en-US"/>
               <a:pPr/>
-              <a:t>5</a:t>
+              <a:t>4</a:t>
             </a:fld>
             <a:r>
               <a:rPr lang="en-US" dirty="0"/>
@@ -1598,7 +1278,7 @@
             <a:fld id="{B05CEEED-D241-4401-9102-96ADB82317DA}" type="slidenum">
               <a:rPr lang="en-US"/>
               <a:pPr/>
-              <a:t>8</a:t>
+              <a:t>7</a:t>
             </a:fld>
             <a:r>
               <a:rPr lang="en-US" dirty="0"/>
@@ -1714,7 +1394,7 @@
             <a:fld id="{B05CEEED-D241-4401-9102-96ADB82317DA}" type="slidenum">
               <a:rPr lang="en-US"/>
               <a:pPr/>
-              <a:t>12</a:t>
+              <a:t>11</a:t>
             </a:fld>
             <a:r>
               <a:rPr lang="en-US" dirty="0"/>
@@ -1830,7 +1510,7 @@
             <a:fld id="{B05CEEED-D241-4401-9102-96ADB82317DA}" type="slidenum">
               <a:rPr lang="en-US"/>
               <a:pPr/>
-              <a:t>22</a:t>
+              <a:t>21</a:t>
             </a:fld>
             <a:r>
               <a:rPr lang="en-US" dirty="0"/>
@@ -1970,7 +1650,7 @@
             <a:fld id="{EE92EC80-7FD2-4C71-8A5C-8AF09BC0BF94}" type="slidenum">
               <a:rPr lang="en-US"/>
               <a:pPr/>
-              <a:t>29</a:t>
+              <a:t>28</a:t>
             </a:fld>
             <a:r>
               <a:rPr lang="en-US" dirty="0"/>
@@ -2077,179 +1757,6 @@
     <p:extLst>
       <p:ext uri="{BB962C8B-B14F-4D97-AF65-F5344CB8AC3E}">
         <p14:creationId xmlns:p14="http://schemas.microsoft.com/office/powerpoint/2010/main" val="2507055385"/>
-      </p:ext>
-    </p:extLst>
-  </p:cSld>
-  <p:clrMapOvr>
-    <a:masterClrMapping/>
-  </p:clrMapOvr>
-</p:notes>
-</file>
-
-<file path=ppt/notesSlides/notesSlide9.xml><?xml version="1.0" encoding="utf-8"?>
-<p:notes xmlns:a="http://schemas.openxmlformats.org/drawingml/2006/main" xmlns:r="http://schemas.openxmlformats.org/officeDocument/2006/relationships" xmlns:p="http://schemas.openxmlformats.org/presentationml/2006/main">
-  <p:cSld>
-    <p:spTree>
-      <p:nvGrpSpPr>
-        <p:cNvPr id="1" name=""/>
-        <p:cNvGrpSpPr/>
-        <p:nvPr/>
-      </p:nvGrpSpPr>
-      <p:grpSpPr>
-        <a:xfrm>
-          <a:off x="0" y="0"/>
-          <a:ext cx="0" cy="0"/>
-          <a:chOff x="0" y="0"/>
-          <a:chExt cx="0" cy="0"/>
-        </a:xfrm>
-      </p:grpSpPr>
-      <p:sp>
-        <p:nvSpPr>
-          <p:cNvPr id="2" name="Slide Image Placeholder 1"/>
-          <p:cNvSpPr>
-            <a:spLocks noGrp="1" noRot="1" noChangeAspect="1"/>
-          </p:cNvSpPr>
-          <p:nvPr>
-            <p:ph type="sldImg"/>
-          </p:nvPr>
-        </p:nvSpPr>
-        <p:spPr/>
-      </p:sp>
-      <p:sp>
-        <p:nvSpPr>
-          <p:cNvPr id="3" name="Notes Placeholder 2"/>
-          <p:cNvSpPr>
-            <a:spLocks noGrp="1"/>
-          </p:cNvSpPr>
-          <p:nvPr>
-            <p:ph type="body" idx="1"/>
-          </p:nvPr>
-        </p:nvSpPr>
-        <p:spPr/>
-        <p:txBody>
-          <a:bodyPr/>
-          <a:lstStyle/>
-          <a:p>
-            <a:endParaRPr lang="en-US"/>
-          </a:p>
-        </p:txBody>
-      </p:sp>
-      <p:sp>
-        <p:nvSpPr>
-          <p:cNvPr id="4" name="Footer Placeholder 3"/>
-          <p:cNvSpPr>
-            <a:spLocks noGrp="1"/>
-          </p:cNvSpPr>
-          <p:nvPr>
-            <p:ph type="ftr" sz="quarter" idx="10"/>
-          </p:nvPr>
-        </p:nvSpPr>
-        <p:spPr/>
-        <p:txBody>
-          <a:bodyPr/>
-          <a:lstStyle/>
-          <a:p>
-            <a:r>
-              <a:rPr lang="en-US" sz="1000">
-                <a:solidFill>
-                  <a:prstClr val="black"/>
-                </a:solidFill>
-              </a:rPr>
-              <a:t>© Software University Foundation – </a:t>
-            </a:r>
-            <a:r>
-              <a:rPr lang="en-US" sz="1000" u="sng">
-                <a:solidFill>
-                  <a:prstClr val="black"/>
-                </a:solidFill>
-                <a:hlinkClick r:id="rId3"/>
-              </a:rPr>
-              <a:t>http://softuni.org</a:t>
-            </a:r>
-            <a:endParaRPr lang="en-US" sz="1000">
-              <a:solidFill>
-                <a:prstClr val="black"/>
-              </a:solidFill>
-            </a:endParaRPr>
-          </a:p>
-          <a:p>
-            <a:r>
-              <a:rPr lang="en-US" sz="1000">
-                <a:solidFill>
-                  <a:prstClr val="black"/>
-                </a:solidFill>
-              </a:rPr>
-              <a:t>This work is licensed under the </a:t>
-            </a:r>
-            <a:r>
-              <a:rPr lang="en-US" sz="1000" u="sng" noProof="1">
-                <a:solidFill>
-                  <a:prstClr val="black"/>
-                </a:solidFill>
-                <a:hlinkClick r:id="rId4"/>
-              </a:rPr>
-              <a:t>Creative Commons Attribution-NonCommercial-ShareAlike</a:t>
-            </a:r>
-            <a:r>
-              <a:rPr lang="en-US" sz="1000" noProof="1">
-                <a:solidFill>
-                  <a:prstClr val="black"/>
-                </a:solidFill>
-              </a:rPr>
-              <a:t> </a:t>
-            </a:r>
-            <a:r>
-              <a:rPr lang="en-US" sz="1000">
-                <a:solidFill>
-                  <a:prstClr val="black"/>
-                </a:solidFill>
-              </a:rPr>
-              <a:t>license.</a:t>
-            </a:r>
-            <a:endParaRPr lang="en-US" sz="1000" dirty="0">
-              <a:solidFill>
-                <a:prstClr val="black"/>
-              </a:solidFill>
-            </a:endParaRPr>
-          </a:p>
-        </p:txBody>
-      </p:sp>
-      <p:sp>
-        <p:nvSpPr>
-          <p:cNvPr id="5" name="Slide Number Placeholder 4"/>
-          <p:cNvSpPr>
-            <a:spLocks noGrp="1"/>
-          </p:cNvSpPr>
-          <p:nvPr>
-            <p:ph type="sldNum" sz="quarter" idx="11"/>
-          </p:nvPr>
-        </p:nvSpPr>
-        <p:spPr/>
-        <p:txBody>
-          <a:bodyPr/>
-          <a:lstStyle/>
-          <a:p>
-            <a:fld id="{3EBA5BD7-F043-4D1B-AA17-CD412FC534DE}" type="slidenum">
-              <a:rPr lang="en-US" smtClean="0">
-                <a:solidFill>
-                  <a:prstClr val="black"/>
-                </a:solidFill>
-              </a:rPr>
-              <a:pPr/>
-              <a:t>35</a:t>
-            </a:fld>
-            <a:endParaRPr lang="en-US" dirty="0">
-              <a:solidFill>
-                <a:prstClr val="black"/>
-              </a:solidFill>
-            </a:endParaRPr>
-          </a:p>
-        </p:txBody>
-      </p:sp>
-    </p:spTree>
-    <p:extLst>
-      <p:ext uri="{BB962C8B-B14F-4D97-AF65-F5344CB8AC3E}">
-        <p14:creationId xmlns:p14="http://schemas.microsoft.com/office/powerpoint/2010/main" val="396704468"/>
       </p:ext>
     </p:extLst>
   </p:cSld>
@@ -2838,7 +2345,7 @@
             <a:fld id="{055373AC-9AA7-423B-BA00-BA1C74164DBD}" type="datetime1">
               <a:rPr lang="en-US" smtClean="0"/>
               <a:pPr/>
-              <a:t>5/31/2017</a:t>
+              <a:t>12/17/2018</a:t>
             </a:fld>
             <a:endParaRPr lang="en-US" dirty="0"/>
           </a:p>
@@ -3354,587 +2861,13 @@
 </p:sldLayout>
 </file>
 
-<file path=ppt/slideLayouts/slideLayout5.xml><?xml version="1.0" encoding="utf-8"?>
-<p:sldLayout xmlns:a="http://schemas.openxmlformats.org/drawingml/2006/main" xmlns:r="http://schemas.openxmlformats.org/officeDocument/2006/relationships" xmlns:p="http://schemas.openxmlformats.org/presentationml/2006/main" userDrawn="1">
-  <p:cSld name="Questions Slide">
-    <p:bg>
-      <p:bgPr>
-        <a:blipFill dpi="0" rotWithShape="1">
-          <a:blip r:embed="rId2">
-            <a:lum/>
-          </a:blip>
-          <a:srcRect/>
-          <a:stretch>
-            <a:fillRect t="-2000" b="-2000"/>
-          </a:stretch>
-        </a:blipFill>
-        <a:effectLst/>
-      </p:bgPr>
-    </p:bg>
-    <p:spTree>
-      <p:nvGrpSpPr>
-        <p:cNvPr id="1" name=""/>
-        <p:cNvGrpSpPr/>
-        <p:nvPr/>
-      </p:nvGrpSpPr>
-      <p:grpSpPr>
-        <a:xfrm>
-          <a:off x="0" y="0"/>
-          <a:ext cx="0" cy="0"/>
-          <a:chOff x="0" y="0"/>
-          <a:chExt cx="0" cy="0"/>
-        </a:xfrm>
-      </p:grpSpPr>
-      <p:sp>
-        <p:nvSpPr>
-          <p:cNvPr id="29" name="Text Placeholder 29"/>
-          <p:cNvSpPr>
-            <a:spLocks noGrp="1"/>
-          </p:cNvSpPr>
-          <p:nvPr>
-            <p:ph type="body" sz="quarter" idx="10" hasCustomPrompt="1"/>
-          </p:nvPr>
-        </p:nvSpPr>
-        <p:spPr>
-          <a:xfrm>
-            <a:off x="1529384" y="6400802"/>
-            <a:ext cx="10482604" cy="363552"/>
-          </a:xfrm>
-          <a:prstGeom prst="rect">
-            <a:avLst/>
-          </a:prstGeom>
-        </p:spPr>
-        <p:txBody>
-          <a:bodyPr wrap="square" lIns="36000" rIns="36000">
-            <a:spAutoFit/>
-          </a:bodyPr>
-          <a:lstStyle>
-            <a:lvl1pPr marL="0" indent="0" algn="r">
-              <a:buNone/>
-              <a:defRPr sz="1800">
-                <a:latin typeface="+mn-lt"/>
-              </a:defRPr>
-            </a:lvl1pPr>
-          </a:lstStyle>
-          <a:p>
-            <a:pPr lvl="0"/>
-            <a:r>
-              <a:rPr lang="en-US" dirty="0"/>
-              <a:t>Course Web Site</a:t>
-            </a:r>
-          </a:p>
-        </p:txBody>
-      </p:sp>
-      <p:pic>
-        <p:nvPicPr>
-          <p:cNvPr id="55" name="Picture 54"/>
-          <p:cNvPicPr>
-            <a:picLocks noChangeAspect="1"/>
-          </p:cNvPicPr>
-          <p:nvPr userDrawn="1"/>
-        </p:nvPicPr>
-        <p:blipFill>
-          <a:blip r:embed="rId3" cstate="print">
-            <a:extLst>
-              <a:ext uri="{28A0092B-C50C-407E-A947-70E740481C1C}">
-                <a14:useLocalDpi xmlns:a14="http://schemas.microsoft.com/office/drawing/2010/main"/>
-              </a:ext>
-            </a:extLst>
-          </a:blip>
-          <a:stretch>
-            <a:fillRect/>
-          </a:stretch>
-        </p:blipFill>
-        <p:spPr>
-          <a:xfrm>
-            <a:off x="9838412" y="261000"/>
-            <a:ext cx="2050131" cy="670675"/>
-          </a:xfrm>
-          <a:prstGeom prst="rect">
-            <a:avLst/>
-          </a:prstGeom>
-        </p:spPr>
-      </p:pic>
-      <p:sp>
-        <p:nvSpPr>
-          <p:cNvPr id="50" name="Title 1"/>
-          <p:cNvSpPr>
-            <a:spLocks noGrp="1"/>
-          </p:cNvSpPr>
-          <p:nvPr>
-            <p:ph type="title" hasCustomPrompt="1"/>
-          </p:nvPr>
-        </p:nvSpPr>
-        <p:spPr>
-          <a:xfrm>
-            <a:off x="188815" y="40341"/>
-            <a:ext cx="9577597" cy="1110780"/>
-          </a:xfrm>
-        </p:spPr>
-        <p:txBody>
-          <a:bodyPr/>
-          <a:lstStyle>
-            <a:lvl1pPr>
-              <a:defRPr>
-                <a:solidFill>
-                  <a:srgbClr val="F3BE60"/>
-                </a:solidFill>
-                <a:effectLst/>
-              </a:defRPr>
-            </a:lvl1pPr>
-          </a:lstStyle>
-          <a:p>
-            <a:r>
-              <a:rPr lang="en-US" dirty="0"/>
-              <a:t>Presentation Title</a:t>
-            </a:r>
-            <a:endParaRPr dirty="0"/>
-          </a:p>
-        </p:txBody>
-      </p:sp>
-      <p:sp>
-        <p:nvSpPr>
-          <p:cNvPr id="2" name="TextBox 1">
-            <a:hlinkClick r:id="rId4" tooltip="Software University - Quality Education, Profession and Job for Software Engineers"/>
-          </p:cNvPr>
-          <p:cNvSpPr txBox="1"/>
-          <p:nvPr userDrawn="1"/>
-        </p:nvSpPr>
-        <p:spPr>
-          <a:xfrm rot="322982">
-            <a:off x="10066442" y="2253546"/>
-            <a:ext cx="303288" cy="400110"/>
-          </a:xfrm>
-          <a:prstGeom prst="rect">
-            <a:avLst/>
-          </a:prstGeom>
-          <a:noFill/>
-        </p:spPr>
-        <p:txBody>
-          <a:bodyPr wrap="none" rtlCol="0">
-            <a:spAutoFit/>
-          </a:bodyPr>
-          <a:lstStyle/>
-          <a:p>
-            <a:r>
-              <a:rPr lang="en-US" sz="2000" b="1" dirty="0">
-                <a:solidFill>
-                  <a:srgbClr val="603A14"/>
-                </a:solidFill>
-              </a:rPr>
-              <a:t>?</a:t>
-            </a:r>
-          </a:p>
-        </p:txBody>
-      </p:sp>
-      <p:sp>
-        <p:nvSpPr>
-          <p:cNvPr id="27" name="TextBox 26">
-            <a:hlinkClick r:id="rId5" tooltip="Software University Foundaton"/>
-          </p:cNvPr>
-          <p:cNvSpPr txBox="1"/>
-          <p:nvPr userDrawn="1"/>
-        </p:nvSpPr>
-        <p:spPr>
-          <a:xfrm rot="20630519">
-            <a:off x="7568290" y="4341197"/>
-            <a:ext cx="303288" cy="400110"/>
-          </a:xfrm>
-          <a:prstGeom prst="rect">
-            <a:avLst/>
-          </a:prstGeom>
-          <a:noFill/>
-        </p:spPr>
-        <p:txBody>
-          <a:bodyPr wrap="none" rtlCol="0">
-            <a:spAutoFit/>
-          </a:bodyPr>
-          <a:lstStyle/>
-          <a:p>
-            <a:r>
-              <a:rPr lang="en-US" sz="2000" b="1" dirty="0">
-                <a:solidFill>
-                  <a:srgbClr val="603A14"/>
-                </a:solidFill>
-              </a:rPr>
-              <a:t>?</a:t>
-            </a:r>
-          </a:p>
-        </p:txBody>
-      </p:sp>
-      <p:sp>
-        <p:nvSpPr>
-          <p:cNvPr id="51" name="TextBox 50">
-            <a:hlinkClick r:id="rId6" tooltip="Svetlin Nakov - Programming and Education for Developers"/>
-          </p:cNvPr>
-          <p:cNvSpPr txBox="1"/>
-          <p:nvPr userDrawn="1"/>
-        </p:nvSpPr>
-        <p:spPr>
-          <a:xfrm>
-            <a:off x="11500162" y="4679637"/>
-            <a:ext cx="255198" cy="276999"/>
-          </a:xfrm>
-          <a:prstGeom prst="rect">
-            <a:avLst/>
-          </a:prstGeom>
-          <a:noFill/>
-        </p:spPr>
-        <p:txBody>
-          <a:bodyPr wrap="none" rtlCol="0">
-            <a:spAutoFit/>
-          </a:bodyPr>
-          <a:lstStyle/>
-          <a:p>
-            <a:r>
-              <a:rPr lang="en-US" sz="1200" dirty="0">
-                <a:solidFill>
-                  <a:srgbClr val="603A14"/>
-                </a:solidFill>
-              </a:rPr>
-              <a:t>?</a:t>
-            </a:r>
-          </a:p>
-        </p:txBody>
-      </p:sp>
-      <p:sp>
-        <p:nvSpPr>
-          <p:cNvPr id="52" name="TextBox 51">
-            <a:hlinkClick r:id="rId7" tooltip="Software University - Discussion Forum"/>
-          </p:cNvPr>
-          <p:cNvSpPr txBox="1"/>
-          <p:nvPr userDrawn="1"/>
-        </p:nvSpPr>
-        <p:spPr>
-          <a:xfrm rot="20971262">
-            <a:off x="6094412" y="6109081"/>
-            <a:ext cx="268022" cy="307777"/>
-          </a:xfrm>
-          <a:prstGeom prst="rect">
-            <a:avLst/>
-          </a:prstGeom>
-          <a:noFill/>
-        </p:spPr>
-        <p:txBody>
-          <a:bodyPr wrap="none" rtlCol="0">
-            <a:spAutoFit/>
-          </a:bodyPr>
-          <a:lstStyle/>
-          <a:p>
-            <a:r>
-              <a:rPr lang="en-US" sz="1400" dirty="0">
-                <a:solidFill>
-                  <a:srgbClr val="603A14"/>
-                </a:solidFill>
-              </a:rPr>
-              <a:t>?</a:t>
-            </a:r>
-          </a:p>
-        </p:txBody>
-      </p:sp>
-      <p:sp>
-        <p:nvSpPr>
-          <p:cNvPr id="53" name="TextBox 52">
-            <a:hlinkClick r:id="rId8" tooltip="Software University - Online Judge System"/>
-          </p:cNvPr>
-          <p:cNvSpPr txBox="1"/>
-          <p:nvPr userDrawn="1"/>
-        </p:nvSpPr>
-        <p:spPr>
-          <a:xfrm rot="569019">
-            <a:off x="9155998" y="4032736"/>
-            <a:ext cx="292068" cy="369332"/>
-          </a:xfrm>
-          <a:prstGeom prst="rect">
-            <a:avLst/>
-          </a:prstGeom>
-          <a:noFill/>
-        </p:spPr>
-        <p:txBody>
-          <a:bodyPr wrap="none" rtlCol="0">
-            <a:spAutoFit/>
-          </a:bodyPr>
-          <a:lstStyle/>
-          <a:p>
-            <a:r>
-              <a:rPr lang="en-US" sz="1800" b="1" dirty="0">
-                <a:solidFill>
-                  <a:srgbClr val="603A14"/>
-                </a:solidFill>
-              </a:rPr>
-              <a:t>?</a:t>
-            </a:r>
-          </a:p>
-        </p:txBody>
-      </p:sp>
-      <p:sp>
-        <p:nvSpPr>
-          <p:cNvPr id="54" name="TextBox 53">
-            <a:hlinkClick r:id="rId9" tooltip="Software University @ Facebook"/>
-          </p:cNvPr>
-          <p:cNvSpPr txBox="1"/>
-          <p:nvPr userDrawn="1"/>
-        </p:nvSpPr>
-        <p:spPr>
-          <a:xfrm rot="219682">
-            <a:off x="7047355" y="2560119"/>
-            <a:ext cx="327334" cy="461665"/>
-          </a:xfrm>
-          <a:prstGeom prst="rect">
-            <a:avLst/>
-          </a:prstGeom>
-          <a:noFill/>
-        </p:spPr>
-        <p:txBody>
-          <a:bodyPr wrap="none" rtlCol="0">
-            <a:spAutoFit/>
-          </a:bodyPr>
-          <a:lstStyle/>
-          <a:p>
-            <a:r>
-              <a:rPr lang="en-US" sz="2400" b="1" dirty="0">
-                <a:solidFill>
-                  <a:srgbClr val="603A14"/>
-                </a:solidFill>
-              </a:rPr>
-              <a:t>?</a:t>
-            </a:r>
-          </a:p>
-        </p:txBody>
-      </p:sp>
-      <p:sp>
-        <p:nvSpPr>
-          <p:cNvPr id="56" name="TextBox 55">
-            <a:hlinkClick r:id="rId10" tooltip="Software University @ Twitter"/>
-          </p:cNvPr>
-          <p:cNvSpPr txBox="1"/>
-          <p:nvPr userDrawn="1"/>
-        </p:nvSpPr>
-        <p:spPr>
-          <a:xfrm rot="20972266">
-            <a:off x="11754532" y="2320841"/>
-            <a:ext cx="268022" cy="307777"/>
-          </a:xfrm>
-          <a:prstGeom prst="rect">
-            <a:avLst/>
-          </a:prstGeom>
-          <a:noFill/>
-        </p:spPr>
-        <p:txBody>
-          <a:bodyPr wrap="none" rtlCol="0">
-            <a:spAutoFit/>
-          </a:bodyPr>
-          <a:lstStyle/>
-          <a:p>
-            <a:r>
-              <a:rPr lang="en-US" sz="1400" dirty="0">
-                <a:solidFill>
-                  <a:srgbClr val="603A14"/>
-                </a:solidFill>
-              </a:rPr>
-              <a:t>?</a:t>
-            </a:r>
-          </a:p>
-        </p:txBody>
-      </p:sp>
-      <p:sp>
-        <p:nvSpPr>
-          <p:cNvPr id="57" name="TextBox 56">
-            <a:hlinkClick r:id="rId11" tooltip="Software University @ YouTube - free training courses and video lessons for software engineers"/>
-          </p:cNvPr>
-          <p:cNvSpPr txBox="1"/>
-          <p:nvPr userDrawn="1"/>
-        </p:nvSpPr>
-        <p:spPr>
-          <a:xfrm rot="562174">
-            <a:off x="11774596" y="3447926"/>
-            <a:ext cx="255198" cy="276999"/>
-          </a:xfrm>
-          <a:prstGeom prst="rect">
-            <a:avLst/>
-          </a:prstGeom>
-          <a:noFill/>
-        </p:spPr>
-        <p:txBody>
-          <a:bodyPr wrap="none" rtlCol="0">
-            <a:spAutoFit/>
-          </a:bodyPr>
-          <a:lstStyle/>
-          <a:p>
-            <a:r>
-              <a:rPr lang="en-US" sz="1200" dirty="0">
-                <a:solidFill>
-                  <a:srgbClr val="603A14"/>
-                </a:solidFill>
-              </a:rPr>
-              <a:t>?</a:t>
-            </a:r>
-          </a:p>
-        </p:txBody>
-      </p:sp>
-      <p:sp>
-        <p:nvSpPr>
-          <p:cNvPr id="58" name="TextBox 57">
-            <a:hlinkClick r:id="rId12" tooltip="Programming Fundamentals Book and Vide Lessons: Learn C#, Programming, Data Structures, Algorithms and Quality Coding"/>
-          </p:cNvPr>
-          <p:cNvSpPr txBox="1"/>
-          <p:nvPr userDrawn="1"/>
-        </p:nvSpPr>
-        <p:spPr>
-          <a:xfrm rot="571210">
-            <a:off x="11136783" y="5625911"/>
-            <a:ext cx="268022" cy="307777"/>
-          </a:xfrm>
-          <a:prstGeom prst="rect">
-            <a:avLst/>
-          </a:prstGeom>
-          <a:noFill/>
-        </p:spPr>
-        <p:txBody>
-          <a:bodyPr wrap="none" rtlCol="0">
-            <a:spAutoFit/>
-          </a:bodyPr>
-          <a:lstStyle/>
-          <a:p>
-            <a:r>
-              <a:rPr lang="en-US" sz="1400" dirty="0">
-                <a:solidFill>
-                  <a:srgbClr val="603A14"/>
-                </a:solidFill>
-              </a:rPr>
-              <a:t>?</a:t>
-            </a:r>
-          </a:p>
-        </p:txBody>
-      </p:sp>
-      <p:pic>
-        <p:nvPicPr>
-          <p:cNvPr id="3" name="Picture 2"/>
-          <p:cNvPicPr>
-            <a:picLocks noChangeAspect="1"/>
-          </p:cNvPicPr>
-          <p:nvPr userDrawn="1"/>
-        </p:nvPicPr>
-        <p:blipFill>
-          <a:blip r:embed="rId13"/>
-          <a:stretch>
-            <a:fillRect/>
-          </a:stretch>
-        </p:blipFill>
-        <p:spPr>
-          <a:xfrm rot="20967714">
-            <a:off x="457076" y="2405125"/>
-            <a:ext cx="2338944" cy="2395502"/>
-          </a:xfrm>
-          <a:prstGeom prst="rect">
-            <a:avLst/>
-          </a:prstGeom>
-        </p:spPr>
-      </p:pic>
-      <p:sp>
-        <p:nvSpPr>
-          <p:cNvPr id="19" name="Rectangle 18"/>
-          <p:cNvSpPr/>
-          <p:nvPr userDrawn="1"/>
-        </p:nvSpPr>
-        <p:spPr>
-          <a:xfrm rot="20949717">
-            <a:off x="2718532" y="3306088"/>
-            <a:ext cx="4540980" cy="948072"/>
-          </a:xfrm>
-          <a:prstGeom prst="rect">
-            <a:avLst/>
-          </a:prstGeom>
-        </p:spPr>
-        <p:txBody>
-          <a:bodyPr wrap="none" lIns="0" tIns="0" rIns="0" bIns="0" anchor="ctr" anchorCtr="0">
-            <a:noAutofit/>
-            <a:scene3d>
-              <a:camera prst="orthographicFront"/>
-              <a:lightRig rig="soft" dir="t">
-                <a:rot lat="0" lon="0" rev="10800000"/>
-              </a:lightRig>
-            </a:scene3d>
-            <a:sp3d>
-              <a:bevelT w="27940" h="12700"/>
-              <a:contourClr>
-                <a:srgbClr val="DDDDDD"/>
-              </a:contourClr>
-            </a:sp3d>
-          </a:bodyPr>
-          <a:lstStyle/>
-          <a:p>
-            <a:pPr marL="0" lvl="0" indent="0" algn="ctr" eaLnBrk="0" hangingPunct="0">
-              <a:lnSpc>
-                <a:spcPct val="100000"/>
-              </a:lnSpc>
-              <a:spcBef>
-                <a:spcPts val="0"/>
-              </a:spcBef>
-              <a:spcAft>
-                <a:spcPts val="0"/>
-              </a:spcAft>
-              <a:buClr>
-                <a:schemeClr val="accent5">
-                  <a:lumMod val="40000"/>
-                  <a:lumOff val="60000"/>
-                </a:schemeClr>
-              </a:buClr>
-              <a:buSzPct val="70000"/>
-              <a:buFont typeface="Wingdings 2" pitchFamily="18" charset="2"/>
-              <a:buNone/>
-            </a:pPr>
-            <a:r>
-              <a:rPr lang="en-US" sz="6600" b="1" kern="1200" noProof="0" dirty="0">
-                <a:solidFill>
-                  <a:srgbClr val="F3BE60"/>
-                </a:solidFill>
-                <a:latin typeface="+mj-lt"/>
-                <a:ea typeface="+mj-ea"/>
-                <a:cs typeface="+mj-cs"/>
-              </a:rPr>
-              <a:t>Questions?</a:t>
-            </a:r>
-            <a:endParaRPr lang="en-US" sz="6600" b="1" spc="150" dirty="0">
-              <a:ln w="11430"/>
-              <a:solidFill>
-                <a:schemeClr val="tx1">
-                  <a:lumMod val="40000"/>
-                  <a:lumOff val="60000"/>
-                </a:schemeClr>
-              </a:solidFill>
-              <a:effectLst>
-                <a:outerShdw blurRad="25400" algn="tl" rotWithShape="0">
-                  <a:srgbClr val="000000">
-                    <a:alpha val="43000"/>
-                  </a:srgbClr>
-                </a:outerShdw>
-              </a:effectLst>
-              <a:latin typeface="+mn-lt"/>
-            </a:endParaRPr>
-          </a:p>
-        </p:txBody>
-      </p:sp>
-    </p:spTree>
-    <p:extLst>
-      <p:ext uri="{BB962C8B-B14F-4D97-AF65-F5344CB8AC3E}">
-        <p14:creationId xmlns:p14="http://schemas.microsoft.com/office/powerpoint/2010/main" val="2588799629"/>
-      </p:ext>
-    </p:extLst>
-  </p:cSld>
-  <p:clrMapOvr>
-    <a:masterClrMapping/>
-  </p:clrMapOvr>
-</p:sldLayout>
-</file>
-
 <file path=ppt/slideMasters/slideMaster1.xml><?xml version="1.0" encoding="utf-8"?>
 <p:sldMaster xmlns:a="http://schemas.openxmlformats.org/drawingml/2006/main" xmlns:r="http://schemas.openxmlformats.org/officeDocument/2006/relationships" xmlns:p="http://schemas.openxmlformats.org/presentationml/2006/main">
   <p:cSld>
     <p:bg>
       <p:bgPr>
         <a:blipFill dpi="0" rotWithShape="1">
-          <a:blip r:embed="rId7">
+          <a:blip r:embed="rId6">
             <a:lum/>
           </a:blip>
           <a:srcRect/>
@@ -3995,7 +2928,7 @@
             <a:fld id="{055373AC-9AA7-423B-BA00-BA1C74164DBD}" type="datetime1">
               <a:rPr lang="en-US" smtClean="0"/>
               <a:pPr/>
-              <a:t>5/31/2017</a:t>
+              <a:t>12/17/2018</a:t>
             </a:fld>
             <a:endParaRPr lang="en-US" dirty="0"/>
           </a:p>
@@ -4188,7 +3121,6 @@
     <p:sldLayoutId id="2147483662" r:id="rId2"/>
     <p:sldLayoutId id="2147483663" r:id="rId3"/>
     <p:sldLayoutId id="2147483667" r:id="rId4"/>
-    <p:sldLayoutId id="2147483672" r:id="rId5"/>
   </p:sldLayoutIdLst>
   <p:hf hdr="0" ftr="0" dt="0"/>
   <p:txStyles>
@@ -5713,7 +4645,7 @@
               <a:rPr lang="en-US" altLang="ko-KR" dirty="0">
                 <a:ea typeface="굴림" pitchFamily="50" charset="-127"/>
               </a:rPr>
-              <a:t>Solution: BST Contains</a:t>
+              <a:t>Solution: BST Insert</a:t>
             </a:r>
             <a:endParaRPr lang="en-US" dirty="0"/>
           </a:p>
@@ -5729,7 +4661,7 @@
         </p:nvSpPr>
         <p:spPr bwMode="auto">
           <a:xfrm>
-            <a:off x="989011" y="1137821"/>
+            <a:off x="989010" y="1278553"/>
             <a:ext cx="10210802" cy="5262979"/>
           </a:xfrm>
           <a:prstGeom prst="rect">
@@ -5784,7 +4716,7 @@
                 <a:latin typeface="Consolas" pitchFamily="49" charset="0"/>
                 <a:cs typeface="Consolas" pitchFamily="49" charset="0"/>
               </a:rPr>
-              <a:t>public bool Contains(T value)</a:t>
+              <a:t>public void Insert(T value)</a:t>
             </a:r>
           </a:p>
           <a:p>
@@ -5846,7 +4778,7 @@
                 <a:latin typeface="Consolas" pitchFamily="49" charset="0"/>
                 <a:cs typeface="Consolas" pitchFamily="49" charset="0"/>
               </a:rPr>
-              <a:t>  Node current = this.root;</a:t>
+              <a:t>  if (this.root == null)</a:t>
             </a:r>
           </a:p>
           <a:p>
@@ -5877,7 +4809,7 @@
                 <a:latin typeface="Consolas" pitchFamily="49" charset="0"/>
                 <a:cs typeface="Consolas" pitchFamily="49" charset="0"/>
               </a:rPr>
-              <a:t>  while (current != null)</a:t>
+              <a:t>  {</a:t>
             </a:r>
           </a:p>
           <a:p>
@@ -5908,7 +4840,7 @@
                 <a:latin typeface="Consolas" pitchFamily="49" charset="0"/>
                 <a:cs typeface="Consolas" pitchFamily="49" charset="0"/>
               </a:rPr>
-              <a:t>  {</a:t>
+              <a:t>    this.root = new Node(value);  return;</a:t>
             </a:r>
           </a:p>
           <a:p>
@@ -5939,8 +4871,36 @@
                 <a:latin typeface="Consolas" pitchFamily="49" charset="0"/>
                 <a:cs typeface="Consolas" pitchFamily="49" charset="0"/>
               </a:rPr>
-              <a:t>    if (value.CompareTo(current.Value) &lt; 0) </a:t>
-            </a:r>
+              <a:t>  }</a:t>
+            </a:r>
+          </a:p>
+          <a:p>
+            <a:pPr eaLnBrk="0" hangingPunct="0">
+              <a:spcBef>
+                <a:spcPts val="0"/>
+              </a:spcBef>
+              <a:buClr>
+                <a:schemeClr val="accent5">
+                  <a:lumMod val="40000"/>
+                  <a:lumOff val="60000"/>
+                </a:schemeClr>
+              </a:buClr>
+              <a:buSzPct val="70000"/>
+            </a:pPr>
+            <a:endParaRPr lang="en-GB" b="1" noProof="1">
+              <a:solidFill>
+                <a:schemeClr val="tx2"/>
+              </a:solidFill>
+              <a:effectLst>
+                <a:outerShdw blurRad="38100" dist="38100" dir="2700000" algn="tl">
+                  <a:srgbClr val="000000">
+                    <a:alpha val="43137"/>
+                  </a:srgbClr>
+                </a:outerShdw>
+              </a:effectLst>
+              <a:latin typeface="Consolas" pitchFamily="49" charset="0"/>
+              <a:cs typeface="Consolas" pitchFamily="49" charset="0"/>
+            </a:endParaRPr>
           </a:p>
           <a:p>
             <a:pPr eaLnBrk="0" hangingPunct="0">
@@ -5970,8 +4930,22 @@
                 <a:latin typeface="Consolas" pitchFamily="49" charset="0"/>
                 <a:cs typeface="Consolas" pitchFamily="49" charset="0"/>
               </a:rPr>
-              <a:t>      current = current.Left; </a:t>
-            </a:r>
+              <a:t>  Node parent = null; </a:t>
+            </a:r>
+            <a:endParaRPr lang="bg-BG" b="1" noProof="1">
+              <a:solidFill>
+                <a:schemeClr val="tx2"/>
+              </a:solidFill>
+              <a:effectLst>
+                <a:outerShdw blurRad="38100" dist="38100" dir="2700000" algn="tl">
+                  <a:srgbClr val="000000">
+                    <a:alpha val="43137"/>
+                  </a:srgbClr>
+                </a:outerShdw>
+              </a:effectLst>
+              <a:latin typeface="Consolas" pitchFamily="49" charset="0"/>
+              <a:cs typeface="Consolas" pitchFamily="49" charset="0"/>
+            </a:endParaRPr>
           </a:p>
           <a:p>
             <a:pPr eaLnBrk="0" hangingPunct="0">
@@ -5986,6 +4960,23 @@
               </a:buClr>
               <a:buSzPct val="70000"/>
             </a:pPr>
+            <a:r>
+              <a:rPr lang="bg-BG" b="1" noProof="1">
+                <a:solidFill>
+                  <a:schemeClr val="tx2"/>
+                </a:solidFill>
+                <a:effectLst>
+                  <a:outerShdw blurRad="38100" dist="38100" dir="2700000" algn="tl">
+                    <a:srgbClr val="000000">
+                      <a:alpha val="43137"/>
+                    </a:srgbClr>
+                  </a:outerShdw>
+                </a:effectLst>
+                <a:latin typeface="Consolas" pitchFamily="49" charset="0"/>
+                <a:cs typeface="Consolas" pitchFamily="49" charset="0"/>
+              </a:rPr>
+              <a:t>  </a:t>
+            </a:r>
             <a:r>
               <a:rPr lang="en-GB" b="1" noProof="1">
                 <a:solidFill>
@@ -6001,8 +4992,36 @@
                 <a:latin typeface="Consolas" pitchFamily="49" charset="0"/>
                 <a:cs typeface="Consolas" pitchFamily="49" charset="0"/>
               </a:rPr>
-              <a:t>    else if (value.CompareTo(current.Value) &gt; 0)</a:t>
-            </a:r>
+              <a:t>Node current = this.root;</a:t>
+            </a:r>
+          </a:p>
+          <a:p>
+            <a:pPr eaLnBrk="0" hangingPunct="0">
+              <a:spcBef>
+                <a:spcPts val="0"/>
+              </a:spcBef>
+              <a:buClr>
+                <a:schemeClr val="accent5">
+                  <a:lumMod val="40000"/>
+                  <a:lumOff val="60000"/>
+                </a:schemeClr>
+              </a:buClr>
+              <a:buSzPct val="70000"/>
+            </a:pPr>
+            <a:endParaRPr lang="en-GB" b="1" noProof="1">
+              <a:solidFill>
+                <a:schemeClr val="tx2"/>
+              </a:solidFill>
+              <a:effectLst>
+                <a:outerShdw blurRad="38100" dist="38100" dir="2700000" algn="tl">
+                  <a:srgbClr val="000000">
+                    <a:alpha val="43137"/>
+                  </a:srgbClr>
+                </a:outerShdw>
+              </a:effectLst>
+              <a:latin typeface="Consolas" pitchFamily="49" charset="0"/>
+              <a:cs typeface="Consolas" pitchFamily="49" charset="0"/>
+            </a:endParaRPr>
           </a:p>
           <a:p>
             <a:pPr eaLnBrk="0" hangingPunct="0">
@@ -6032,7 +5051,7 @@
                 <a:latin typeface="Consolas" pitchFamily="49" charset="0"/>
                 <a:cs typeface="Consolas" pitchFamily="49" charset="0"/>
               </a:rPr>
-              <a:t>      current = current.Right;</a:t>
+              <a:t>  while(current != null) { //TODO: search for node }</a:t>
             </a:r>
           </a:p>
           <a:p>
@@ -6063,7 +5082,7 @@
                 <a:latin typeface="Consolas" pitchFamily="49" charset="0"/>
                 <a:cs typeface="Consolas" pitchFamily="49" charset="0"/>
               </a:rPr>
-              <a:t>    else</a:t>
+              <a:t>  </a:t>
             </a:r>
           </a:p>
           <a:p>
@@ -6094,69 +5113,7 @@
                 <a:latin typeface="Consolas" pitchFamily="49" charset="0"/>
                 <a:cs typeface="Consolas" pitchFamily="49" charset="0"/>
               </a:rPr>
-              <a:t>      break;</a:t>
-            </a:r>
-          </a:p>
-          <a:p>
-            <a:pPr eaLnBrk="0" hangingPunct="0">
-              <a:spcBef>
-                <a:spcPts val="0"/>
-              </a:spcBef>
-              <a:buClr>
-                <a:schemeClr val="accent5">
-                  <a:lumMod val="40000"/>
-                  <a:lumOff val="60000"/>
-                </a:schemeClr>
-              </a:buClr>
-              <a:buSzPct val="70000"/>
-            </a:pPr>
-            <a:r>
-              <a:rPr lang="en-GB" b="1" noProof="1">
-                <a:solidFill>
-                  <a:schemeClr val="tx2"/>
-                </a:solidFill>
-                <a:effectLst>
-                  <a:outerShdw blurRad="38100" dist="38100" dir="2700000" algn="tl">
-                    <a:srgbClr val="000000">
-                      <a:alpha val="43137"/>
-                    </a:srgbClr>
-                  </a:outerShdw>
-                </a:effectLst>
-                <a:latin typeface="Consolas" pitchFamily="49" charset="0"/>
-                <a:cs typeface="Consolas" pitchFamily="49" charset="0"/>
-              </a:rPr>
-              <a:t>  }</a:t>
-            </a:r>
-          </a:p>
-          <a:p>
-            <a:pPr eaLnBrk="0" hangingPunct="0">
-              <a:spcBef>
-                <a:spcPts val="0"/>
-              </a:spcBef>
-              <a:buClr>
-                <a:schemeClr val="accent5">
-                  <a:lumMod val="40000"/>
-                  <a:lumOff val="60000"/>
-                </a:schemeClr>
-              </a:buClr>
-              <a:buSzPct val="70000"/>
-            </a:pPr>
-            <a:r>
-              <a:rPr lang="en-GB" b="1" noProof="1">
-                <a:solidFill>
-                  <a:schemeClr val="tx2"/>
-                </a:solidFill>
-                <a:effectLst>
-                  <a:outerShdw blurRad="38100" dist="38100" dir="2700000" algn="tl">
-                    <a:srgbClr val="000000">
-                      <a:alpha val="43137"/>
-                    </a:srgbClr>
-                  </a:outerShdw>
-                </a:effectLst>
-                <a:latin typeface="Consolas" pitchFamily="49" charset="0"/>
-                <a:cs typeface="Consolas" pitchFamily="49" charset="0"/>
-              </a:rPr>
-              <a:t>  return current != null;</a:t>
+              <a:t>  //TODO: insert node</a:t>
             </a:r>
           </a:p>
           <a:p>
@@ -6209,7 +5166,7 @@
     </p:spTree>
     <p:extLst>
       <p:ext uri="{BB962C8B-B14F-4D97-AF65-F5344CB8AC3E}">
-        <p14:creationId xmlns:p14="http://schemas.microsoft.com/office/powerpoint/2010/main" val="3494891976"/>
+        <p14:creationId xmlns:p14="http://schemas.microsoft.com/office/powerpoint/2010/main" val="3910933443"/>
       </p:ext>
     </p:extLst>
   </p:cSld>
@@ -6271,9 +5228,211 @@
       </p:sp>
       <p:sp>
         <p:nvSpPr>
-          <p:cNvPr id="2" name="Title 1"/>
-          <p:cNvSpPr>
-            <a:spLocks noGrp="1"/>
+          <p:cNvPr id="466947" name="Rectangle 3"/>
+          <p:cNvSpPr>
+            <a:spLocks noGrp="1" noChangeArrowheads="1"/>
+          </p:cNvSpPr>
+          <p:nvPr>
+            <p:ph idx="1"/>
+          </p:nvPr>
+        </p:nvSpPr>
+        <p:spPr/>
+        <p:txBody>
+          <a:bodyPr>
+            <a:normAutofit/>
+          </a:bodyPr>
+          <a:lstStyle/>
+          <a:p>
+            <a:pPr>
+              <a:lnSpc>
+                <a:spcPct val="110000"/>
+              </a:lnSpc>
+            </a:pPr>
+            <a:r>
+              <a:rPr lang="en-US" altLang="ko-KR" dirty="0">
+                <a:ea typeface="굴림" pitchFamily="50" charset="-127"/>
+              </a:rPr>
+              <a:t>Implement: </a:t>
+            </a:r>
+          </a:p>
+          <a:p>
+            <a:pPr lvl="2">
+              <a:lnSpc>
+                <a:spcPct val="110000"/>
+              </a:lnSpc>
+            </a:pPr>
+            <a:r>
+              <a:rPr lang="en-US" altLang="ko-KR" b="1" dirty="0">
+                <a:solidFill>
+                  <a:schemeClr val="tx2">
+                    <a:lumMod val="75000"/>
+                  </a:schemeClr>
+                </a:solidFill>
+                <a:latin typeface="Consolas" panose="020B0609020204030204" pitchFamily="49" charset="0"/>
+                <a:ea typeface="굴림" pitchFamily="50" charset="-127"/>
+              </a:rPr>
+              <a:t>BST&lt;T&gt; </a:t>
+            </a:r>
+            <a:r>
+              <a:rPr lang="en-US" altLang="ko-KR" b="1" noProof="1">
+                <a:solidFill>
+                  <a:schemeClr val="tx2">
+                    <a:lumMod val="75000"/>
+                  </a:schemeClr>
+                </a:solidFill>
+                <a:latin typeface="Consolas" panose="020B0609020204030204" pitchFamily="49" charset="0"/>
+                <a:ea typeface="굴림" pitchFamily="50" charset="-127"/>
+              </a:rPr>
+              <a:t>Search</a:t>
+            </a:r>
+            <a:r>
+              <a:rPr lang="en-US" altLang="ko-KR" b="1" dirty="0">
+                <a:solidFill>
+                  <a:schemeClr val="tx2">
+                    <a:lumMod val="75000"/>
+                  </a:schemeClr>
+                </a:solidFill>
+                <a:latin typeface="Consolas" panose="020B0609020204030204" pitchFamily="49" charset="0"/>
+                <a:ea typeface="굴림" pitchFamily="50" charset="-127"/>
+              </a:rPr>
+              <a:t>(T value)</a:t>
+            </a:r>
+          </a:p>
+          <a:p>
+            <a:pPr>
+              <a:lnSpc>
+                <a:spcPct val="110000"/>
+              </a:lnSpc>
+            </a:pPr>
+            <a:r>
+              <a:rPr lang="en-US" altLang="ko-KR" dirty="0">
+                <a:latin typeface="+mj-lt"/>
+                <a:ea typeface="굴림" pitchFamily="50" charset="-127"/>
+              </a:rPr>
+              <a:t>Make sure the method works for: </a:t>
+            </a:r>
+          </a:p>
+          <a:p>
+            <a:pPr lvl="1">
+              <a:lnSpc>
+                <a:spcPct val="110000"/>
+              </a:lnSpc>
+            </a:pPr>
+            <a:r>
+              <a:rPr lang="en-US" altLang="ko-KR" b="1" dirty="0">
+                <a:solidFill>
+                  <a:schemeClr val="tx2">
+                    <a:lumMod val="75000"/>
+                  </a:schemeClr>
+                </a:solidFill>
+                <a:latin typeface="+mj-lt"/>
+                <a:ea typeface="굴림" pitchFamily="50" charset="-127"/>
+              </a:rPr>
+              <a:t>empty tree</a:t>
+            </a:r>
+          </a:p>
+          <a:p>
+            <a:pPr lvl="1">
+              <a:lnSpc>
+                <a:spcPct val="110000"/>
+              </a:lnSpc>
+            </a:pPr>
+            <a:r>
+              <a:rPr lang="en-US" altLang="ko-KR" dirty="0">
+                <a:latin typeface="+mj-lt"/>
+                <a:ea typeface="굴림" pitchFamily="50" charset="-127"/>
+              </a:rPr>
+              <a:t>tree with </a:t>
+            </a:r>
+            <a:r>
+              <a:rPr lang="en-US" altLang="ko-KR" b="1" dirty="0">
+                <a:solidFill>
+                  <a:schemeClr val="tx2">
+                    <a:lumMod val="75000"/>
+                  </a:schemeClr>
+                </a:solidFill>
+                <a:latin typeface="+mj-lt"/>
+                <a:ea typeface="굴림" pitchFamily="50" charset="-127"/>
+              </a:rPr>
+              <a:t>one element</a:t>
+            </a:r>
+          </a:p>
+          <a:p>
+            <a:pPr lvl="1">
+              <a:lnSpc>
+                <a:spcPct val="110000"/>
+              </a:lnSpc>
+            </a:pPr>
+            <a:r>
+              <a:rPr lang="en-US" altLang="ko-KR" dirty="0">
+                <a:latin typeface="+mj-lt"/>
+                <a:ea typeface="굴림" pitchFamily="50" charset="-127"/>
+              </a:rPr>
+              <a:t>tree with </a:t>
+            </a:r>
+            <a:r>
+              <a:rPr lang="en-US" altLang="ko-KR" b="1" dirty="0">
+                <a:solidFill>
+                  <a:schemeClr val="tx2">
+                    <a:lumMod val="75000"/>
+                  </a:schemeClr>
+                </a:solidFill>
+                <a:latin typeface="+mj-lt"/>
+                <a:ea typeface="굴림" pitchFamily="50" charset="-127"/>
+              </a:rPr>
+              <a:t>two elements - root + left/right</a:t>
+            </a:r>
+          </a:p>
+          <a:p>
+            <a:pPr lvl="1">
+              <a:lnSpc>
+                <a:spcPct val="110000"/>
+              </a:lnSpc>
+            </a:pPr>
+            <a:r>
+              <a:rPr lang="en-US" altLang="ko-KR" dirty="0">
+                <a:latin typeface="+mj-lt"/>
+                <a:ea typeface="굴림" pitchFamily="50" charset="-127"/>
+              </a:rPr>
+              <a:t>tree with </a:t>
+            </a:r>
+            <a:r>
+              <a:rPr lang="en-US" altLang="ko-KR" b="1" dirty="0">
+                <a:solidFill>
+                  <a:schemeClr val="tx2">
+                    <a:lumMod val="75000"/>
+                  </a:schemeClr>
+                </a:solidFill>
+                <a:latin typeface="+mj-lt"/>
+                <a:ea typeface="굴림" pitchFamily="50" charset="-127"/>
+              </a:rPr>
+              <a:t>multiple elements</a:t>
+            </a:r>
+          </a:p>
+          <a:p>
+            <a:pPr marL="377887" lvl="1" indent="0">
+              <a:lnSpc>
+                <a:spcPct val="110000"/>
+              </a:lnSpc>
+              <a:buNone/>
+            </a:pPr>
+            <a:endParaRPr lang="en-US" altLang="ko-KR" b="1" dirty="0">
+              <a:solidFill>
+                <a:schemeClr val="tx2">
+                  <a:lumMod val="75000"/>
+                </a:schemeClr>
+              </a:solidFill>
+              <a:latin typeface="Consolas" panose="020B0609020204030204" pitchFamily="49" charset="0"/>
+              <a:ea typeface="굴림" pitchFamily="50" charset="-127"/>
+            </a:endParaRPr>
+          </a:p>
+        </p:txBody>
+      </p:sp>
+      <p:sp>
+        <p:nvSpPr>
+          <p:cNvPr id="466946" name="Rectangle 2"/>
+          <p:cNvSpPr>
+            <a:spLocks noGrp="1" noChangeArrowheads="1"/>
           </p:cNvSpPr>
           <p:nvPr>
             <p:ph type="title"/>
@@ -6288,528 +5447,16 @@
               <a:rPr lang="en-US" altLang="ko-KR" dirty="0">
                 <a:ea typeface="굴림" pitchFamily="50" charset="-127"/>
               </a:rPr>
-              <a:t>Solution: BST Insert</a:t>
-            </a:r>
-            <a:endParaRPr lang="en-US" dirty="0"/>
-          </a:p>
-        </p:txBody>
-      </p:sp>
-      <p:sp>
-        <p:nvSpPr>
-          <p:cNvPr id="5" name="Rectangle 4"/>
-          <p:cNvSpPr>
-            <a:spLocks noChangeArrowheads="1"/>
-          </p:cNvSpPr>
-          <p:nvPr/>
-        </p:nvSpPr>
-        <p:spPr bwMode="auto">
-          <a:xfrm>
-            <a:off x="989010" y="1278553"/>
-            <a:ext cx="10210802" cy="5262979"/>
-          </a:xfrm>
-          <a:prstGeom prst="rect">
-            <a:avLst/>
-          </a:prstGeom>
-          <a:solidFill>
-            <a:schemeClr val="accent5">
-              <a:lumMod val="40000"/>
-              <a:lumOff val="60000"/>
-              <a:alpha val="15000"/>
-            </a:schemeClr>
-          </a:solidFill>
-          <a:ln w="12700">
-            <a:solidFill>
-              <a:schemeClr val="accent5">
-                <a:lumMod val="60000"/>
-                <a:lumOff val="40000"/>
-              </a:schemeClr>
-            </a:solidFill>
-          </a:ln>
-        </p:spPr>
-        <p:txBody>
-          <a:bodyPr wrap="square">
-            <a:spAutoFit/>
-          </a:bodyPr>
-          <a:lstStyle/>
-          <a:p>
-            <a:pPr eaLnBrk="0" hangingPunct="0">
-              <a:spcBef>
-                <a:spcPts val="0"/>
-              </a:spcBef>
-              <a:buClr>
-                <a:schemeClr val="accent5">
-                  <a:lumMod val="40000"/>
-                  <a:lumOff val="60000"/>
-                </a:schemeClr>
-              </a:buClr>
-              <a:buSzPct val="70000"/>
-            </a:pPr>
-            <a:r>
-              <a:rPr lang="en-GB" b="1" noProof="1">
-                <a:solidFill>
-                  <a:schemeClr val="tx2"/>
-                </a:solidFill>
-                <a:effectLst>
-                  <a:outerShdw blurRad="38100" dist="38100" dir="2700000" algn="tl">
-                    <a:srgbClr val="000000">
-                      <a:alpha val="43137"/>
-                    </a:srgbClr>
-                  </a:outerShdw>
-                </a:effectLst>
-                <a:latin typeface="Consolas" pitchFamily="49" charset="0"/>
-                <a:cs typeface="Consolas" pitchFamily="49" charset="0"/>
-              </a:rPr>
-              <a:t>public void Insert(T value)</a:t>
-            </a:r>
-          </a:p>
-          <a:p>
-            <a:pPr eaLnBrk="0" hangingPunct="0">
-              <a:spcBef>
-                <a:spcPts val="0"/>
-              </a:spcBef>
-              <a:buClr>
-                <a:schemeClr val="accent5">
-                  <a:lumMod val="40000"/>
-                  <a:lumOff val="60000"/>
-                </a:schemeClr>
-              </a:buClr>
-              <a:buSzPct val="70000"/>
-            </a:pPr>
-            <a:r>
-              <a:rPr lang="en-GB" b="1" noProof="1">
-                <a:solidFill>
-                  <a:schemeClr val="tx2"/>
-                </a:solidFill>
-                <a:effectLst>
-                  <a:outerShdw blurRad="38100" dist="38100" dir="2700000" algn="tl">
-                    <a:srgbClr val="000000">
-                      <a:alpha val="43137"/>
-                    </a:srgbClr>
-                  </a:outerShdw>
-                </a:effectLst>
-                <a:latin typeface="Consolas" pitchFamily="49" charset="0"/>
-                <a:cs typeface="Consolas" pitchFamily="49" charset="0"/>
-              </a:rPr>
-              <a:t>{</a:t>
-            </a:r>
-          </a:p>
-          <a:p>
-            <a:pPr eaLnBrk="0" hangingPunct="0">
-              <a:spcBef>
-                <a:spcPts val="0"/>
-              </a:spcBef>
-              <a:buClr>
-                <a:schemeClr val="accent5">
-                  <a:lumMod val="40000"/>
-                  <a:lumOff val="60000"/>
-                </a:schemeClr>
-              </a:buClr>
-              <a:buSzPct val="70000"/>
-            </a:pPr>
-            <a:r>
-              <a:rPr lang="en-GB" b="1" noProof="1">
-                <a:solidFill>
-                  <a:schemeClr val="tx2"/>
-                </a:solidFill>
-                <a:effectLst>
-                  <a:outerShdw blurRad="38100" dist="38100" dir="2700000" algn="tl">
-                    <a:srgbClr val="000000">
-                      <a:alpha val="43137"/>
-                    </a:srgbClr>
-                  </a:outerShdw>
-                </a:effectLst>
-                <a:latin typeface="Consolas" pitchFamily="49" charset="0"/>
-                <a:cs typeface="Consolas" pitchFamily="49" charset="0"/>
-              </a:rPr>
-              <a:t>  if (this.root == null)</a:t>
-            </a:r>
-          </a:p>
-          <a:p>
-            <a:pPr eaLnBrk="0" hangingPunct="0">
-              <a:spcBef>
-                <a:spcPts val="0"/>
-              </a:spcBef>
-              <a:buClr>
-                <a:schemeClr val="accent5">
-                  <a:lumMod val="40000"/>
-                  <a:lumOff val="60000"/>
-                </a:schemeClr>
-              </a:buClr>
-              <a:buSzPct val="70000"/>
-            </a:pPr>
-            <a:r>
-              <a:rPr lang="en-GB" b="1" noProof="1">
-                <a:solidFill>
-                  <a:schemeClr val="tx2"/>
-                </a:solidFill>
-                <a:effectLst>
-                  <a:outerShdw blurRad="38100" dist="38100" dir="2700000" algn="tl">
-                    <a:srgbClr val="000000">
-                      <a:alpha val="43137"/>
-                    </a:srgbClr>
-                  </a:outerShdw>
-                </a:effectLst>
-                <a:latin typeface="Consolas" pitchFamily="49" charset="0"/>
-                <a:cs typeface="Consolas" pitchFamily="49" charset="0"/>
-              </a:rPr>
-              <a:t>  {</a:t>
-            </a:r>
-          </a:p>
-          <a:p>
-            <a:pPr eaLnBrk="0" hangingPunct="0">
-              <a:spcBef>
-                <a:spcPts val="0"/>
-              </a:spcBef>
-              <a:buClr>
-                <a:schemeClr val="accent5">
-                  <a:lumMod val="40000"/>
-                  <a:lumOff val="60000"/>
-                </a:schemeClr>
-              </a:buClr>
-              <a:buSzPct val="70000"/>
-            </a:pPr>
-            <a:r>
-              <a:rPr lang="en-GB" b="1" noProof="1">
-                <a:solidFill>
-                  <a:schemeClr val="tx2"/>
-                </a:solidFill>
-                <a:effectLst>
-                  <a:outerShdw blurRad="38100" dist="38100" dir="2700000" algn="tl">
-                    <a:srgbClr val="000000">
-                      <a:alpha val="43137"/>
-                    </a:srgbClr>
-                  </a:outerShdw>
-                </a:effectLst>
-                <a:latin typeface="Consolas" pitchFamily="49" charset="0"/>
-                <a:cs typeface="Consolas" pitchFamily="49" charset="0"/>
-              </a:rPr>
-              <a:t>    this.root = new Node(value);  return;</a:t>
-            </a:r>
-          </a:p>
-          <a:p>
-            <a:pPr eaLnBrk="0" hangingPunct="0">
-              <a:spcBef>
-                <a:spcPts val="0"/>
-              </a:spcBef>
-              <a:buClr>
-                <a:schemeClr val="accent5">
-                  <a:lumMod val="40000"/>
-                  <a:lumOff val="60000"/>
-                </a:schemeClr>
-              </a:buClr>
-              <a:buSzPct val="70000"/>
-            </a:pPr>
-            <a:r>
-              <a:rPr lang="en-GB" b="1" noProof="1">
-                <a:solidFill>
-                  <a:schemeClr val="tx2"/>
-                </a:solidFill>
-                <a:effectLst>
-                  <a:outerShdw blurRad="38100" dist="38100" dir="2700000" algn="tl">
-                    <a:srgbClr val="000000">
-                      <a:alpha val="43137"/>
-                    </a:srgbClr>
-                  </a:outerShdw>
-                </a:effectLst>
-                <a:latin typeface="Consolas" pitchFamily="49" charset="0"/>
-                <a:cs typeface="Consolas" pitchFamily="49" charset="0"/>
-              </a:rPr>
-              <a:t>  }</a:t>
-            </a:r>
-          </a:p>
-          <a:p>
-            <a:pPr eaLnBrk="0" hangingPunct="0">
-              <a:spcBef>
-                <a:spcPts val="0"/>
-              </a:spcBef>
-              <a:buClr>
-                <a:schemeClr val="accent5">
-                  <a:lumMod val="40000"/>
-                  <a:lumOff val="60000"/>
-                </a:schemeClr>
-              </a:buClr>
-              <a:buSzPct val="70000"/>
-            </a:pPr>
-            <a:endParaRPr lang="en-GB" b="1" noProof="1">
-              <a:solidFill>
-                <a:schemeClr val="tx2"/>
-              </a:solidFill>
-              <a:effectLst>
-                <a:outerShdw blurRad="38100" dist="38100" dir="2700000" algn="tl">
-                  <a:srgbClr val="000000">
-                    <a:alpha val="43137"/>
-                  </a:srgbClr>
-                </a:outerShdw>
-              </a:effectLst>
-              <a:latin typeface="Consolas" pitchFamily="49" charset="0"/>
-              <a:cs typeface="Consolas" pitchFamily="49" charset="0"/>
-            </a:endParaRPr>
-          </a:p>
-          <a:p>
-            <a:pPr eaLnBrk="0" hangingPunct="0">
-              <a:spcBef>
-                <a:spcPts val="0"/>
-              </a:spcBef>
-              <a:buClr>
-                <a:schemeClr val="accent5">
-                  <a:lumMod val="40000"/>
-                  <a:lumOff val="60000"/>
-                </a:schemeClr>
-              </a:buClr>
-              <a:buSzPct val="70000"/>
-            </a:pPr>
-            <a:r>
-              <a:rPr lang="en-GB" b="1" noProof="1">
-                <a:solidFill>
-                  <a:schemeClr val="tx2"/>
-                </a:solidFill>
-                <a:effectLst>
-                  <a:outerShdw blurRad="38100" dist="38100" dir="2700000" algn="tl">
-                    <a:srgbClr val="000000">
-                      <a:alpha val="43137"/>
-                    </a:srgbClr>
-                  </a:outerShdw>
-                </a:effectLst>
-                <a:latin typeface="Consolas" pitchFamily="49" charset="0"/>
-                <a:cs typeface="Consolas" pitchFamily="49" charset="0"/>
-              </a:rPr>
-              <a:t>  Node parent = null; </a:t>
-            </a:r>
-            <a:endParaRPr lang="bg-BG" b="1" noProof="1">
-              <a:solidFill>
-                <a:schemeClr val="tx2"/>
-              </a:solidFill>
-              <a:effectLst>
-                <a:outerShdw blurRad="38100" dist="38100" dir="2700000" algn="tl">
-                  <a:srgbClr val="000000">
-                    <a:alpha val="43137"/>
-                  </a:srgbClr>
-                </a:outerShdw>
-              </a:effectLst>
-              <a:latin typeface="Consolas" pitchFamily="49" charset="0"/>
-              <a:cs typeface="Consolas" pitchFamily="49" charset="0"/>
-            </a:endParaRPr>
-          </a:p>
-          <a:p>
-            <a:pPr eaLnBrk="0" hangingPunct="0">
-              <a:spcBef>
-                <a:spcPts val="0"/>
-              </a:spcBef>
-              <a:buClr>
-                <a:schemeClr val="accent5">
-                  <a:lumMod val="40000"/>
-                  <a:lumOff val="60000"/>
-                </a:schemeClr>
-              </a:buClr>
-              <a:buSzPct val="70000"/>
-            </a:pPr>
-            <a:r>
-              <a:rPr lang="bg-BG" b="1" noProof="1">
-                <a:solidFill>
-                  <a:schemeClr val="tx2"/>
-                </a:solidFill>
-                <a:effectLst>
-                  <a:outerShdw blurRad="38100" dist="38100" dir="2700000" algn="tl">
-                    <a:srgbClr val="000000">
-                      <a:alpha val="43137"/>
-                    </a:srgbClr>
-                  </a:outerShdw>
-                </a:effectLst>
-                <a:latin typeface="Consolas" pitchFamily="49" charset="0"/>
-                <a:cs typeface="Consolas" pitchFamily="49" charset="0"/>
-              </a:rPr>
-              <a:t>  </a:t>
-            </a:r>
-            <a:r>
-              <a:rPr lang="en-GB" b="1" noProof="1">
-                <a:solidFill>
-                  <a:schemeClr val="tx2"/>
-                </a:solidFill>
-                <a:effectLst>
-                  <a:outerShdw blurRad="38100" dist="38100" dir="2700000" algn="tl">
-                    <a:srgbClr val="000000">
-                      <a:alpha val="43137"/>
-                    </a:srgbClr>
-                  </a:outerShdw>
-                </a:effectLst>
-                <a:latin typeface="Consolas" pitchFamily="49" charset="0"/>
-                <a:cs typeface="Consolas" pitchFamily="49" charset="0"/>
-              </a:rPr>
-              <a:t>Node current = this.root;</a:t>
-            </a:r>
-          </a:p>
-          <a:p>
-            <a:pPr eaLnBrk="0" hangingPunct="0">
-              <a:spcBef>
-                <a:spcPts val="0"/>
-              </a:spcBef>
-              <a:buClr>
-                <a:schemeClr val="accent5">
-                  <a:lumMod val="40000"/>
-                  <a:lumOff val="60000"/>
-                </a:schemeClr>
-              </a:buClr>
-              <a:buSzPct val="70000"/>
-            </a:pPr>
-            <a:endParaRPr lang="en-GB" b="1" noProof="1">
-              <a:solidFill>
-                <a:schemeClr val="tx2"/>
-              </a:solidFill>
-              <a:effectLst>
-                <a:outerShdw blurRad="38100" dist="38100" dir="2700000" algn="tl">
-                  <a:srgbClr val="000000">
-                    <a:alpha val="43137"/>
-                  </a:srgbClr>
-                </a:outerShdw>
-              </a:effectLst>
-              <a:latin typeface="Consolas" pitchFamily="49" charset="0"/>
-              <a:cs typeface="Consolas" pitchFamily="49" charset="0"/>
-            </a:endParaRPr>
-          </a:p>
-          <a:p>
-            <a:pPr eaLnBrk="0" hangingPunct="0">
-              <a:spcBef>
-                <a:spcPts val="0"/>
-              </a:spcBef>
-              <a:buClr>
-                <a:schemeClr val="accent5">
-                  <a:lumMod val="40000"/>
-                  <a:lumOff val="60000"/>
-                </a:schemeClr>
-              </a:buClr>
-              <a:buSzPct val="70000"/>
-            </a:pPr>
-            <a:r>
-              <a:rPr lang="en-GB" b="1" noProof="1">
-                <a:solidFill>
-                  <a:schemeClr val="tx2"/>
-                </a:solidFill>
-                <a:effectLst>
-                  <a:outerShdw blurRad="38100" dist="38100" dir="2700000" algn="tl">
-                    <a:srgbClr val="000000">
-                      <a:alpha val="43137"/>
-                    </a:srgbClr>
-                  </a:outerShdw>
-                </a:effectLst>
-                <a:latin typeface="Consolas" pitchFamily="49" charset="0"/>
-                <a:cs typeface="Consolas" pitchFamily="49" charset="0"/>
-              </a:rPr>
-              <a:t>  while(current != null) { //TODO: search for node }</a:t>
-            </a:r>
-          </a:p>
-          <a:p>
-            <a:pPr eaLnBrk="0" hangingPunct="0">
-              <a:spcBef>
-                <a:spcPts val="0"/>
-              </a:spcBef>
-              <a:buClr>
-                <a:schemeClr val="accent5">
-                  <a:lumMod val="40000"/>
-                  <a:lumOff val="60000"/>
-                </a:schemeClr>
-              </a:buClr>
-              <a:buSzPct val="70000"/>
-            </a:pPr>
-            <a:r>
-              <a:rPr lang="en-GB" b="1" noProof="1">
-                <a:solidFill>
-                  <a:schemeClr val="tx2"/>
-                </a:solidFill>
-                <a:effectLst>
-                  <a:outerShdw blurRad="38100" dist="38100" dir="2700000" algn="tl">
-                    <a:srgbClr val="000000">
-                      <a:alpha val="43137"/>
-                    </a:srgbClr>
-                  </a:outerShdw>
-                </a:effectLst>
-                <a:latin typeface="Consolas" pitchFamily="49" charset="0"/>
-                <a:cs typeface="Consolas" pitchFamily="49" charset="0"/>
-              </a:rPr>
-              <a:t>  </a:t>
-            </a:r>
-          </a:p>
-          <a:p>
-            <a:pPr eaLnBrk="0" hangingPunct="0">
-              <a:spcBef>
-                <a:spcPts val="0"/>
-              </a:spcBef>
-              <a:buClr>
-                <a:schemeClr val="accent5">
-                  <a:lumMod val="40000"/>
-                  <a:lumOff val="60000"/>
-                </a:schemeClr>
-              </a:buClr>
-              <a:buSzPct val="70000"/>
-            </a:pPr>
-            <a:r>
-              <a:rPr lang="en-GB" b="1" noProof="1">
-                <a:solidFill>
-                  <a:schemeClr val="tx2"/>
-                </a:solidFill>
-                <a:effectLst>
-                  <a:outerShdw blurRad="38100" dist="38100" dir="2700000" algn="tl">
-                    <a:srgbClr val="000000">
-                      <a:alpha val="43137"/>
-                    </a:srgbClr>
-                  </a:outerShdw>
-                </a:effectLst>
-                <a:latin typeface="Consolas" pitchFamily="49" charset="0"/>
-                <a:cs typeface="Consolas" pitchFamily="49" charset="0"/>
-              </a:rPr>
-              <a:t>  //TODO: insert node</a:t>
-            </a:r>
-          </a:p>
-          <a:p>
-            <a:pPr eaLnBrk="0" hangingPunct="0">
-              <a:spcBef>
-                <a:spcPts val="0"/>
-              </a:spcBef>
-              <a:buClr>
-                <a:schemeClr val="accent5">
-                  <a:lumMod val="40000"/>
-                  <a:lumOff val="60000"/>
-                </a:schemeClr>
-              </a:buClr>
-              <a:buSzPct val="70000"/>
-            </a:pPr>
-            <a:r>
-              <a:rPr lang="en-GB" b="1" noProof="1">
-                <a:solidFill>
-                  <a:schemeClr val="tx2"/>
-                </a:solidFill>
-                <a:effectLst>
-                  <a:outerShdw blurRad="38100" dist="38100" dir="2700000" algn="tl">
-                    <a:srgbClr val="000000">
-                      <a:alpha val="43137"/>
-                    </a:srgbClr>
-                  </a:outerShdw>
-                </a:effectLst>
-                <a:latin typeface="Consolas" pitchFamily="49" charset="0"/>
-                <a:cs typeface="Consolas" pitchFamily="49" charset="0"/>
-              </a:rPr>
-              <a:t>}</a:t>
-            </a:r>
-            <a:endParaRPr lang="en-US" b="1" noProof="1">
-              <a:solidFill>
-                <a:schemeClr val="tx2"/>
-              </a:solidFill>
-              <a:effectLst>
-                <a:outerShdw blurRad="38100" dist="38100" dir="2700000" algn="tl">
-                  <a:srgbClr val="000000">
-                    <a:alpha val="43137"/>
-                  </a:srgbClr>
-                </a:outerShdw>
-              </a:effectLst>
-              <a:latin typeface="Consolas" pitchFamily="49" charset="0"/>
-              <a:cs typeface="Consolas" pitchFamily="49" charset="0"/>
-            </a:endParaRPr>
+              <a:t>Problem: BST Search</a:t>
+            </a:r>
+            <a:endParaRPr lang="bg-BG" dirty="0"/>
           </a:p>
         </p:txBody>
       </p:sp>
     </p:spTree>
     <p:extLst>
       <p:ext uri="{BB962C8B-B14F-4D97-AF65-F5344CB8AC3E}">
-        <p14:creationId xmlns:p14="http://schemas.microsoft.com/office/powerpoint/2010/main" val="3910933443"/>
+        <p14:creationId xmlns:p14="http://schemas.microsoft.com/office/powerpoint/2010/main" val="2631797752"/>
       </p:ext>
     </p:extLst>
   </p:cSld>
@@ -6871,211 +5518,9 @@
       </p:sp>
       <p:sp>
         <p:nvSpPr>
-          <p:cNvPr id="466947" name="Rectangle 3"/>
-          <p:cNvSpPr>
-            <a:spLocks noGrp="1" noChangeArrowheads="1"/>
-          </p:cNvSpPr>
-          <p:nvPr>
-            <p:ph idx="1"/>
-          </p:nvPr>
-        </p:nvSpPr>
-        <p:spPr/>
-        <p:txBody>
-          <a:bodyPr>
-            <a:normAutofit/>
-          </a:bodyPr>
-          <a:lstStyle/>
-          <a:p>
-            <a:pPr>
-              <a:lnSpc>
-                <a:spcPct val="110000"/>
-              </a:lnSpc>
-            </a:pPr>
-            <a:r>
-              <a:rPr lang="en-US" altLang="ko-KR" dirty="0">
-                <a:ea typeface="굴림" pitchFamily="50" charset="-127"/>
-              </a:rPr>
-              <a:t>Implement: </a:t>
-            </a:r>
-          </a:p>
-          <a:p>
-            <a:pPr lvl="2">
-              <a:lnSpc>
-                <a:spcPct val="110000"/>
-              </a:lnSpc>
-            </a:pPr>
-            <a:r>
-              <a:rPr lang="en-US" altLang="ko-KR" b="1" dirty="0">
-                <a:solidFill>
-                  <a:schemeClr val="tx2">
-                    <a:lumMod val="75000"/>
-                  </a:schemeClr>
-                </a:solidFill>
-                <a:latin typeface="Consolas" panose="020B0609020204030204" pitchFamily="49" charset="0"/>
-                <a:ea typeface="굴림" pitchFamily="50" charset="-127"/>
-              </a:rPr>
-              <a:t>BST&lt;T&gt; </a:t>
-            </a:r>
-            <a:r>
-              <a:rPr lang="en-US" altLang="ko-KR" b="1" noProof="1">
-                <a:solidFill>
-                  <a:schemeClr val="tx2">
-                    <a:lumMod val="75000"/>
-                  </a:schemeClr>
-                </a:solidFill>
-                <a:latin typeface="Consolas" panose="020B0609020204030204" pitchFamily="49" charset="0"/>
-                <a:ea typeface="굴림" pitchFamily="50" charset="-127"/>
-              </a:rPr>
-              <a:t>Search</a:t>
-            </a:r>
-            <a:r>
-              <a:rPr lang="en-US" altLang="ko-KR" b="1" dirty="0">
-                <a:solidFill>
-                  <a:schemeClr val="tx2">
-                    <a:lumMod val="75000"/>
-                  </a:schemeClr>
-                </a:solidFill>
-                <a:latin typeface="Consolas" panose="020B0609020204030204" pitchFamily="49" charset="0"/>
-                <a:ea typeface="굴림" pitchFamily="50" charset="-127"/>
-              </a:rPr>
-              <a:t>(T value)</a:t>
-            </a:r>
-          </a:p>
-          <a:p>
-            <a:pPr>
-              <a:lnSpc>
-                <a:spcPct val="110000"/>
-              </a:lnSpc>
-            </a:pPr>
-            <a:r>
-              <a:rPr lang="en-US" altLang="ko-KR" dirty="0">
-                <a:latin typeface="+mj-lt"/>
-                <a:ea typeface="굴림" pitchFamily="50" charset="-127"/>
-              </a:rPr>
-              <a:t>Make sure the method works for: </a:t>
-            </a:r>
-          </a:p>
-          <a:p>
-            <a:pPr lvl="1">
-              <a:lnSpc>
-                <a:spcPct val="110000"/>
-              </a:lnSpc>
-            </a:pPr>
-            <a:r>
-              <a:rPr lang="en-US" altLang="ko-KR" b="1" dirty="0">
-                <a:solidFill>
-                  <a:schemeClr val="tx2">
-                    <a:lumMod val="75000"/>
-                  </a:schemeClr>
-                </a:solidFill>
-                <a:latin typeface="+mj-lt"/>
-                <a:ea typeface="굴림" pitchFamily="50" charset="-127"/>
-              </a:rPr>
-              <a:t>empty tree</a:t>
-            </a:r>
-          </a:p>
-          <a:p>
-            <a:pPr lvl="1">
-              <a:lnSpc>
-                <a:spcPct val="110000"/>
-              </a:lnSpc>
-            </a:pPr>
-            <a:r>
-              <a:rPr lang="en-US" altLang="ko-KR" dirty="0">
-                <a:latin typeface="+mj-lt"/>
-                <a:ea typeface="굴림" pitchFamily="50" charset="-127"/>
-              </a:rPr>
-              <a:t>tree with </a:t>
-            </a:r>
-            <a:r>
-              <a:rPr lang="en-US" altLang="ko-KR" b="1" dirty="0">
-                <a:solidFill>
-                  <a:schemeClr val="tx2">
-                    <a:lumMod val="75000"/>
-                  </a:schemeClr>
-                </a:solidFill>
-                <a:latin typeface="+mj-lt"/>
-                <a:ea typeface="굴림" pitchFamily="50" charset="-127"/>
-              </a:rPr>
-              <a:t>one element</a:t>
-            </a:r>
-          </a:p>
-          <a:p>
-            <a:pPr lvl="1">
-              <a:lnSpc>
-                <a:spcPct val="110000"/>
-              </a:lnSpc>
-            </a:pPr>
-            <a:r>
-              <a:rPr lang="en-US" altLang="ko-KR" dirty="0">
-                <a:latin typeface="+mj-lt"/>
-                <a:ea typeface="굴림" pitchFamily="50" charset="-127"/>
-              </a:rPr>
-              <a:t>tree with </a:t>
-            </a:r>
-            <a:r>
-              <a:rPr lang="en-US" altLang="ko-KR" b="1" dirty="0">
-                <a:solidFill>
-                  <a:schemeClr val="tx2">
-                    <a:lumMod val="75000"/>
-                  </a:schemeClr>
-                </a:solidFill>
-                <a:latin typeface="+mj-lt"/>
-                <a:ea typeface="굴림" pitchFamily="50" charset="-127"/>
-              </a:rPr>
-              <a:t>two elements - root + left/right</a:t>
-            </a:r>
-          </a:p>
-          <a:p>
-            <a:pPr lvl="1">
-              <a:lnSpc>
-                <a:spcPct val="110000"/>
-              </a:lnSpc>
-            </a:pPr>
-            <a:r>
-              <a:rPr lang="en-US" altLang="ko-KR" dirty="0">
-                <a:latin typeface="+mj-lt"/>
-                <a:ea typeface="굴림" pitchFamily="50" charset="-127"/>
-              </a:rPr>
-              <a:t>tree with </a:t>
-            </a:r>
-            <a:r>
-              <a:rPr lang="en-US" altLang="ko-KR" b="1" dirty="0">
-                <a:solidFill>
-                  <a:schemeClr val="tx2">
-                    <a:lumMod val="75000"/>
-                  </a:schemeClr>
-                </a:solidFill>
-                <a:latin typeface="+mj-lt"/>
-                <a:ea typeface="굴림" pitchFamily="50" charset="-127"/>
-              </a:rPr>
-              <a:t>multiple elements</a:t>
-            </a:r>
-          </a:p>
-          <a:p>
-            <a:pPr marL="377887" lvl="1" indent="0">
-              <a:lnSpc>
-                <a:spcPct val="110000"/>
-              </a:lnSpc>
-              <a:buNone/>
-            </a:pPr>
-            <a:endParaRPr lang="en-US" altLang="ko-KR" b="1" dirty="0">
-              <a:solidFill>
-                <a:schemeClr val="tx2">
-                  <a:lumMod val="75000"/>
-                </a:schemeClr>
-              </a:solidFill>
-              <a:latin typeface="Consolas" panose="020B0609020204030204" pitchFamily="49" charset="0"/>
-              <a:ea typeface="굴림" pitchFamily="50" charset="-127"/>
-            </a:endParaRPr>
-          </a:p>
-        </p:txBody>
-      </p:sp>
-      <p:sp>
-        <p:nvSpPr>
-          <p:cNvPr id="466946" name="Rectangle 2"/>
-          <p:cNvSpPr>
-            <a:spLocks noGrp="1" noChangeArrowheads="1"/>
+          <p:cNvPr id="2" name="Title 1"/>
+          <p:cNvSpPr>
+            <a:spLocks noGrp="1"/>
           </p:cNvSpPr>
           <p:nvPr>
             <p:ph type="title"/>
@@ -7090,16 +5535,602 @@
               <a:rPr lang="en-US" altLang="ko-KR" dirty="0">
                 <a:ea typeface="굴림" pitchFamily="50" charset="-127"/>
               </a:rPr>
-              <a:t>Problem: BST Search</a:t>
-            </a:r>
-            <a:endParaRPr lang="bg-BG" dirty="0"/>
+              <a:t>Solution: BST Search</a:t>
+            </a:r>
+            <a:endParaRPr lang="en-US" dirty="0"/>
+          </a:p>
+        </p:txBody>
+      </p:sp>
+      <p:sp>
+        <p:nvSpPr>
+          <p:cNvPr id="5" name="Rectangle 4"/>
+          <p:cNvSpPr>
+            <a:spLocks noChangeArrowheads="1"/>
+          </p:cNvSpPr>
+          <p:nvPr/>
+        </p:nvSpPr>
+        <p:spPr bwMode="auto">
+          <a:xfrm>
+            <a:off x="989011" y="1143000"/>
+            <a:ext cx="10210802" cy="5262979"/>
+          </a:xfrm>
+          <a:prstGeom prst="rect">
+            <a:avLst/>
+          </a:prstGeom>
+          <a:solidFill>
+            <a:schemeClr val="accent5">
+              <a:lumMod val="40000"/>
+              <a:lumOff val="60000"/>
+              <a:alpha val="15000"/>
+            </a:schemeClr>
+          </a:solidFill>
+          <a:ln w="12700">
+            <a:solidFill>
+              <a:schemeClr val="accent5">
+                <a:lumMod val="60000"/>
+                <a:lumOff val="40000"/>
+              </a:schemeClr>
+            </a:solidFill>
+          </a:ln>
+        </p:spPr>
+        <p:txBody>
+          <a:bodyPr wrap="square">
+            <a:spAutoFit/>
+          </a:bodyPr>
+          <a:lstStyle/>
+          <a:p>
+            <a:pPr eaLnBrk="0" hangingPunct="0">
+              <a:spcBef>
+                <a:spcPts val="0"/>
+              </a:spcBef>
+              <a:buClr>
+                <a:schemeClr val="accent5">
+                  <a:lumMod val="40000"/>
+                  <a:lumOff val="60000"/>
+                </a:schemeClr>
+              </a:buClr>
+              <a:buSzPct val="70000"/>
+            </a:pPr>
+            <a:r>
+              <a:rPr lang="en-GB" b="1" noProof="1">
+                <a:solidFill>
+                  <a:schemeClr val="tx2"/>
+                </a:solidFill>
+                <a:effectLst>
+                  <a:outerShdw blurRad="38100" dist="38100" dir="2700000" algn="tl">
+                    <a:srgbClr val="000000">
+                      <a:alpha val="43137"/>
+                    </a:srgbClr>
+                  </a:outerShdw>
+                </a:effectLst>
+                <a:latin typeface="Consolas" pitchFamily="49" charset="0"/>
+                <a:cs typeface="Consolas" pitchFamily="49" charset="0"/>
+              </a:rPr>
+              <a:t>public BinarySearchTree&lt;T&gt; Search(T item)</a:t>
+            </a:r>
+          </a:p>
+          <a:p>
+            <a:pPr eaLnBrk="0" hangingPunct="0">
+              <a:spcBef>
+                <a:spcPts val="0"/>
+              </a:spcBef>
+              <a:buClr>
+                <a:schemeClr val="accent5">
+                  <a:lumMod val="40000"/>
+                  <a:lumOff val="60000"/>
+                </a:schemeClr>
+              </a:buClr>
+              <a:buSzPct val="70000"/>
+            </a:pPr>
+            <a:r>
+              <a:rPr lang="en-GB" b="1" noProof="1">
+                <a:solidFill>
+                  <a:schemeClr val="tx2"/>
+                </a:solidFill>
+                <a:effectLst>
+                  <a:outerShdw blurRad="38100" dist="38100" dir="2700000" algn="tl">
+                    <a:srgbClr val="000000">
+                      <a:alpha val="43137"/>
+                    </a:srgbClr>
+                  </a:outerShdw>
+                </a:effectLst>
+                <a:latin typeface="Consolas" pitchFamily="49" charset="0"/>
+                <a:cs typeface="Consolas" pitchFamily="49" charset="0"/>
+              </a:rPr>
+              <a:t>{</a:t>
+            </a:r>
+          </a:p>
+          <a:p>
+            <a:pPr eaLnBrk="0" hangingPunct="0">
+              <a:spcBef>
+                <a:spcPts val="0"/>
+              </a:spcBef>
+              <a:buClr>
+                <a:schemeClr val="accent5">
+                  <a:lumMod val="40000"/>
+                  <a:lumOff val="60000"/>
+                </a:schemeClr>
+              </a:buClr>
+              <a:buSzPct val="70000"/>
+            </a:pPr>
+            <a:r>
+              <a:rPr lang="en-GB" b="1" noProof="1">
+                <a:solidFill>
+                  <a:schemeClr val="tx2"/>
+                </a:solidFill>
+                <a:effectLst>
+                  <a:outerShdw blurRad="38100" dist="38100" dir="2700000" algn="tl">
+                    <a:srgbClr val="000000">
+                      <a:alpha val="43137"/>
+                    </a:srgbClr>
+                  </a:outerShdw>
+                </a:effectLst>
+                <a:latin typeface="Consolas" pitchFamily="49" charset="0"/>
+                <a:cs typeface="Consolas" pitchFamily="49" charset="0"/>
+              </a:rPr>
+              <a:t>  Node current = this.root;</a:t>
+            </a:r>
+          </a:p>
+          <a:p>
+            <a:pPr eaLnBrk="0" hangingPunct="0">
+              <a:spcBef>
+                <a:spcPts val="0"/>
+              </a:spcBef>
+              <a:buClr>
+                <a:schemeClr val="accent5">
+                  <a:lumMod val="40000"/>
+                  <a:lumOff val="60000"/>
+                </a:schemeClr>
+              </a:buClr>
+              <a:buSzPct val="70000"/>
+            </a:pPr>
+            <a:r>
+              <a:rPr lang="en-GB" b="1" noProof="1">
+                <a:solidFill>
+                  <a:schemeClr val="tx2"/>
+                </a:solidFill>
+                <a:effectLst>
+                  <a:outerShdw blurRad="38100" dist="38100" dir="2700000" algn="tl">
+                    <a:srgbClr val="000000">
+                      <a:alpha val="43137"/>
+                    </a:srgbClr>
+                  </a:outerShdw>
+                </a:effectLst>
+                <a:latin typeface="Consolas" pitchFamily="49" charset="0"/>
+                <a:cs typeface="Consolas" pitchFamily="49" charset="0"/>
+              </a:rPr>
+              <a:t>  while (current != null)</a:t>
+            </a:r>
+          </a:p>
+          <a:p>
+            <a:pPr eaLnBrk="0" hangingPunct="0">
+              <a:spcBef>
+                <a:spcPts val="0"/>
+              </a:spcBef>
+              <a:buClr>
+                <a:schemeClr val="accent5">
+                  <a:lumMod val="40000"/>
+                  <a:lumOff val="60000"/>
+                </a:schemeClr>
+              </a:buClr>
+              <a:buSzPct val="70000"/>
+            </a:pPr>
+            <a:r>
+              <a:rPr lang="en-GB" b="1" noProof="1">
+                <a:solidFill>
+                  <a:schemeClr val="tx2"/>
+                </a:solidFill>
+                <a:effectLst>
+                  <a:outerShdw blurRad="38100" dist="38100" dir="2700000" algn="tl">
+                    <a:srgbClr val="000000">
+                      <a:alpha val="43137"/>
+                    </a:srgbClr>
+                  </a:outerShdw>
+                </a:effectLst>
+                <a:latin typeface="Consolas" pitchFamily="49" charset="0"/>
+                <a:cs typeface="Consolas" pitchFamily="49" charset="0"/>
+              </a:rPr>
+              <a:t>  {</a:t>
+            </a:r>
+          </a:p>
+          <a:p>
+            <a:pPr eaLnBrk="0" hangingPunct="0">
+              <a:spcBef>
+                <a:spcPts val="0"/>
+              </a:spcBef>
+              <a:buClr>
+                <a:schemeClr val="accent5">
+                  <a:lumMod val="40000"/>
+                  <a:lumOff val="60000"/>
+                </a:schemeClr>
+              </a:buClr>
+              <a:buSzPct val="70000"/>
+            </a:pPr>
+            <a:r>
+              <a:rPr lang="en-GB" b="1" noProof="1">
+                <a:solidFill>
+                  <a:schemeClr val="tx2"/>
+                </a:solidFill>
+                <a:effectLst>
+                  <a:outerShdw blurRad="38100" dist="38100" dir="2700000" algn="tl">
+                    <a:srgbClr val="000000">
+                      <a:alpha val="43137"/>
+                    </a:srgbClr>
+                  </a:outerShdw>
+                </a:effectLst>
+                <a:latin typeface="Consolas" pitchFamily="49" charset="0"/>
+                <a:cs typeface="Consolas" pitchFamily="49" charset="0"/>
+              </a:rPr>
+              <a:t>    if (item.CompareTo(current.Value) &lt; 0)</a:t>
+            </a:r>
+          </a:p>
+          <a:p>
+            <a:pPr eaLnBrk="0" hangingPunct="0">
+              <a:spcBef>
+                <a:spcPts val="0"/>
+              </a:spcBef>
+              <a:buClr>
+                <a:schemeClr val="accent5">
+                  <a:lumMod val="40000"/>
+                  <a:lumOff val="60000"/>
+                </a:schemeClr>
+              </a:buClr>
+              <a:buSzPct val="70000"/>
+            </a:pPr>
+            <a:r>
+              <a:rPr lang="en-GB" b="1" noProof="1">
+                <a:solidFill>
+                  <a:schemeClr val="tx2"/>
+                </a:solidFill>
+                <a:effectLst>
+                  <a:outerShdw blurRad="38100" dist="38100" dir="2700000" algn="tl">
+                    <a:srgbClr val="000000">
+                      <a:alpha val="43137"/>
+                    </a:srgbClr>
+                  </a:outerShdw>
+                </a:effectLst>
+                <a:latin typeface="Consolas" pitchFamily="49" charset="0"/>
+                <a:cs typeface="Consolas" pitchFamily="49" charset="0"/>
+              </a:rPr>
+              <a:t>      current = current.Left;</a:t>
+            </a:r>
+          </a:p>
+          <a:p>
+            <a:pPr eaLnBrk="0" hangingPunct="0">
+              <a:spcBef>
+                <a:spcPts val="0"/>
+              </a:spcBef>
+              <a:buClr>
+                <a:schemeClr val="accent5">
+                  <a:lumMod val="40000"/>
+                  <a:lumOff val="60000"/>
+                </a:schemeClr>
+              </a:buClr>
+              <a:buSzPct val="70000"/>
+            </a:pPr>
+            <a:r>
+              <a:rPr lang="en-GB" b="1" noProof="1">
+                <a:solidFill>
+                  <a:schemeClr val="tx2"/>
+                </a:solidFill>
+                <a:effectLst>
+                  <a:outerShdw blurRad="38100" dist="38100" dir="2700000" algn="tl">
+                    <a:srgbClr val="000000">
+                      <a:alpha val="43137"/>
+                    </a:srgbClr>
+                  </a:outerShdw>
+                </a:effectLst>
+                <a:latin typeface="Consolas" pitchFamily="49" charset="0"/>
+                <a:cs typeface="Consolas" pitchFamily="49" charset="0"/>
+              </a:rPr>
+              <a:t>    else if (item.CompareTo(current.Value) &gt; 0)</a:t>
+            </a:r>
+            <a:endParaRPr lang="bg-BG" b="1" noProof="1">
+              <a:solidFill>
+                <a:schemeClr val="tx2"/>
+              </a:solidFill>
+              <a:effectLst>
+                <a:outerShdw blurRad="38100" dist="38100" dir="2700000" algn="tl">
+                  <a:srgbClr val="000000">
+                    <a:alpha val="43137"/>
+                  </a:srgbClr>
+                </a:outerShdw>
+              </a:effectLst>
+              <a:latin typeface="Consolas" pitchFamily="49" charset="0"/>
+              <a:cs typeface="Consolas" pitchFamily="49" charset="0"/>
+            </a:endParaRPr>
+          </a:p>
+          <a:p>
+            <a:pPr eaLnBrk="0" hangingPunct="0">
+              <a:spcBef>
+                <a:spcPts val="0"/>
+              </a:spcBef>
+              <a:buClr>
+                <a:schemeClr val="accent5">
+                  <a:lumMod val="40000"/>
+                  <a:lumOff val="60000"/>
+                </a:schemeClr>
+              </a:buClr>
+              <a:buSzPct val="70000"/>
+            </a:pPr>
+            <a:r>
+              <a:rPr lang="bg-BG" b="1" noProof="1">
+                <a:solidFill>
+                  <a:schemeClr val="tx2"/>
+                </a:solidFill>
+                <a:effectLst>
+                  <a:outerShdw blurRad="38100" dist="38100" dir="2700000" algn="tl">
+                    <a:srgbClr val="000000">
+                      <a:alpha val="43137"/>
+                    </a:srgbClr>
+                  </a:outerShdw>
+                </a:effectLst>
+                <a:latin typeface="Consolas" pitchFamily="49" charset="0"/>
+                <a:cs typeface="Consolas" pitchFamily="49" charset="0"/>
+              </a:rPr>
+              <a:t>      </a:t>
+            </a:r>
+            <a:r>
+              <a:rPr lang="en-GB" b="1" noProof="1">
+                <a:solidFill>
+                  <a:schemeClr val="tx2"/>
+                </a:solidFill>
+                <a:effectLst>
+                  <a:outerShdw blurRad="38100" dist="38100" dir="2700000" algn="tl">
+                    <a:srgbClr val="000000">
+                      <a:alpha val="43137"/>
+                    </a:srgbClr>
+                  </a:outerShdw>
+                </a:effectLst>
+                <a:latin typeface="Consolas" pitchFamily="49" charset="0"/>
+                <a:cs typeface="Consolas" pitchFamily="49" charset="0"/>
+              </a:rPr>
+              <a:t>current = current.Right;</a:t>
+            </a:r>
+          </a:p>
+          <a:p>
+            <a:pPr eaLnBrk="0" hangingPunct="0">
+              <a:spcBef>
+                <a:spcPts val="0"/>
+              </a:spcBef>
+              <a:buClr>
+                <a:schemeClr val="accent5">
+                  <a:lumMod val="40000"/>
+                  <a:lumOff val="60000"/>
+                </a:schemeClr>
+              </a:buClr>
+              <a:buSzPct val="70000"/>
+            </a:pPr>
+            <a:r>
+              <a:rPr lang="bg-BG" b="1" noProof="1">
+                <a:solidFill>
+                  <a:schemeClr val="tx2"/>
+                </a:solidFill>
+                <a:effectLst>
+                  <a:outerShdw blurRad="38100" dist="38100" dir="2700000" algn="tl">
+                    <a:srgbClr val="000000">
+                      <a:alpha val="43137"/>
+                    </a:srgbClr>
+                  </a:outerShdw>
+                </a:effectLst>
+                <a:latin typeface="Consolas" pitchFamily="49" charset="0"/>
+                <a:cs typeface="Consolas" pitchFamily="49" charset="0"/>
+              </a:rPr>
+              <a:t>    </a:t>
+            </a:r>
+            <a:r>
+              <a:rPr lang="en-GB" b="1" noProof="1">
+                <a:solidFill>
+                  <a:schemeClr val="tx2"/>
+                </a:solidFill>
+                <a:effectLst>
+                  <a:outerShdw blurRad="38100" dist="38100" dir="2700000" algn="tl">
+                    <a:srgbClr val="000000">
+                      <a:alpha val="43137"/>
+                    </a:srgbClr>
+                  </a:outerShdw>
+                </a:effectLst>
+                <a:latin typeface="Consolas" pitchFamily="49" charset="0"/>
+                <a:cs typeface="Consolas" pitchFamily="49" charset="0"/>
+              </a:rPr>
+              <a:t>else</a:t>
+            </a:r>
+          </a:p>
+          <a:p>
+            <a:pPr eaLnBrk="0" hangingPunct="0">
+              <a:spcBef>
+                <a:spcPts val="0"/>
+              </a:spcBef>
+              <a:buClr>
+                <a:schemeClr val="accent5">
+                  <a:lumMod val="40000"/>
+                  <a:lumOff val="60000"/>
+                </a:schemeClr>
+              </a:buClr>
+              <a:buSzPct val="70000"/>
+            </a:pPr>
+            <a:r>
+              <a:rPr lang="bg-BG" b="1" noProof="1">
+                <a:solidFill>
+                  <a:schemeClr val="tx2"/>
+                </a:solidFill>
+                <a:effectLst>
+                  <a:outerShdw blurRad="38100" dist="38100" dir="2700000" algn="tl">
+                    <a:srgbClr val="000000">
+                      <a:alpha val="43137"/>
+                    </a:srgbClr>
+                  </a:outerShdw>
+                </a:effectLst>
+                <a:latin typeface="Consolas" pitchFamily="49" charset="0"/>
+                <a:cs typeface="Consolas" pitchFamily="49" charset="0"/>
+              </a:rPr>
+              <a:t>      </a:t>
+            </a:r>
+            <a:r>
+              <a:rPr lang="en-GB" b="1" noProof="1">
+                <a:solidFill>
+                  <a:schemeClr val="tx2"/>
+                </a:solidFill>
+                <a:effectLst>
+                  <a:outerShdw blurRad="38100" dist="38100" dir="2700000" algn="tl">
+                    <a:srgbClr val="000000">
+                      <a:alpha val="43137"/>
+                    </a:srgbClr>
+                  </a:outerShdw>
+                </a:effectLst>
+                <a:latin typeface="Consolas" pitchFamily="49" charset="0"/>
+                <a:cs typeface="Consolas" pitchFamily="49" charset="0"/>
+              </a:rPr>
+              <a:t>break;</a:t>
+            </a:r>
+          </a:p>
+          <a:p>
+            <a:pPr eaLnBrk="0" hangingPunct="0">
+              <a:spcBef>
+                <a:spcPts val="0"/>
+              </a:spcBef>
+              <a:buClr>
+                <a:schemeClr val="accent5">
+                  <a:lumMod val="40000"/>
+                  <a:lumOff val="60000"/>
+                </a:schemeClr>
+              </a:buClr>
+              <a:buSzPct val="70000"/>
+            </a:pPr>
+            <a:r>
+              <a:rPr lang="bg-BG" b="1" noProof="1">
+                <a:solidFill>
+                  <a:schemeClr val="tx2"/>
+                </a:solidFill>
+                <a:effectLst>
+                  <a:outerShdw blurRad="38100" dist="38100" dir="2700000" algn="tl">
+                    <a:srgbClr val="000000">
+                      <a:alpha val="43137"/>
+                    </a:srgbClr>
+                  </a:outerShdw>
+                </a:effectLst>
+                <a:latin typeface="Consolas" pitchFamily="49" charset="0"/>
+                <a:cs typeface="Consolas" pitchFamily="49" charset="0"/>
+              </a:rPr>
+              <a:t>  </a:t>
+            </a:r>
+            <a:r>
+              <a:rPr lang="en-GB" b="1" noProof="1">
+                <a:solidFill>
+                  <a:schemeClr val="tx2"/>
+                </a:solidFill>
+                <a:effectLst>
+                  <a:outerShdw blurRad="38100" dist="38100" dir="2700000" algn="tl">
+                    <a:srgbClr val="000000">
+                      <a:alpha val="43137"/>
+                    </a:srgbClr>
+                  </a:outerShdw>
+                </a:effectLst>
+                <a:latin typeface="Consolas" pitchFamily="49" charset="0"/>
+                <a:cs typeface="Consolas" pitchFamily="49" charset="0"/>
+              </a:rPr>
+              <a:t>}</a:t>
+            </a:r>
+          </a:p>
+          <a:p>
+            <a:pPr eaLnBrk="0" hangingPunct="0">
+              <a:spcBef>
+                <a:spcPts val="0"/>
+              </a:spcBef>
+              <a:buClr>
+                <a:schemeClr val="accent5">
+                  <a:lumMod val="40000"/>
+                  <a:lumOff val="60000"/>
+                </a:schemeClr>
+              </a:buClr>
+              <a:buSzPct val="70000"/>
+            </a:pPr>
+            <a:r>
+              <a:rPr lang="bg-BG" b="1" noProof="1">
+                <a:solidFill>
+                  <a:schemeClr val="tx2"/>
+                </a:solidFill>
+                <a:effectLst>
+                  <a:outerShdw blurRad="38100" dist="38100" dir="2700000" algn="tl">
+                    <a:srgbClr val="000000">
+                      <a:alpha val="43137"/>
+                    </a:srgbClr>
+                  </a:outerShdw>
+                </a:effectLst>
+                <a:latin typeface="Consolas" pitchFamily="49" charset="0"/>
+                <a:cs typeface="Consolas" pitchFamily="49" charset="0"/>
+              </a:rPr>
+              <a:t>  </a:t>
+            </a:r>
+            <a:r>
+              <a:rPr lang="en-GB" b="1" noProof="1">
+                <a:solidFill>
+                  <a:schemeClr val="tx2"/>
+                </a:solidFill>
+                <a:effectLst>
+                  <a:outerShdw blurRad="38100" dist="38100" dir="2700000" algn="tl">
+                    <a:srgbClr val="000000">
+                      <a:alpha val="43137"/>
+                    </a:srgbClr>
+                  </a:outerShdw>
+                </a:effectLst>
+                <a:latin typeface="Consolas" pitchFamily="49" charset="0"/>
+                <a:cs typeface="Consolas" pitchFamily="49" charset="0"/>
+              </a:rPr>
+              <a:t>return new BinarySearchTree&lt;T&gt;(current);</a:t>
+            </a:r>
+          </a:p>
+          <a:p>
+            <a:pPr eaLnBrk="0" hangingPunct="0">
+              <a:spcBef>
+                <a:spcPts val="0"/>
+              </a:spcBef>
+              <a:buClr>
+                <a:schemeClr val="accent5">
+                  <a:lumMod val="40000"/>
+                  <a:lumOff val="60000"/>
+                </a:schemeClr>
+              </a:buClr>
+              <a:buSzPct val="70000"/>
+            </a:pPr>
+            <a:r>
+              <a:rPr lang="en-GB" b="1" noProof="1">
+                <a:solidFill>
+                  <a:schemeClr val="tx2"/>
+                </a:solidFill>
+                <a:effectLst>
+                  <a:outerShdw blurRad="38100" dist="38100" dir="2700000" algn="tl">
+                    <a:srgbClr val="000000">
+                      <a:alpha val="43137"/>
+                    </a:srgbClr>
+                  </a:outerShdw>
+                </a:effectLst>
+                <a:latin typeface="Consolas" pitchFamily="49" charset="0"/>
+                <a:cs typeface="Consolas" pitchFamily="49" charset="0"/>
+              </a:rPr>
+              <a:t>}</a:t>
+            </a:r>
+            <a:endParaRPr lang="en-US" b="1" noProof="1">
+              <a:solidFill>
+                <a:schemeClr val="tx2"/>
+              </a:solidFill>
+              <a:effectLst>
+                <a:outerShdw blurRad="38100" dist="38100" dir="2700000" algn="tl">
+                  <a:srgbClr val="000000">
+                    <a:alpha val="43137"/>
+                  </a:srgbClr>
+                </a:outerShdw>
+              </a:effectLst>
+              <a:latin typeface="Consolas" pitchFamily="49" charset="0"/>
+              <a:cs typeface="Consolas" pitchFamily="49" charset="0"/>
+            </a:endParaRPr>
           </a:p>
         </p:txBody>
       </p:sp>
     </p:spTree>
     <p:extLst>
       <p:ext uri="{BB962C8B-B14F-4D97-AF65-F5344CB8AC3E}">
-        <p14:creationId xmlns:p14="http://schemas.microsoft.com/office/powerpoint/2010/main" val="2631797752"/>
+        <p14:creationId xmlns:p14="http://schemas.microsoft.com/office/powerpoint/2010/main" val="1475773703"/>
       </p:ext>
     </p:extLst>
   </p:cSld>
@@ -7154,680 +6185,6 @@
                 <a:defRPr/>
               </a:pPr>
               <a:t>13</a:t>
-            </a:fld>
-            <a:endParaRPr lang="en-US" dirty="0"/>
-          </a:p>
-        </p:txBody>
-      </p:sp>
-      <p:sp>
-        <p:nvSpPr>
-          <p:cNvPr id="2" name="Title 1"/>
-          <p:cNvSpPr>
-            <a:spLocks noGrp="1"/>
-          </p:cNvSpPr>
-          <p:nvPr>
-            <p:ph type="title"/>
-          </p:nvPr>
-        </p:nvSpPr>
-        <p:spPr/>
-        <p:txBody>
-          <a:bodyPr/>
-          <a:lstStyle/>
-          <a:p>
-            <a:r>
-              <a:rPr lang="en-US" altLang="ko-KR" dirty="0">
-                <a:ea typeface="굴림" pitchFamily="50" charset="-127"/>
-              </a:rPr>
-              <a:t>Solution: BST Search</a:t>
-            </a:r>
-            <a:endParaRPr lang="en-US" dirty="0"/>
-          </a:p>
-        </p:txBody>
-      </p:sp>
-      <p:sp>
-        <p:nvSpPr>
-          <p:cNvPr id="5" name="Rectangle 4"/>
-          <p:cNvSpPr>
-            <a:spLocks noChangeArrowheads="1"/>
-          </p:cNvSpPr>
-          <p:nvPr/>
-        </p:nvSpPr>
-        <p:spPr bwMode="auto">
-          <a:xfrm>
-            <a:off x="989011" y="1143000"/>
-            <a:ext cx="10210802" cy="5262979"/>
-          </a:xfrm>
-          <a:prstGeom prst="rect">
-            <a:avLst/>
-          </a:prstGeom>
-          <a:solidFill>
-            <a:schemeClr val="accent5">
-              <a:lumMod val="40000"/>
-              <a:lumOff val="60000"/>
-              <a:alpha val="15000"/>
-            </a:schemeClr>
-          </a:solidFill>
-          <a:ln w="12700">
-            <a:solidFill>
-              <a:schemeClr val="accent5">
-                <a:lumMod val="60000"/>
-                <a:lumOff val="40000"/>
-              </a:schemeClr>
-            </a:solidFill>
-          </a:ln>
-        </p:spPr>
-        <p:txBody>
-          <a:bodyPr wrap="square">
-            <a:spAutoFit/>
-          </a:bodyPr>
-          <a:lstStyle/>
-          <a:p>
-            <a:pPr eaLnBrk="0" hangingPunct="0">
-              <a:spcBef>
-                <a:spcPts val="0"/>
-              </a:spcBef>
-              <a:buClr>
-                <a:schemeClr val="accent5">
-                  <a:lumMod val="40000"/>
-                  <a:lumOff val="60000"/>
-                </a:schemeClr>
-              </a:buClr>
-              <a:buSzPct val="70000"/>
-            </a:pPr>
-            <a:r>
-              <a:rPr lang="en-GB" b="1" noProof="1">
-                <a:solidFill>
-                  <a:schemeClr val="tx2"/>
-                </a:solidFill>
-                <a:effectLst>
-                  <a:outerShdw blurRad="38100" dist="38100" dir="2700000" algn="tl">
-                    <a:srgbClr val="000000">
-                      <a:alpha val="43137"/>
-                    </a:srgbClr>
-                  </a:outerShdw>
-                </a:effectLst>
-                <a:latin typeface="Consolas" pitchFamily="49" charset="0"/>
-                <a:cs typeface="Consolas" pitchFamily="49" charset="0"/>
-              </a:rPr>
-              <a:t>public BinarySearchTree&lt;T&gt; Search(T item)</a:t>
-            </a:r>
-          </a:p>
-          <a:p>
-            <a:pPr eaLnBrk="0" hangingPunct="0">
-              <a:spcBef>
-                <a:spcPts val="0"/>
-              </a:spcBef>
-              <a:buClr>
-                <a:schemeClr val="accent5">
-                  <a:lumMod val="40000"/>
-                  <a:lumOff val="60000"/>
-                </a:schemeClr>
-              </a:buClr>
-              <a:buSzPct val="70000"/>
-            </a:pPr>
-            <a:r>
-              <a:rPr lang="en-GB" b="1" noProof="1">
-                <a:solidFill>
-                  <a:schemeClr val="tx2"/>
-                </a:solidFill>
-                <a:effectLst>
-                  <a:outerShdw blurRad="38100" dist="38100" dir="2700000" algn="tl">
-                    <a:srgbClr val="000000">
-                      <a:alpha val="43137"/>
-                    </a:srgbClr>
-                  </a:outerShdw>
-                </a:effectLst>
-                <a:latin typeface="Consolas" pitchFamily="49" charset="0"/>
-                <a:cs typeface="Consolas" pitchFamily="49" charset="0"/>
-              </a:rPr>
-              <a:t>{</a:t>
-            </a:r>
-          </a:p>
-          <a:p>
-            <a:pPr eaLnBrk="0" hangingPunct="0">
-              <a:spcBef>
-                <a:spcPts val="0"/>
-              </a:spcBef>
-              <a:buClr>
-                <a:schemeClr val="accent5">
-                  <a:lumMod val="40000"/>
-                  <a:lumOff val="60000"/>
-                </a:schemeClr>
-              </a:buClr>
-              <a:buSzPct val="70000"/>
-            </a:pPr>
-            <a:r>
-              <a:rPr lang="en-GB" b="1" noProof="1">
-                <a:solidFill>
-                  <a:schemeClr val="tx2"/>
-                </a:solidFill>
-                <a:effectLst>
-                  <a:outerShdw blurRad="38100" dist="38100" dir="2700000" algn="tl">
-                    <a:srgbClr val="000000">
-                      <a:alpha val="43137"/>
-                    </a:srgbClr>
-                  </a:outerShdw>
-                </a:effectLst>
-                <a:latin typeface="Consolas" pitchFamily="49" charset="0"/>
-                <a:cs typeface="Consolas" pitchFamily="49" charset="0"/>
-              </a:rPr>
-              <a:t>  Node current = this.root;</a:t>
-            </a:r>
-          </a:p>
-          <a:p>
-            <a:pPr eaLnBrk="0" hangingPunct="0">
-              <a:spcBef>
-                <a:spcPts val="0"/>
-              </a:spcBef>
-              <a:buClr>
-                <a:schemeClr val="accent5">
-                  <a:lumMod val="40000"/>
-                  <a:lumOff val="60000"/>
-                </a:schemeClr>
-              </a:buClr>
-              <a:buSzPct val="70000"/>
-            </a:pPr>
-            <a:r>
-              <a:rPr lang="en-GB" b="1" noProof="1">
-                <a:solidFill>
-                  <a:schemeClr val="tx2"/>
-                </a:solidFill>
-                <a:effectLst>
-                  <a:outerShdw blurRad="38100" dist="38100" dir="2700000" algn="tl">
-                    <a:srgbClr val="000000">
-                      <a:alpha val="43137"/>
-                    </a:srgbClr>
-                  </a:outerShdw>
-                </a:effectLst>
-                <a:latin typeface="Consolas" pitchFamily="49" charset="0"/>
-                <a:cs typeface="Consolas" pitchFamily="49" charset="0"/>
-              </a:rPr>
-              <a:t>  while (current != null)</a:t>
-            </a:r>
-          </a:p>
-          <a:p>
-            <a:pPr eaLnBrk="0" hangingPunct="0">
-              <a:spcBef>
-                <a:spcPts val="0"/>
-              </a:spcBef>
-              <a:buClr>
-                <a:schemeClr val="accent5">
-                  <a:lumMod val="40000"/>
-                  <a:lumOff val="60000"/>
-                </a:schemeClr>
-              </a:buClr>
-              <a:buSzPct val="70000"/>
-            </a:pPr>
-            <a:r>
-              <a:rPr lang="en-GB" b="1" noProof="1">
-                <a:solidFill>
-                  <a:schemeClr val="tx2"/>
-                </a:solidFill>
-                <a:effectLst>
-                  <a:outerShdw blurRad="38100" dist="38100" dir="2700000" algn="tl">
-                    <a:srgbClr val="000000">
-                      <a:alpha val="43137"/>
-                    </a:srgbClr>
-                  </a:outerShdw>
-                </a:effectLst>
-                <a:latin typeface="Consolas" pitchFamily="49" charset="0"/>
-                <a:cs typeface="Consolas" pitchFamily="49" charset="0"/>
-              </a:rPr>
-              <a:t>  {</a:t>
-            </a:r>
-          </a:p>
-          <a:p>
-            <a:pPr eaLnBrk="0" hangingPunct="0">
-              <a:spcBef>
-                <a:spcPts val="0"/>
-              </a:spcBef>
-              <a:buClr>
-                <a:schemeClr val="accent5">
-                  <a:lumMod val="40000"/>
-                  <a:lumOff val="60000"/>
-                </a:schemeClr>
-              </a:buClr>
-              <a:buSzPct val="70000"/>
-            </a:pPr>
-            <a:r>
-              <a:rPr lang="en-GB" b="1" noProof="1">
-                <a:solidFill>
-                  <a:schemeClr val="tx2"/>
-                </a:solidFill>
-                <a:effectLst>
-                  <a:outerShdw blurRad="38100" dist="38100" dir="2700000" algn="tl">
-                    <a:srgbClr val="000000">
-                      <a:alpha val="43137"/>
-                    </a:srgbClr>
-                  </a:outerShdw>
-                </a:effectLst>
-                <a:latin typeface="Consolas" pitchFamily="49" charset="0"/>
-                <a:cs typeface="Consolas" pitchFamily="49" charset="0"/>
-              </a:rPr>
-              <a:t>    if (item.CompareTo(current.Value) &lt; 0)</a:t>
-            </a:r>
-          </a:p>
-          <a:p>
-            <a:pPr eaLnBrk="0" hangingPunct="0">
-              <a:spcBef>
-                <a:spcPts val="0"/>
-              </a:spcBef>
-              <a:buClr>
-                <a:schemeClr val="accent5">
-                  <a:lumMod val="40000"/>
-                  <a:lumOff val="60000"/>
-                </a:schemeClr>
-              </a:buClr>
-              <a:buSzPct val="70000"/>
-            </a:pPr>
-            <a:r>
-              <a:rPr lang="en-GB" b="1" noProof="1">
-                <a:solidFill>
-                  <a:schemeClr val="tx2"/>
-                </a:solidFill>
-                <a:effectLst>
-                  <a:outerShdw blurRad="38100" dist="38100" dir="2700000" algn="tl">
-                    <a:srgbClr val="000000">
-                      <a:alpha val="43137"/>
-                    </a:srgbClr>
-                  </a:outerShdw>
-                </a:effectLst>
-                <a:latin typeface="Consolas" pitchFamily="49" charset="0"/>
-                <a:cs typeface="Consolas" pitchFamily="49" charset="0"/>
-              </a:rPr>
-              <a:t>      current = current.Left;</a:t>
-            </a:r>
-          </a:p>
-          <a:p>
-            <a:pPr eaLnBrk="0" hangingPunct="0">
-              <a:spcBef>
-                <a:spcPts val="0"/>
-              </a:spcBef>
-              <a:buClr>
-                <a:schemeClr val="accent5">
-                  <a:lumMod val="40000"/>
-                  <a:lumOff val="60000"/>
-                </a:schemeClr>
-              </a:buClr>
-              <a:buSzPct val="70000"/>
-            </a:pPr>
-            <a:r>
-              <a:rPr lang="en-GB" b="1" noProof="1">
-                <a:solidFill>
-                  <a:schemeClr val="tx2"/>
-                </a:solidFill>
-                <a:effectLst>
-                  <a:outerShdw blurRad="38100" dist="38100" dir="2700000" algn="tl">
-                    <a:srgbClr val="000000">
-                      <a:alpha val="43137"/>
-                    </a:srgbClr>
-                  </a:outerShdw>
-                </a:effectLst>
-                <a:latin typeface="Consolas" pitchFamily="49" charset="0"/>
-                <a:cs typeface="Consolas" pitchFamily="49" charset="0"/>
-              </a:rPr>
-              <a:t>    else if (item.CompareTo(current.Value) &gt; 0)</a:t>
-            </a:r>
-            <a:endParaRPr lang="bg-BG" b="1" noProof="1">
-              <a:solidFill>
-                <a:schemeClr val="tx2"/>
-              </a:solidFill>
-              <a:effectLst>
-                <a:outerShdw blurRad="38100" dist="38100" dir="2700000" algn="tl">
-                  <a:srgbClr val="000000">
-                    <a:alpha val="43137"/>
-                  </a:srgbClr>
-                </a:outerShdw>
-              </a:effectLst>
-              <a:latin typeface="Consolas" pitchFamily="49" charset="0"/>
-              <a:cs typeface="Consolas" pitchFamily="49" charset="0"/>
-            </a:endParaRPr>
-          </a:p>
-          <a:p>
-            <a:pPr eaLnBrk="0" hangingPunct="0">
-              <a:spcBef>
-                <a:spcPts val="0"/>
-              </a:spcBef>
-              <a:buClr>
-                <a:schemeClr val="accent5">
-                  <a:lumMod val="40000"/>
-                  <a:lumOff val="60000"/>
-                </a:schemeClr>
-              </a:buClr>
-              <a:buSzPct val="70000"/>
-            </a:pPr>
-            <a:r>
-              <a:rPr lang="bg-BG" b="1" noProof="1">
-                <a:solidFill>
-                  <a:schemeClr val="tx2"/>
-                </a:solidFill>
-                <a:effectLst>
-                  <a:outerShdw blurRad="38100" dist="38100" dir="2700000" algn="tl">
-                    <a:srgbClr val="000000">
-                      <a:alpha val="43137"/>
-                    </a:srgbClr>
-                  </a:outerShdw>
-                </a:effectLst>
-                <a:latin typeface="Consolas" pitchFamily="49" charset="0"/>
-                <a:cs typeface="Consolas" pitchFamily="49" charset="0"/>
-              </a:rPr>
-              <a:t>      </a:t>
-            </a:r>
-            <a:r>
-              <a:rPr lang="en-GB" b="1" noProof="1">
-                <a:solidFill>
-                  <a:schemeClr val="tx2"/>
-                </a:solidFill>
-                <a:effectLst>
-                  <a:outerShdw blurRad="38100" dist="38100" dir="2700000" algn="tl">
-                    <a:srgbClr val="000000">
-                      <a:alpha val="43137"/>
-                    </a:srgbClr>
-                  </a:outerShdw>
-                </a:effectLst>
-                <a:latin typeface="Consolas" pitchFamily="49" charset="0"/>
-                <a:cs typeface="Consolas" pitchFamily="49" charset="0"/>
-              </a:rPr>
-              <a:t>current = current.Right;</a:t>
-            </a:r>
-          </a:p>
-          <a:p>
-            <a:pPr eaLnBrk="0" hangingPunct="0">
-              <a:spcBef>
-                <a:spcPts val="0"/>
-              </a:spcBef>
-              <a:buClr>
-                <a:schemeClr val="accent5">
-                  <a:lumMod val="40000"/>
-                  <a:lumOff val="60000"/>
-                </a:schemeClr>
-              </a:buClr>
-              <a:buSzPct val="70000"/>
-            </a:pPr>
-            <a:r>
-              <a:rPr lang="bg-BG" b="1" noProof="1">
-                <a:solidFill>
-                  <a:schemeClr val="tx2"/>
-                </a:solidFill>
-                <a:effectLst>
-                  <a:outerShdw blurRad="38100" dist="38100" dir="2700000" algn="tl">
-                    <a:srgbClr val="000000">
-                      <a:alpha val="43137"/>
-                    </a:srgbClr>
-                  </a:outerShdw>
-                </a:effectLst>
-                <a:latin typeface="Consolas" pitchFamily="49" charset="0"/>
-                <a:cs typeface="Consolas" pitchFamily="49" charset="0"/>
-              </a:rPr>
-              <a:t>    </a:t>
-            </a:r>
-            <a:r>
-              <a:rPr lang="en-GB" b="1" noProof="1">
-                <a:solidFill>
-                  <a:schemeClr val="tx2"/>
-                </a:solidFill>
-                <a:effectLst>
-                  <a:outerShdw blurRad="38100" dist="38100" dir="2700000" algn="tl">
-                    <a:srgbClr val="000000">
-                      <a:alpha val="43137"/>
-                    </a:srgbClr>
-                  </a:outerShdw>
-                </a:effectLst>
-                <a:latin typeface="Consolas" pitchFamily="49" charset="0"/>
-                <a:cs typeface="Consolas" pitchFamily="49" charset="0"/>
-              </a:rPr>
-              <a:t>else</a:t>
-            </a:r>
-          </a:p>
-          <a:p>
-            <a:pPr eaLnBrk="0" hangingPunct="0">
-              <a:spcBef>
-                <a:spcPts val="0"/>
-              </a:spcBef>
-              <a:buClr>
-                <a:schemeClr val="accent5">
-                  <a:lumMod val="40000"/>
-                  <a:lumOff val="60000"/>
-                </a:schemeClr>
-              </a:buClr>
-              <a:buSzPct val="70000"/>
-            </a:pPr>
-            <a:r>
-              <a:rPr lang="bg-BG" b="1" noProof="1">
-                <a:solidFill>
-                  <a:schemeClr val="tx2"/>
-                </a:solidFill>
-                <a:effectLst>
-                  <a:outerShdw blurRad="38100" dist="38100" dir="2700000" algn="tl">
-                    <a:srgbClr val="000000">
-                      <a:alpha val="43137"/>
-                    </a:srgbClr>
-                  </a:outerShdw>
-                </a:effectLst>
-                <a:latin typeface="Consolas" pitchFamily="49" charset="0"/>
-                <a:cs typeface="Consolas" pitchFamily="49" charset="0"/>
-              </a:rPr>
-              <a:t>      </a:t>
-            </a:r>
-            <a:r>
-              <a:rPr lang="en-GB" b="1" noProof="1">
-                <a:solidFill>
-                  <a:schemeClr val="tx2"/>
-                </a:solidFill>
-                <a:effectLst>
-                  <a:outerShdw blurRad="38100" dist="38100" dir="2700000" algn="tl">
-                    <a:srgbClr val="000000">
-                      <a:alpha val="43137"/>
-                    </a:srgbClr>
-                  </a:outerShdw>
-                </a:effectLst>
-                <a:latin typeface="Consolas" pitchFamily="49" charset="0"/>
-                <a:cs typeface="Consolas" pitchFamily="49" charset="0"/>
-              </a:rPr>
-              <a:t>break;</a:t>
-            </a:r>
-          </a:p>
-          <a:p>
-            <a:pPr eaLnBrk="0" hangingPunct="0">
-              <a:spcBef>
-                <a:spcPts val="0"/>
-              </a:spcBef>
-              <a:buClr>
-                <a:schemeClr val="accent5">
-                  <a:lumMod val="40000"/>
-                  <a:lumOff val="60000"/>
-                </a:schemeClr>
-              </a:buClr>
-              <a:buSzPct val="70000"/>
-            </a:pPr>
-            <a:r>
-              <a:rPr lang="bg-BG" b="1" noProof="1">
-                <a:solidFill>
-                  <a:schemeClr val="tx2"/>
-                </a:solidFill>
-                <a:effectLst>
-                  <a:outerShdw blurRad="38100" dist="38100" dir="2700000" algn="tl">
-                    <a:srgbClr val="000000">
-                      <a:alpha val="43137"/>
-                    </a:srgbClr>
-                  </a:outerShdw>
-                </a:effectLst>
-                <a:latin typeface="Consolas" pitchFamily="49" charset="0"/>
-                <a:cs typeface="Consolas" pitchFamily="49" charset="0"/>
-              </a:rPr>
-              <a:t>  </a:t>
-            </a:r>
-            <a:r>
-              <a:rPr lang="en-GB" b="1" noProof="1">
-                <a:solidFill>
-                  <a:schemeClr val="tx2"/>
-                </a:solidFill>
-                <a:effectLst>
-                  <a:outerShdw blurRad="38100" dist="38100" dir="2700000" algn="tl">
-                    <a:srgbClr val="000000">
-                      <a:alpha val="43137"/>
-                    </a:srgbClr>
-                  </a:outerShdw>
-                </a:effectLst>
-                <a:latin typeface="Consolas" pitchFamily="49" charset="0"/>
-                <a:cs typeface="Consolas" pitchFamily="49" charset="0"/>
-              </a:rPr>
-              <a:t>}</a:t>
-            </a:r>
-          </a:p>
-          <a:p>
-            <a:pPr eaLnBrk="0" hangingPunct="0">
-              <a:spcBef>
-                <a:spcPts val="0"/>
-              </a:spcBef>
-              <a:buClr>
-                <a:schemeClr val="accent5">
-                  <a:lumMod val="40000"/>
-                  <a:lumOff val="60000"/>
-                </a:schemeClr>
-              </a:buClr>
-              <a:buSzPct val="70000"/>
-            </a:pPr>
-            <a:r>
-              <a:rPr lang="bg-BG" b="1" noProof="1">
-                <a:solidFill>
-                  <a:schemeClr val="tx2"/>
-                </a:solidFill>
-                <a:effectLst>
-                  <a:outerShdw blurRad="38100" dist="38100" dir="2700000" algn="tl">
-                    <a:srgbClr val="000000">
-                      <a:alpha val="43137"/>
-                    </a:srgbClr>
-                  </a:outerShdw>
-                </a:effectLst>
-                <a:latin typeface="Consolas" pitchFamily="49" charset="0"/>
-                <a:cs typeface="Consolas" pitchFamily="49" charset="0"/>
-              </a:rPr>
-              <a:t>  </a:t>
-            </a:r>
-            <a:r>
-              <a:rPr lang="en-GB" b="1" noProof="1">
-                <a:solidFill>
-                  <a:schemeClr val="tx2"/>
-                </a:solidFill>
-                <a:effectLst>
-                  <a:outerShdw blurRad="38100" dist="38100" dir="2700000" algn="tl">
-                    <a:srgbClr val="000000">
-                      <a:alpha val="43137"/>
-                    </a:srgbClr>
-                  </a:outerShdw>
-                </a:effectLst>
-                <a:latin typeface="Consolas" pitchFamily="49" charset="0"/>
-                <a:cs typeface="Consolas" pitchFamily="49" charset="0"/>
-              </a:rPr>
-              <a:t>return new BinarySearchTree&lt;T&gt;(current);</a:t>
-            </a:r>
-          </a:p>
-          <a:p>
-            <a:pPr eaLnBrk="0" hangingPunct="0">
-              <a:spcBef>
-                <a:spcPts val="0"/>
-              </a:spcBef>
-              <a:buClr>
-                <a:schemeClr val="accent5">
-                  <a:lumMod val="40000"/>
-                  <a:lumOff val="60000"/>
-                </a:schemeClr>
-              </a:buClr>
-              <a:buSzPct val="70000"/>
-            </a:pPr>
-            <a:r>
-              <a:rPr lang="en-GB" b="1" noProof="1">
-                <a:solidFill>
-                  <a:schemeClr val="tx2"/>
-                </a:solidFill>
-                <a:effectLst>
-                  <a:outerShdw blurRad="38100" dist="38100" dir="2700000" algn="tl">
-                    <a:srgbClr val="000000">
-                      <a:alpha val="43137"/>
-                    </a:srgbClr>
-                  </a:outerShdw>
-                </a:effectLst>
-                <a:latin typeface="Consolas" pitchFamily="49" charset="0"/>
-                <a:cs typeface="Consolas" pitchFamily="49" charset="0"/>
-              </a:rPr>
-              <a:t>}</a:t>
-            </a:r>
-            <a:endParaRPr lang="en-US" b="1" noProof="1">
-              <a:solidFill>
-                <a:schemeClr val="tx2"/>
-              </a:solidFill>
-              <a:effectLst>
-                <a:outerShdw blurRad="38100" dist="38100" dir="2700000" algn="tl">
-                  <a:srgbClr val="000000">
-                    <a:alpha val="43137"/>
-                  </a:srgbClr>
-                </a:outerShdw>
-              </a:effectLst>
-              <a:latin typeface="Consolas" pitchFamily="49" charset="0"/>
-              <a:cs typeface="Consolas" pitchFamily="49" charset="0"/>
-            </a:endParaRPr>
-          </a:p>
-        </p:txBody>
-      </p:sp>
-    </p:spTree>
-    <p:extLst>
-      <p:ext uri="{BB962C8B-B14F-4D97-AF65-F5344CB8AC3E}">
-        <p14:creationId xmlns:p14="http://schemas.microsoft.com/office/powerpoint/2010/main" val="1475773703"/>
-      </p:ext>
-    </p:extLst>
-  </p:cSld>
-  <p:clrMapOvr>
-    <a:masterClrMapping/>
-  </p:clrMapOvr>
-</p:sld>
-</file>
-
-<file path=ppt/slides/slide14.xml><?xml version="1.0" encoding="utf-8"?>
-<p:sld xmlns:a="http://schemas.openxmlformats.org/drawingml/2006/main" xmlns:r="http://schemas.openxmlformats.org/officeDocument/2006/relationships" xmlns:p="http://schemas.openxmlformats.org/presentationml/2006/main">
-  <p:cSld>
-    <p:spTree>
-      <p:nvGrpSpPr>
-        <p:cNvPr id="1" name=""/>
-        <p:cNvGrpSpPr/>
-        <p:nvPr/>
-      </p:nvGrpSpPr>
-      <p:grpSpPr>
-        <a:xfrm>
-          <a:off x="0" y="0"/>
-          <a:ext cx="0" cy="0"/>
-          <a:chOff x="0" y="0"/>
-          <a:chExt cx="0" cy="0"/>
-        </a:xfrm>
-      </p:grpSpPr>
-      <p:sp>
-        <p:nvSpPr>
-          <p:cNvPr id="4" name="Slide Number Placeholder 3"/>
-          <p:cNvSpPr>
-            <a:spLocks noGrp="1"/>
-          </p:cNvSpPr>
-          <p:nvPr>
-            <p:ph type="sldNum" sz="quarter" idx="4"/>
-          </p:nvPr>
-        </p:nvSpPr>
-        <p:spPr>
-          <a:prstGeom prst="rect">
-            <a:avLst/>
-          </a:prstGeom>
-        </p:spPr>
-        <p:txBody>
-          <a:bodyPr/>
-          <a:lstStyle/>
-          <a:p>
-            <a:pPr>
-              <a:defRPr/>
-            </a:pPr>
-            <a:fld id="{58452FF4-89E3-4D1B-9927-2DBDC00E58D7}" type="slidenum">
-              <a:rPr lang="en-US" smtClean="0"/>
-              <a:pPr>
-                <a:defRPr/>
-              </a:pPr>
-              <a:t>14</a:t>
             </a:fld>
             <a:endParaRPr lang="en-US" dirty="0"/>
           </a:p>
@@ -8629,7 +6986,7 @@
 </p:sld>
 </file>
 
-<file path=ppt/slides/slide15.xml><?xml version="1.0" encoding="utf-8"?>
+<file path=ppt/slides/slide14.xml><?xml version="1.0" encoding="utf-8"?>
 <p:sld xmlns:a="http://schemas.openxmlformats.org/drawingml/2006/main" xmlns:r="http://schemas.openxmlformats.org/officeDocument/2006/relationships" xmlns:p="http://schemas.openxmlformats.org/presentationml/2006/main">
   <p:cSld>
     <p:spTree>
@@ -8737,7 +7094,7 @@
 </p:sld>
 </file>
 
-<file path=ppt/slides/slide16.xml><?xml version="1.0" encoding="utf-8"?>
+<file path=ppt/slides/slide15.xml><?xml version="1.0" encoding="utf-8"?>
 <p:sld xmlns:a="http://schemas.openxmlformats.org/drawingml/2006/main" xmlns:r="http://schemas.openxmlformats.org/officeDocument/2006/relationships" xmlns:p="http://schemas.openxmlformats.org/presentationml/2006/main">
   <p:cSld>
     <p:spTree>
@@ -8814,7 +7171,7 @@
             <a:fld id="{C014DD1E-5D91-48A3-AD6D-45FBA980D106}" type="slidenum">
               <a:rPr lang="en-US" smtClean="0"/>
               <a:pPr/>
-              <a:t>16</a:t>
+              <a:t>15</a:t>
             </a:fld>
             <a:endParaRPr lang="en-US" dirty="0"/>
           </a:p>
@@ -9364,7 +7721,7 @@
 </p:sld>
 </file>
 
-<file path=ppt/slides/slide17.xml><?xml version="1.0" encoding="utf-8"?>
+<file path=ppt/slides/slide16.xml><?xml version="1.0" encoding="utf-8"?>
 <p:sld xmlns:a="http://schemas.openxmlformats.org/drawingml/2006/main" xmlns:r="http://schemas.openxmlformats.org/officeDocument/2006/relationships" xmlns:p="http://schemas.openxmlformats.org/presentationml/2006/main">
   <p:cSld>
     <p:spTree>
@@ -9399,7 +7756,7 @@
             <a:fld id="{C014DD1E-5D91-48A3-AD6D-45FBA980D106}" type="slidenum">
               <a:rPr lang="en-US" smtClean="0"/>
               <a:pPr/>
-              <a:t>17</a:t>
+              <a:t>16</a:t>
             </a:fld>
             <a:endParaRPr lang="en-US" dirty="0"/>
           </a:p>
@@ -10050,7 +8407,7 @@
 </p:sld>
 </file>
 
-<file path=ppt/slides/slide18.xml><?xml version="1.0" encoding="utf-8"?>
+<file path=ppt/slides/slide17.xml><?xml version="1.0" encoding="utf-8"?>
 <p:sld xmlns:a="http://schemas.openxmlformats.org/drawingml/2006/main" xmlns:r="http://schemas.openxmlformats.org/officeDocument/2006/relationships" xmlns:p="http://schemas.openxmlformats.org/presentationml/2006/main">
   <p:cSld>
     <p:spTree>
@@ -10094,7 +8451,7 @@
               <a:pPr>
                 <a:defRPr/>
               </a:pPr>
-              <a:t>18</a:t>
+              <a:t>17</a:t>
             </a:fld>
             <a:endParaRPr lang="en-US" dirty="0"/>
           </a:p>
@@ -10935,7 +9292,7 @@
 </p:sld>
 </file>
 
-<file path=ppt/slides/slide19.xml><?xml version="1.0" encoding="utf-8"?>
+<file path=ppt/slides/slide18.xml><?xml version="1.0" encoding="utf-8"?>
 <p:sld xmlns:a="http://schemas.openxmlformats.org/drawingml/2006/main" xmlns:r="http://schemas.openxmlformats.org/officeDocument/2006/relationships" xmlns:p="http://schemas.openxmlformats.org/presentationml/2006/main">
   <p:cSld>
     <p:spTree>
@@ -10979,7 +9336,7 @@
               <a:pPr>
                 <a:defRPr/>
               </a:pPr>
-              <a:t>19</a:t>
+              <a:t>18</a:t>
             </a:fld>
             <a:endParaRPr lang="en-US" dirty="0"/>
           </a:p>
@@ -11961,6 +10318,1127 @@
       <p:bldP spid="20" grpId="0" animBg="1"/>
       <p:bldP spid="28" grpId="0" animBg="1"/>
       <p:bldP spid="21" grpId="0" animBg="1"/>
+    </p:bldLst>
+  </p:timing>
+</p:sld>
+</file>
+
+<file path=ppt/slides/slide19.xml><?xml version="1.0" encoding="utf-8"?>
+<p:sld xmlns:a="http://schemas.openxmlformats.org/drawingml/2006/main" xmlns:r="http://schemas.openxmlformats.org/officeDocument/2006/relationships" xmlns:p="http://schemas.openxmlformats.org/presentationml/2006/main">
+  <p:cSld>
+    <p:spTree>
+      <p:nvGrpSpPr>
+        <p:cNvPr id="1" name=""/>
+        <p:cNvGrpSpPr/>
+        <p:nvPr/>
+      </p:nvGrpSpPr>
+      <p:grpSpPr>
+        <a:xfrm>
+          <a:off x="0" y="0"/>
+          <a:ext cx="0" cy="0"/>
+          <a:chOff x="0" y="0"/>
+          <a:chExt cx="0" cy="0"/>
+        </a:xfrm>
+      </p:grpSpPr>
+      <p:sp>
+        <p:nvSpPr>
+          <p:cNvPr id="23" name="Slide Number Placeholder 3"/>
+          <p:cNvSpPr>
+            <a:spLocks noGrp="1"/>
+          </p:cNvSpPr>
+          <p:nvPr>
+            <p:ph type="sldNum" sz="quarter" idx="4"/>
+          </p:nvPr>
+        </p:nvSpPr>
+        <p:spPr>
+          <a:prstGeom prst="rect">
+            <a:avLst/>
+          </a:prstGeom>
+        </p:spPr>
+        <p:txBody>
+          <a:bodyPr/>
+          <a:lstStyle/>
+          <a:p>
+            <a:pPr>
+              <a:defRPr/>
+            </a:pPr>
+            <a:fld id="{58452FF4-89E3-4D1B-9927-2DBDC00E58D7}" type="slidenum">
+              <a:rPr lang="en-US" smtClean="0"/>
+              <a:pPr>
+                <a:defRPr/>
+              </a:pPr>
+              <a:t>19</a:t>
+            </a:fld>
+            <a:endParaRPr lang="en-US" dirty="0"/>
+          </a:p>
+        </p:txBody>
+      </p:sp>
+      <p:sp>
+        <p:nvSpPr>
+          <p:cNvPr id="574467" name="Rectangle 3"/>
+          <p:cNvSpPr>
+            <a:spLocks noGrp="1" noChangeArrowheads="1"/>
+          </p:cNvSpPr>
+          <p:nvPr>
+            <p:ph idx="1"/>
+          </p:nvPr>
+        </p:nvSpPr>
+        <p:spPr/>
+        <p:txBody>
+          <a:bodyPr>
+            <a:normAutofit/>
+          </a:bodyPr>
+          <a:lstStyle/>
+          <a:p>
+            <a:pPr>
+              <a:lnSpc>
+                <a:spcPct val="100000"/>
+              </a:lnSpc>
+            </a:pPr>
+            <a:r>
+              <a:rPr lang="en-GB" dirty="0">
+                <a:cs typeface="Times New Roman" pitchFamily="18" charset="0"/>
+                <a:sym typeface="Symbol" pitchFamily="18" charset="2"/>
+              </a:rPr>
+              <a:t>2. Deleted right's child has no left child</a:t>
+            </a:r>
+          </a:p>
+          <a:p>
+            <a:pPr lvl="1">
+              <a:lnSpc>
+                <a:spcPct val="100000"/>
+              </a:lnSpc>
+            </a:pPr>
+            <a:r>
+              <a:rPr lang="en-GB" dirty="0">
+                <a:cs typeface="Times New Roman" pitchFamily="18" charset="0"/>
+                <a:sym typeface="Symbol" pitchFamily="18" charset="2"/>
+              </a:rPr>
+              <a:t>promote right child</a:t>
+            </a:r>
+          </a:p>
+          <a:p>
+            <a:pPr lvl="1">
+              <a:lnSpc>
+                <a:spcPct val="100000"/>
+              </a:lnSpc>
+            </a:pPr>
+            <a:endParaRPr lang="en-GB" dirty="0">
+              <a:cs typeface="Times New Roman" pitchFamily="18" charset="0"/>
+              <a:sym typeface="Symbol" pitchFamily="18" charset="2"/>
+            </a:endParaRPr>
+          </a:p>
+          <a:p>
+            <a:pPr>
+              <a:lnSpc>
+                <a:spcPct val="100000"/>
+              </a:lnSpc>
+            </a:pPr>
+            <a:r>
+              <a:rPr lang="en-GB" dirty="0">
+                <a:cs typeface="Times New Roman" pitchFamily="18" charset="0"/>
+                <a:sym typeface="Symbol" pitchFamily="18" charset="2"/>
+              </a:rPr>
+              <a:t>Example: Delete 19</a:t>
+            </a:r>
+          </a:p>
+        </p:txBody>
+      </p:sp>
+      <p:sp>
+        <p:nvSpPr>
+          <p:cNvPr id="574466" name="Rectangle 2"/>
+          <p:cNvSpPr>
+            <a:spLocks noGrp="1" noChangeArrowheads="1"/>
+          </p:cNvSpPr>
+          <p:nvPr>
+            <p:ph type="title"/>
+          </p:nvPr>
+        </p:nvSpPr>
+        <p:spPr/>
+        <p:txBody>
+          <a:bodyPr/>
+          <a:lstStyle/>
+          <a:p>
+            <a:r>
+              <a:rPr lang="en-US" dirty="0"/>
+              <a:t>BST – Remove (2)</a:t>
+            </a:r>
+            <a:endParaRPr lang="bg-BG" dirty="0"/>
+          </a:p>
+        </p:txBody>
+      </p:sp>
+      <p:sp>
+        <p:nvSpPr>
+          <p:cNvPr id="24" name="Line 11"/>
+          <p:cNvSpPr>
+            <a:spLocks noChangeShapeType="1"/>
+          </p:cNvSpPr>
+          <p:nvPr/>
+        </p:nvSpPr>
+        <p:spPr bwMode="auto">
+          <a:xfrm flipH="1">
+            <a:off x="10742611" y="5203207"/>
+            <a:ext cx="329945" cy="731744"/>
+          </a:xfrm>
+          <a:prstGeom prst="line">
+            <a:avLst/>
+          </a:prstGeom>
+          <a:noFill/>
+          <a:ln w="38100">
+            <a:solidFill>
+              <a:schemeClr val="accent5">
+                <a:lumMod val="20000"/>
+                <a:lumOff val="80000"/>
+              </a:schemeClr>
+            </a:solidFill>
+            <a:round/>
+            <a:headEnd/>
+            <a:tailEnd type="triangle" w="med" len="med"/>
+          </a:ln>
+          <a:effectLst/>
+        </p:spPr>
+        <p:txBody>
+          <a:bodyPr/>
+          <a:lstStyle/>
+          <a:p>
+            <a:endParaRPr lang="en-US" b="1" dirty="0">
+              <a:solidFill>
+                <a:schemeClr val="tx1">
+                  <a:lumMod val="40000"/>
+                  <a:lumOff val="60000"/>
+                </a:schemeClr>
+              </a:solidFill>
+              <a:effectLst>
+                <a:outerShdw blurRad="38100" dist="38100" dir="2700000" algn="tl">
+                  <a:srgbClr val="000000">
+                    <a:alpha val="43137"/>
+                  </a:srgbClr>
+                </a:outerShdw>
+              </a:effectLst>
+              <a:latin typeface="Consolas" pitchFamily="49" charset="0"/>
+              <a:cs typeface="Consolas" pitchFamily="49" charset="0"/>
+            </a:endParaRPr>
+          </a:p>
+        </p:txBody>
+      </p:sp>
+      <p:sp>
+        <p:nvSpPr>
+          <p:cNvPr id="2" name="TextBox 1"/>
+          <p:cNvSpPr txBox="1"/>
+          <p:nvPr/>
+        </p:nvSpPr>
+        <p:spPr>
+          <a:xfrm>
+            <a:off x="10160707" y="5822353"/>
+            <a:ext cx="726481" cy="523220"/>
+          </a:xfrm>
+          <a:prstGeom prst="rect">
+            <a:avLst/>
+          </a:prstGeom>
+          <a:noFill/>
+        </p:spPr>
+        <p:txBody>
+          <a:bodyPr wrap="none" rtlCol="0">
+            <a:spAutoFit/>
+          </a:bodyPr>
+          <a:lstStyle/>
+          <a:p>
+            <a:r>
+              <a:rPr lang="en-GB" sz="2800" dirty="0"/>
+              <a:t>null</a:t>
+            </a:r>
+          </a:p>
+        </p:txBody>
+      </p:sp>
+      <p:sp>
+        <p:nvSpPr>
+          <p:cNvPr id="25" name="Oval 24"/>
+          <p:cNvSpPr>
+            <a:spLocks noChangeArrowheads="1"/>
+          </p:cNvSpPr>
+          <p:nvPr/>
+        </p:nvSpPr>
+        <p:spPr bwMode="auto">
+          <a:xfrm>
+            <a:off x="8797643" y="1905000"/>
+            <a:ext cx="845971" cy="803028"/>
+          </a:xfrm>
+          <a:prstGeom prst="ellipse">
+            <a:avLst/>
+          </a:prstGeom>
+          <a:solidFill>
+            <a:schemeClr val="accent5">
+              <a:lumMod val="60000"/>
+              <a:lumOff val="40000"/>
+              <a:alpha val="50000"/>
+            </a:schemeClr>
+          </a:solidFill>
+          <a:ln w="38100">
+            <a:solidFill>
+              <a:schemeClr val="accent5">
+                <a:lumMod val="20000"/>
+                <a:lumOff val="80000"/>
+              </a:schemeClr>
+            </a:solidFill>
+            <a:round/>
+            <a:headEnd/>
+            <a:tailEnd/>
+          </a:ln>
+          <a:effectLst/>
+        </p:spPr>
+        <p:txBody>
+          <a:bodyPr wrap="none" anchor="ctr"/>
+          <a:lstStyle/>
+          <a:p>
+            <a:pPr algn="ctr" eaLnBrk="1" hangingPunct="1">
+              <a:lnSpc>
+                <a:spcPct val="100000"/>
+              </a:lnSpc>
+            </a:pPr>
+            <a:r>
+              <a:rPr kumimoji="0" lang="en-US" sz="2400" b="1" dirty="0">
+                <a:solidFill>
+                  <a:schemeClr val="tx1">
+                    <a:lumMod val="40000"/>
+                    <a:lumOff val="60000"/>
+                  </a:schemeClr>
+                </a:solidFill>
+                <a:effectLst>
+                  <a:outerShdw blurRad="38100" dist="38100" dir="2700000" algn="tl">
+                    <a:srgbClr val="000000">
+                      <a:alpha val="43137"/>
+                    </a:srgbClr>
+                  </a:outerShdw>
+                </a:effectLst>
+                <a:latin typeface="Consolas" pitchFamily="49" charset="0"/>
+                <a:cs typeface="Consolas" pitchFamily="49" charset="0"/>
+              </a:rPr>
+              <a:t>17</a:t>
+            </a:r>
+          </a:p>
+        </p:txBody>
+      </p:sp>
+      <p:sp>
+        <p:nvSpPr>
+          <p:cNvPr id="26" name="Oval 25"/>
+          <p:cNvSpPr>
+            <a:spLocks noChangeArrowheads="1"/>
+          </p:cNvSpPr>
+          <p:nvPr/>
+        </p:nvSpPr>
+        <p:spPr bwMode="auto">
+          <a:xfrm>
+            <a:off x="9980084" y="3141522"/>
+            <a:ext cx="845971" cy="803028"/>
+          </a:xfrm>
+          <a:prstGeom prst="ellipse">
+            <a:avLst/>
+          </a:prstGeom>
+          <a:solidFill>
+            <a:schemeClr val="accent5">
+              <a:lumMod val="60000"/>
+              <a:lumOff val="40000"/>
+              <a:alpha val="50000"/>
+            </a:schemeClr>
+          </a:solidFill>
+          <a:ln w="38100">
+            <a:solidFill>
+              <a:schemeClr val="accent5">
+                <a:lumMod val="20000"/>
+                <a:lumOff val="80000"/>
+              </a:schemeClr>
+            </a:solidFill>
+            <a:round/>
+            <a:headEnd/>
+            <a:tailEnd/>
+          </a:ln>
+          <a:effectLst/>
+        </p:spPr>
+        <p:txBody>
+          <a:bodyPr wrap="none" anchor="ctr"/>
+          <a:lstStyle/>
+          <a:p>
+            <a:pPr algn="ctr" eaLnBrk="1" hangingPunct="1">
+              <a:lnSpc>
+                <a:spcPct val="100000"/>
+              </a:lnSpc>
+            </a:pPr>
+            <a:r>
+              <a:rPr kumimoji="0" lang="en-US" sz="2400" b="1" dirty="0">
+                <a:solidFill>
+                  <a:schemeClr val="tx1">
+                    <a:lumMod val="40000"/>
+                    <a:lumOff val="60000"/>
+                  </a:schemeClr>
+                </a:solidFill>
+                <a:effectLst>
+                  <a:outerShdw blurRad="38100" dist="38100" dir="2700000" algn="tl">
+                    <a:srgbClr val="000000">
+                      <a:alpha val="43137"/>
+                    </a:srgbClr>
+                  </a:outerShdw>
+                </a:effectLst>
+                <a:latin typeface="Consolas" pitchFamily="49" charset="0"/>
+                <a:cs typeface="Consolas" pitchFamily="49" charset="0"/>
+              </a:rPr>
+              <a:t>19</a:t>
+            </a:r>
+          </a:p>
+        </p:txBody>
+      </p:sp>
+      <p:sp>
+        <p:nvSpPr>
+          <p:cNvPr id="30" name="Oval 29"/>
+          <p:cNvSpPr>
+            <a:spLocks noChangeArrowheads="1"/>
+          </p:cNvSpPr>
+          <p:nvPr/>
+        </p:nvSpPr>
+        <p:spPr bwMode="auto">
+          <a:xfrm>
+            <a:off x="7541526" y="3088993"/>
+            <a:ext cx="844318" cy="803028"/>
+          </a:xfrm>
+          <a:prstGeom prst="ellipse">
+            <a:avLst/>
+          </a:prstGeom>
+          <a:solidFill>
+            <a:schemeClr val="accent5">
+              <a:lumMod val="60000"/>
+              <a:lumOff val="40000"/>
+              <a:alpha val="50000"/>
+            </a:schemeClr>
+          </a:solidFill>
+          <a:ln w="38100">
+            <a:solidFill>
+              <a:schemeClr val="accent5">
+                <a:lumMod val="20000"/>
+                <a:lumOff val="80000"/>
+              </a:schemeClr>
+            </a:solidFill>
+            <a:round/>
+            <a:headEnd/>
+            <a:tailEnd/>
+          </a:ln>
+          <a:effectLst/>
+        </p:spPr>
+        <p:txBody>
+          <a:bodyPr wrap="none" anchor="ctr"/>
+          <a:lstStyle/>
+          <a:p>
+            <a:pPr algn="ctr" eaLnBrk="1" hangingPunct="1">
+              <a:lnSpc>
+                <a:spcPct val="100000"/>
+              </a:lnSpc>
+            </a:pPr>
+            <a:r>
+              <a:rPr kumimoji="0" lang="en-US" sz="2400" b="1" dirty="0">
+                <a:solidFill>
+                  <a:schemeClr val="tx1">
+                    <a:lumMod val="40000"/>
+                    <a:lumOff val="60000"/>
+                  </a:schemeClr>
+                </a:solidFill>
+                <a:effectLst>
+                  <a:outerShdw blurRad="38100" dist="38100" dir="2700000" algn="tl">
+                    <a:srgbClr val="000000">
+                      <a:alpha val="43137"/>
+                    </a:srgbClr>
+                  </a:outerShdw>
+                </a:effectLst>
+                <a:latin typeface="Consolas" pitchFamily="49" charset="0"/>
+                <a:cs typeface="Consolas" pitchFamily="49" charset="0"/>
+              </a:rPr>
+              <a:t>9</a:t>
+            </a:r>
+          </a:p>
+        </p:txBody>
+      </p:sp>
+      <p:sp>
+        <p:nvSpPr>
+          <p:cNvPr id="33" name="Oval 32"/>
+          <p:cNvSpPr>
+            <a:spLocks noChangeArrowheads="1"/>
+          </p:cNvSpPr>
+          <p:nvPr/>
+        </p:nvSpPr>
+        <p:spPr bwMode="auto">
+          <a:xfrm>
+            <a:off x="9249532" y="4498386"/>
+            <a:ext cx="849276" cy="803028"/>
+          </a:xfrm>
+          <a:prstGeom prst="ellipse">
+            <a:avLst/>
+          </a:prstGeom>
+          <a:solidFill>
+            <a:schemeClr val="accent5">
+              <a:lumMod val="60000"/>
+              <a:lumOff val="40000"/>
+              <a:alpha val="50000"/>
+            </a:schemeClr>
+          </a:solidFill>
+          <a:ln w="38100">
+            <a:solidFill>
+              <a:schemeClr val="accent5">
+                <a:lumMod val="20000"/>
+                <a:lumOff val="80000"/>
+              </a:schemeClr>
+            </a:solidFill>
+            <a:round/>
+            <a:headEnd/>
+            <a:tailEnd/>
+          </a:ln>
+          <a:effectLst/>
+        </p:spPr>
+        <p:txBody>
+          <a:bodyPr wrap="none" anchor="ctr"/>
+          <a:lstStyle/>
+          <a:p>
+            <a:pPr algn="ctr" eaLnBrk="1" hangingPunct="1">
+              <a:lnSpc>
+                <a:spcPct val="100000"/>
+              </a:lnSpc>
+            </a:pPr>
+            <a:r>
+              <a:rPr kumimoji="0" lang="en-US" sz="2400" b="1" dirty="0">
+                <a:solidFill>
+                  <a:schemeClr val="tx1">
+                    <a:lumMod val="40000"/>
+                    <a:lumOff val="60000"/>
+                  </a:schemeClr>
+                </a:solidFill>
+                <a:effectLst>
+                  <a:outerShdw blurRad="38100" dist="38100" dir="2700000" algn="tl">
+                    <a:srgbClr val="000000">
+                      <a:alpha val="43137"/>
+                    </a:srgbClr>
+                  </a:outerShdw>
+                </a:effectLst>
+                <a:latin typeface="Consolas" pitchFamily="49" charset="0"/>
+                <a:cs typeface="Consolas" pitchFamily="49" charset="0"/>
+              </a:rPr>
+              <a:t>18</a:t>
+            </a:r>
+          </a:p>
+        </p:txBody>
+      </p:sp>
+      <p:sp>
+        <p:nvSpPr>
+          <p:cNvPr id="34" name="Line 10"/>
+          <p:cNvSpPr>
+            <a:spLocks noChangeShapeType="1"/>
+          </p:cNvSpPr>
+          <p:nvPr/>
+        </p:nvSpPr>
+        <p:spPr bwMode="auto">
+          <a:xfrm flipH="1">
+            <a:off x="8262316" y="2508939"/>
+            <a:ext cx="601033" cy="688655"/>
+          </a:xfrm>
+          <a:prstGeom prst="line">
+            <a:avLst/>
+          </a:prstGeom>
+          <a:noFill/>
+          <a:ln w="38100">
+            <a:solidFill>
+              <a:schemeClr val="accent5">
+                <a:lumMod val="20000"/>
+                <a:lumOff val="80000"/>
+              </a:schemeClr>
+            </a:solidFill>
+            <a:round/>
+            <a:headEnd/>
+            <a:tailEnd type="triangle" w="med" len="med"/>
+          </a:ln>
+          <a:effectLst/>
+        </p:spPr>
+        <p:txBody>
+          <a:bodyPr/>
+          <a:lstStyle/>
+          <a:p>
+            <a:endParaRPr lang="en-US" b="1" dirty="0">
+              <a:solidFill>
+                <a:schemeClr val="tx1">
+                  <a:lumMod val="40000"/>
+                  <a:lumOff val="60000"/>
+                </a:schemeClr>
+              </a:solidFill>
+              <a:effectLst>
+                <a:outerShdw blurRad="38100" dist="38100" dir="2700000" algn="tl">
+                  <a:srgbClr val="000000">
+                    <a:alpha val="43137"/>
+                  </a:srgbClr>
+                </a:outerShdw>
+              </a:effectLst>
+              <a:latin typeface="Consolas" pitchFamily="49" charset="0"/>
+              <a:cs typeface="Consolas" pitchFamily="49" charset="0"/>
+            </a:endParaRPr>
+          </a:p>
+        </p:txBody>
+      </p:sp>
+      <p:sp>
+        <p:nvSpPr>
+          <p:cNvPr id="35" name="Line 11"/>
+          <p:cNvSpPr>
+            <a:spLocks noChangeShapeType="1"/>
+          </p:cNvSpPr>
+          <p:nvPr/>
+        </p:nvSpPr>
+        <p:spPr bwMode="auto">
+          <a:xfrm flipH="1">
+            <a:off x="7305116" y="3868308"/>
+            <a:ext cx="457817" cy="619147"/>
+          </a:xfrm>
+          <a:prstGeom prst="line">
+            <a:avLst/>
+          </a:prstGeom>
+          <a:noFill/>
+          <a:ln w="38100">
+            <a:solidFill>
+              <a:schemeClr val="accent5">
+                <a:lumMod val="20000"/>
+                <a:lumOff val="80000"/>
+              </a:schemeClr>
+            </a:solidFill>
+            <a:round/>
+            <a:headEnd/>
+            <a:tailEnd type="triangle" w="med" len="med"/>
+          </a:ln>
+          <a:effectLst/>
+        </p:spPr>
+        <p:txBody>
+          <a:bodyPr/>
+          <a:lstStyle/>
+          <a:p>
+            <a:endParaRPr lang="en-US" b="1" dirty="0">
+              <a:solidFill>
+                <a:schemeClr val="tx1">
+                  <a:lumMod val="40000"/>
+                  <a:lumOff val="60000"/>
+                </a:schemeClr>
+              </a:solidFill>
+              <a:effectLst>
+                <a:outerShdw blurRad="38100" dist="38100" dir="2700000" algn="tl">
+                  <a:srgbClr val="000000">
+                    <a:alpha val="43137"/>
+                  </a:srgbClr>
+                </a:outerShdw>
+              </a:effectLst>
+              <a:latin typeface="Consolas" pitchFamily="49" charset="0"/>
+              <a:cs typeface="Consolas" pitchFamily="49" charset="0"/>
+            </a:endParaRPr>
+          </a:p>
+        </p:txBody>
+      </p:sp>
+      <p:sp>
+        <p:nvSpPr>
+          <p:cNvPr id="36" name="Line 12"/>
+          <p:cNvSpPr>
+            <a:spLocks noChangeShapeType="1"/>
+          </p:cNvSpPr>
+          <p:nvPr/>
+        </p:nvSpPr>
+        <p:spPr bwMode="auto">
+          <a:xfrm flipH="1">
+            <a:off x="9766410" y="3868308"/>
+            <a:ext cx="332398" cy="619147"/>
+          </a:xfrm>
+          <a:prstGeom prst="line">
+            <a:avLst/>
+          </a:prstGeom>
+          <a:noFill/>
+          <a:ln w="38100">
+            <a:solidFill>
+              <a:schemeClr val="accent5">
+                <a:lumMod val="20000"/>
+                <a:lumOff val="80000"/>
+              </a:schemeClr>
+            </a:solidFill>
+            <a:round/>
+            <a:headEnd/>
+            <a:tailEnd type="triangle" w="med" len="med"/>
+          </a:ln>
+          <a:effectLst/>
+        </p:spPr>
+        <p:txBody>
+          <a:bodyPr/>
+          <a:lstStyle/>
+          <a:p>
+            <a:endParaRPr lang="en-US" b="1" dirty="0">
+              <a:solidFill>
+                <a:schemeClr val="tx1">
+                  <a:lumMod val="40000"/>
+                  <a:lumOff val="60000"/>
+                </a:schemeClr>
+              </a:solidFill>
+              <a:effectLst>
+                <a:outerShdw blurRad="38100" dist="38100" dir="2700000" algn="tl">
+                  <a:srgbClr val="000000">
+                    <a:alpha val="43137"/>
+                  </a:srgbClr>
+                </a:outerShdw>
+              </a:effectLst>
+              <a:latin typeface="Consolas" pitchFamily="49" charset="0"/>
+              <a:cs typeface="Consolas" pitchFamily="49" charset="0"/>
+            </a:endParaRPr>
+          </a:p>
+        </p:txBody>
+      </p:sp>
+      <p:sp>
+        <p:nvSpPr>
+          <p:cNvPr id="37" name="Line 13"/>
+          <p:cNvSpPr>
+            <a:spLocks noChangeShapeType="1"/>
+          </p:cNvSpPr>
+          <p:nvPr/>
+        </p:nvSpPr>
+        <p:spPr bwMode="auto">
+          <a:xfrm>
+            <a:off x="9535803" y="2568149"/>
+            <a:ext cx="563005" cy="684100"/>
+          </a:xfrm>
+          <a:prstGeom prst="line">
+            <a:avLst/>
+          </a:prstGeom>
+          <a:noFill/>
+          <a:ln w="38100">
+            <a:solidFill>
+              <a:schemeClr val="accent5">
+                <a:lumMod val="20000"/>
+                <a:lumOff val="80000"/>
+              </a:schemeClr>
+            </a:solidFill>
+            <a:round/>
+            <a:headEnd/>
+            <a:tailEnd type="triangle" w="med" len="med"/>
+          </a:ln>
+          <a:effectLst/>
+        </p:spPr>
+        <p:txBody>
+          <a:bodyPr/>
+          <a:lstStyle/>
+          <a:p>
+            <a:endParaRPr lang="en-US" b="1" dirty="0">
+              <a:solidFill>
+                <a:schemeClr val="tx1">
+                  <a:lumMod val="40000"/>
+                  <a:lumOff val="60000"/>
+                </a:schemeClr>
+              </a:solidFill>
+              <a:effectLst>
+                <a:outerShdw blurRad="38100" dist="38100" dir="2700000" algn="tl">
+                  <a:srgbClr val="000000">
+                    <a:alpha val="43137"/>
+                  </a:srgbClr>
+                </a:outerShdw>
+              </a:effectLst>
+              <a:latin typeface="Consolas" pitchFamily="49" charset="0"/>
+              <a:cs typeface="Consolas" pitchFamily="49" charset="0"/>
+            </a:endParaRPr>
+          </a:p>
+        </p:txBody>
+      </p:sp>
+      <p:sp>
+        <p:nvSpPr>
+          <p:cNvPr id="38" name="Oval 37"/>
+          <p:cNvSpPr>
+            <a:spLocks noChangeArrowheads="1"/>
+          </p:cNvSpPr>
+          <p:nvPr/>
+        </p:nvSpPr>
+        <p:spPr bwMode="auto">
+          <a:xfrm>
+            <a:off x="10841753" y="4452842"/>
+            <a:ext cx="845971" cy="803028"/>
+          </a:xfrm>
+          <a:prstGeom prst="ellipse">
+            <a:avLst/>
+          </a:prstGeom>
+          <a:solidFill>
+            <a:schemeClr val="accent5">
+              <a:lumMod val="60000"/>
+              <a:lumOff val="40000"/>
+              <a:alpha val="50000"/>
+            </a:schemeClr>
+          </a:solidFill>
+          <a:ln w="38100">
+            <a:solidFill>
+              <a:schemeClr val="accent5">
+                <a:lumMod val="20000"/>
+                <a:lumOff val="80000"/>
+              </a:schemeClr>
+            </a:solidFill>
+            <a:round/>
+            <a:headEnd/>
+            <a:tailEnd/>
+          </a:ln>
+          <a:effectLst/>
+        </p:spPr>
+        <p:txBody>
+          <a:bodyPr wrap="none" anchor="ctr"/>
+          <a:lstStyle/>
+          <a:p>
+            <a:pPr algn="ctr" eaLnBrk="1" hangingPunct="1">
+              <a:lnSpc>
+                <a:spcPct val="100000"/>
+              </a:lnSpc>
+            </a:pPr>
+            <a:r>
+              <a:rPr kumimoji="0" lang="en-US" sz="2400" b="1" dirty="0">
+                <a:solidFill>
+                  <a:schemeClr val="tx1">
+                    <a:lumMod val="40000"/>
+                    <a:lumOff val="60000"/>
+                  </a:schemeClr>
+                </a:solidFill>
+                <a:effectLst>
+                  <a:outerShdw blurRad="38100" dist="38100" dir="2700000" algn="tl">
+                    <a:srgbClr val="000000">
+                      <a:alpha val="43137"/>
+                    </a:srgbClr>
+                  </a:outerShdw>
+                </a:effectLst>
+                <a:latin typeface="Consolas" pitchFamily="49" charset="0"/>
+                <a:cs typeface="Consolas" pitchFamily="49" charset="0"/>
+              </a:rPr>
+              <a:t>25</a:t>
+            </a:r>
+          </a:p>
+        </p:txBody>
+      </p:sp>
+      <p:sp>
+        <p:nvSpPr>
+          <p:cNvPr id="39" name="Line 15"/>
+          <p:cNvSpPr>
+            <a:spLocks noChangeShapeType="1"/>
+          </p:cNvSpPr>
+          <p:nvPr/>
+        </p:nvSpPr>
+        <p:spPr bwMode="auto">
+          <a:xfrm>
+            <a:off x="10610800" y="3897179"/>
+            <a:ext cx="445210" cy="601207"/>
+          </a:xfrm>
+          <a:prstGeom prst="line">
+            <a:avLst/>
+          </a:prstGeom>
+          <a:noFill/>
+          <a:ln w="38100">
+            <a:solidFill>
+              <a:schemeClr val="accent5">
+                <a:lumMod val="20000"/>
+                <a:lumOff val="80000"/>
+              </a:schemeClr>
+            </a:solidFill>
+            <a:round/>
+            <a:headEnd/>
+            <a:tailEnd type="triangle" w="med" len="med"/>
+          </a:ln>
+          <a:effectLst/>
+        </p:spPr>
+        <p:txBody>
+          <a:bodyPr/>
+          <a:lstStyle/>
+          <a:p>
+            <a:endParaRPr lang="en-US" b="1" dirty="0">
+              <a:solidFill>
+                <a:schemeClr val="tx1">
+                  <a:lumMod val="40000"/>
+                  <a:lumOff val="60000"/>
+                </a:schemeClr>
+              </a:solidFill>
+              <a:effectLst>
+                <a:outerShdw blurRad="38100" dist="38100" dir="2700000" algn="tl">
+                  <a:srgbClr val="000000">
+                    <a:alpha val="43137"/>
+                  </a:srgbClr>
+                </a:outerShdw>
+              </a:effectLst>
+              <a:latin typeface="Consolas" pitchFamily="49" charset="0"/>
+              <a:cs typeface="Consolas" pitchFamily="49" charset="0"/>
+            </a:endParaRPr>
+          </a:p>
+        </p:txBody>
+      </p:sp>
+      <p:sp>
+        <p:nvSpPr>
+          <p:cNvPr id="40" name="Oval 39"/>
+          <p:cNvSpPr>
+            <a:spLocks noChangeArrowheads="1"/>
+          </p:cNvSpPr>
+          <p:nvPr/>
+        </p:nvSpPr>
+        <p:spPr bwMode="auto">
+          <a:xfrm>
+            <a:off x="6704012" y="4453411"/>
+            <a:ext cx="845971" cy="803028"/>
+          </a:xfrm>
+          <a:prstGeom prst="ellipse">
+            <a:avLst/>
+          </a:prstGeom>
+          <a:solidFill>
+            <a:schemeClr val="accent5">
+              <a:lumMod val="60000"/>
+              <a:lumOff val="40000"/>
+              <a:alpha val="50000"/>
+            </a:schemeClr>
+          </a:solidFill>
+          <a:ln w="38100">
+            <a:solidFill>
+              <a:schemeClr val="accent5">
+                <a:lumMod val="20000"/>
+                <a:lumOff val="80000"/>
+              </a:schemeClr>
+            </a:solidFill>
+            <a:round/>
+            <a:headEnd/>
+            <a:tailEnd/>
+          </a:ln>
+          <a:effectLst/>
+        </p:spPr>
+        <p:txBody>
+          <a:bodyPr wrap="none" anchor="ctr"/>
+          <a:lstStyle/>
+          <a:p>
+            <a:pPr algn="ctr" eaLnBrk="1" hangingPunct="1">
+              <a:lnSpc>
+                <a:spcPct val="100000"/>
+              </a:lnSpc>
+            </a:pPr>
+            <a:r>
+              <a:rPr kumimoji="0" lang="en-US" sz="2400" b="1" dirty="0">
+                <a:solidFill>
+                  <a:schemeClr val="tx1">
+                    <a:lumMod val="40000"/>
+                    <a:lumOff val="60000"/>
+                  </a:schemeClr>
+                </a:solidFill>
+                <a:effectLst>
+                  <a:outerShdw blurRad="38100" dist="38100" dir="2700000" algn="tl">
+                    <a:srgbClr val="000000">
+                      <a:alpha val="43137"/>
+                    </a:srgbClr>
+                  </a:outerShdw>
+                </a:effectLst>
+                <a:latin typeface="Consolas" pitchFamily="49" charset="0"/>
+                <a:cs typeface="Consolas" pitchFamily="49" charset="0"/>
+              </a:rPr>
+              <a:t>6</a:t>
+            </a:r>
+          </a:p>
+        </p:txBody>
+      </p:sp>
+    </p:spTree>
+    <p:extLst>
+      <p:ext uri="{BB962C8B-B14F-4D97-AF65-F5344CB8AC3E}">
+        <p14:creationId xmlns:p14="http://schemas.microsoft.com/office/powerpoint/2010/main" val="4046683784"/>
+      </p:ext>
+    </p:extLst>
+  </p:cSld>
+  <p:clrMapOvr>
+    <a:masterClrMapping/>
+  </p:clrMapOvr>
+  <p:timing>
+    <p:tnLst>
+      <p:par>
+        <p:cTn id="1" dur="indefinite" restart="never" nodeType="tmRoot">
+          <p:childTnLst>
+            <p:seq concurrent="1" nextAc="seek">
+              <p:cTn id="2" dur="indefinite" nodeType="mainSeq">
+                <p:childTnLst>
+                  <p:par>
+                    <p:cTn id="3" fill="hold">
+                      <p:stCondLst>
+                        <p:cond delay="indefinite"/>
+                      </p:stCondLst>
+                      <p:childTnLst>
+                        <p:par>
+                          <p:cTn id="4" fill="hold">
+                            <p:stCondLst>
+                              <p:cond delay="0"/>
+                            </p:stCondLst>
+                            <p:childTnLst>
+                              <p:par>
+                                <p:cTn id="5" presetID="1" presetClass="exit" presetSubtype="0" fill="hold" grpId="0" nodeType="clickEffect">
+                                  <p:stCondLst>
+                                    <p:cond delay="0"/>
+                                  </p:stCondLst>
+                                  <p:childTnLst>
+                                    <p:set>
+                                      <p:cBhvr>
+                                        <p:cTn id="6" dur="1" fill="hold">
+                                          <p:stCondLst>
+                                            <p:cond delay="0"/>
+                                          </p:stCondLst>
+                                        </p:cTn>
+                                        <p:tgtEl>
+                                          <p:spTgt spid="26"/>
+                                        </p:tgtEl>
+                                        <p:attrNameLst>
+                                          <p:attrName>style.visibility</p:attrName>
+                                        </p:attrNameLst>
+                                      </p:cBhvr>
+                                      <p:to>
+                                        <p:strVal val="hidden"/>
+                                      </p:to>
+                                    </p:set>
+                                  </p:childTnLst>
+                                </p:cTn>
+                              </p:par>
+                              <p:par>
+                                <p:cTn id="7" presetID="1" presetClass="exit" presetSubtype="0" fill="hold" grpId="0" nodeType="withEffect">
+                                  <p:stCondLst>
+                                    <p:cond delay="0"/>
+                                  </p:stCondLst>
+                                  <p:childTnLst>
+                                    <p:set>
+                                      <p:cBhvr>
+                                        <p:cTn id="8" dur="1" fill="hold">
+                                          <p:stCondLst>
+                                            <p:cond delay="0"/>
+                                          </p:stCondLst>
+                                        </p:cTn>
+                                        <p:tgtEl>
+                                          <p:spTgt spid="39"/>
+                                        </p:tgtEl>
+                                        <p:attrNameLst>
+                                          <p:attrName>style.visibility</p:attrName>
+                                        </p:attrNameLst>
+                                      </p:cBhvr>
+                                      <p:to>
+                                        <p:strVal val="hidden"/>
+                                      </p:to>
+                                    </p:set>
+                                  </p:childTnLst>
+                                </p:cTn>
+                              </p:par>
+                              <p:par>
+                                <p:cTn id="9" presetID="1" presetClass="exit" presetSubtype="0" fill="hold" grpId="0" nodeType="withEffect">
+                                  <p:stCondLst>
+                                    <p:cond delay="0"/>
+                                  </p:stCondLst>
+                                  <p:childTnLst>
+                                    <p:set>
+                                      <p:cBhvr>
+                                        <p:cTn id="10" dur="1" fill="hold">
+                                          <p:stCondLst>
+                                            <p:cond delay="0"/>
+                                          </p:stCondLst>
+                                        </p:cTn>
+                                        <p:tgtEl>
+                                          <p:spTgt spid="24"/>
+                                        </p:tgtEl>
+                                        <p:attrNameLst>
+                                          <p:attrName>style.visibility</p:attrName>
+                                        </p:attrNameLst>
+                                      </p:cBhvr>
+                                      <p:to>
+                                        <p:strVal val="hidden"/>
+                                      </p:to>
+                                    </p:set>
+                                  </p:childTnLst>
+                                </p:cTn>
+                              </p:par>
+                              <p:par>
+                                <p:cTn id="11" presetID="1" presetClass="exit" presetSubtype="0" fill="hold" grpId="0" nodeType="withEffect">
+                                  <p:stCondLst>
+                                    <p:cond delay="0"/>
+                                  </p:stCondLst>
+                                  <p:childTnLst>
+                                    <p:set>
+                                      <p:cBhvr>
+                                        <p:cTn id="12" dur="1" fill="hold">
+                                          <p:stCondLst>
+                                            <p:cond delay="0"/>
+                                          </p:stCondLst>
+                                        </p:cTn>
+                                        <p:tgtEl>
+                                          <p:spTgt spid="2"/>
+                                        </p:tgtEl>
+                                        <p:attrNameLst>
+                                          <p:attrName>style.visibility</p:attrName>
+                                        </p:attrNameLst>
+                                      </p:cBhvr>
+                                      <p:to>
+                                        <p:strVal val="hidden"/>
+                                      </p:to>
+                                    </p:set>
+                                  </p:childTnLst>
+                                </p:cTn>
+                              </p:par>
+                            </p:childTnLst>
+                          </p:cTn>
+                        </p:par>
+                      </p:childTnLst>
+                    </p:cTn>
+                  </p:par>
+                  <p:par>
+                    <p:cTn id="13" fill="hold">
+                      <p:stCondLst>
+                        <p:cond delay="indefinite"/>
+                      </p:stCondLst>
+                      <p:childTnLst>
+                        <p:par>
+                          <p:cTn id="14" fill="hold">
+                            <p:stCondLst>
+                              <p:cond delay="0"/>
+                            </p:stCondLst>
+                            <p:childTnLst>
+                              <p:par>
+                                <p:cTn id="15" presetID="64" presetClass="path" presetSubtype="0" accel="50000" decel="50000" fill="hold" grpId="0" nodeType="clickEffect">
+                                  <p:stCondLst>
+                                    <p:cond delay="0"/>
+                                  </p:stCondLst>
+                                  <p:childTnLst>
+                                    <p:animMotion origin="layout" path="M 1.23209E-6 -3.7037E-7 L -0.07176 -0.18565 " pathEditMode="relative" rAng="0" ptsTypes="AA">
+                                      <p:cBhvr>
+                                        <p:cTn id="16" dur="2000" fill="hold"/>
+                                        <p:tgtEl>
+                                          <p:spTgt spid="38"/>
+                                        </p:tgtEl>
+                                        <p:attrNameLst>
+                                          <p:attrName>ppt_x</p:attrName>
+                                          <p:attrName>ppt_y</p:attrName>
+                                        </p:attrNameLst>
+                                      </p:cBhvr>
+                                      <p:rCtr x="-3595" y="-9282"/>
+                                    </p:animMotion>
+                                  </p:childTnLst>
+                                </p:cTn>
+                              </p:par>
+                            </p:childTnLst>
+                          </p:cTn>
+                        </p:par>
+                      </p:childTnLst>
+                    </p:cTn>
+                  </p:par>
+                </p:childTnLst>
+              </p:cTn>
+              <p:prevCondLst>
+                <p:cond evt="onPrev" delay="0">
+                  <p:tgtEl>
+                    <p:sldTgt/>
+                  </p:tgtEl>
+                </p:cond>
+              </p:prevCondLst>
+              <p:nextCondLst>
+                <p:cond evt="onNext" delay="0">
+                  <p:tgtEl>
+                    <p:sldTgt/>
+                  </p:tgtEl>
+                </p:cond>
+              </p:nextCondLst>
+            </p:seq>
+          </p:childTnLst>
+        </p:cTn>
+      </p:par>
+    </p:tnLst>
+    <p:bldLst>
+      <p:bldP spid="24" grpId="0" animBg="1"/>
+      <p:bldP spid="2" grpId="0"/>
+      <p:bldP spid="26" grpId="0" animBg="1"/>
+      <p:bldP spid="38" grpId="0" animBg="1"/>
+      <p:bldP spid="39" grpId="0" animBg="1"/>
     </p:bldLst>
   </p:timing>
 </p:sld>
@@ -12480,1127 +11958,6 @@
                 <a:cs typeface="Times New Roman" pitchFamily="18" charset="0"/>
                 <a:sym typeface="Symbol" pitchFamily="18" charset="2"/>
               </a:rPr>
-              <a:t>2. Deleted right's child has no left child</a:t>
-            </a:r>
-          </a:p>
-          <a:p>
-            <a:pPr lvl="1">
-              <a:lnSpc>
-                <a:spcPct val="100000"/>
-              </a:lnSpc>
-            </a:pPr>
-            <a:r>
-              <a:rPr lang="en-GB" dirty="0">
-                <a:cs typeface="Times New Roman" pitchFamily="18" charset="0"/>
-                <a:sym typeface="Symbol" pitchFamily="18" charset="2"/>
-              </a:rPr>
-              <a:t>promote right child</a:t>
-            </a:r>
-          </a:p>
-          <a:p>
-            <a:pPr lvl="1">
-              <a:lnSpc>
-                <a:spcPct val="100000"/>
-              </a:lnSpc>
-            </a:pPr>
-            <a:endParaRPr lang="en-GB" dirty="0">
-              <a:cs typeface="Times New Roman" pitchFamily="18" charset="0"/>
-              <a:sym typeface="Symbol" pitchFamily="18" charset="2"/>
-            </a:endParaRPr>
-          </a:p>
-          <a:p>
-            <a:pPr>
-              <a:lnSpc>
-                <a:spcPct val="100000"/>
-              </a:lnSpc>
-            </a:pPr>
-            <a:r>
-              <a:rPr lang="en-GB" dirty="0">
-                <a:cs typeface="Times New Roman" pitchFamily="18" charset="0"/>
-                <a:sym typeface="Symbol" pitchFamily="18" charset="2"/>
-              </a:rPr>
-              <a:t>Example: Delete 19</a:t>
-            </a:r>
-          </a:p>
-        </p:txBody>
-      </p:sp>
-      <p:sp>
-        <p:nvSpPr>
-          <p:cNvPr id="574466" name="Rectangle 2"/>
-          <p:cNvSpPr>
-            <a:spLocks noGrp="1" noChangeArrowheads="1"/>
-          </p:cNvSpPr>
-          <p:nvPr>
-            <p:ph type="title"/>
-          </p:nvPr>
-        </p:nvSpPr>
-        <p:spPr/>
-        <p:txBody>
-          <a:bodyPr/>
-          <a:lstStyle/>
-          <a:p>
-            <a:r>
-              <a:rPr lang="en-US" dirty="0"/>
-              <a:t>BST – Remove (2)</a:t>
-            </a:r>
-            <a:endParaRPr lang="bg-BG" dirty="0"/>
-          </a:p>
-        </p:txBody>
-      </p:sp>
-      <p:sp>
-        <p:nvSpPr>
-          <p:cNvPr id="24" name="Line 11"/>
-          <p:cNvSpPr>
-            <a:spLocks noChangeShapeType="1"/>
-          </p:cNvSpPr>
-          <p:nvPr/>
-        </p:nvSpPr>
-        <p:spPr bwMode="auto">
-          <a:xfrm flipH="1">
-            <a:off x="10742611" y="5203207"/>
-            <a:ext cx="329945" cy="731744"/>
-          </a:xfrm>
-          <a:prstGeom prst="line">
-            <a:avLst/>
-          </a:prstGeom>
-          <a:noFill/>
-          <a:ln w="38100">
-            <a:solidFill>
-              <a:schemeClr val="accent5">
-                <a:lumMod val="20000"/>
-                <a:lumOff val="80000"/>
-              </a:schemeClr>
-            </a:solidFill>
-            <a:round/>
-            <a:headEnd/>
-            <a:tailEnd type="triangle" w="med" len="med"/>
-          </a:ln>
-          <a:effectLst/>
-        </p:spPr>
-        <p:txBody>
-          <a:bodyPr/>
-          <a:lstStyle/>
-          <a:p>
-            <a:endParaRPr lang="en-US" b="1" dirty="0">
-              <a:solidFill>
-                <a:schemeClr val="tx1">
-                  <a:lumMod val="40000"/>
-                  <a:lumOff val="60000"/>
-                </a:schemeClr>
-              </a:solidFill>
-              <a:effectLst>
-                <a:outerShdw blurRad="38100" dist="38100" dir="2700000" algn="tl">
-                  <a:srgbClr val="000000">
-                    <a:alpha val="43137"/>
-                  </a:srgbClr>
-                </a:outerShdw>
-              </a:effectLst>
-              <a:latin typeface="Consolas" pitchFamily="49" charset="0"/>
-              <a:cs typeface="Consolas" pitchFamily="49" charset="0"/>
-            </a:endParaRPr>
-          </a:p>
-        </p:txBody>
-      </p:sp>
-      <p:sp>
-        <p:nvSpPr>
-          <p:cNvPr id="2" name="TextBox 1"/>
-          <p:cNvSpPr txBox="1"/>
-          <p:nvPr/>
-        </p:nvSpPr>
-        <p:spPr>
-          <a:xfrm>
-            <a:off x="10160707" y="5822353"/>
-            <a:ext cx="726481" cy="523220"/>
-          </a:xfrm>
-          <a:prstGeom prst="rect">
-            <a:avLst/>
-          </a:prstGeom>
-          <a:noFill/>
-        </p:spPr>
-        <p:txBody>
-          <a:bodyPr wrap="none" rtlCol="0">
-            <a:spAutoFit/>
-          </a:bodyPr>
-          <a:lstStyle/>
-          <a:p>
-            <a:r>
-              <a:rPr lang="en-GB" sz="2800" dirty="0"/>
-              <a:t>null</a:t>
-            </a:r>
-          </a:p>
-        </p:txBody>
-      </p:sp>
-      <p:sp>
-        <p:nvSpPr>
-          <p:cNvPr id="25" name="Oval 24"/>
-          <p:cNvSpPr>
-            <a:spLocks noChangeArrowheads="1"/>
-          </p:cNvSpPr>
-          <p:nvPr/>
-        </p:nvSpPr>
-        <p:spPr bwMode="auto">
-          <a:xfrm>
-            <a:off x="8797643" y="1905000"/>
-            <a:ext cx="845971" cy="803028"/>
-          </a:xfrm>
-          <a:prstGeom prst="ellipse">
-            <a:avLst/>
-          </a:prstGeom>
-          <a:solidFill>
-            <a:schemeClr val="accent5">
-              <a:lumMod val="60000"/>
-              <a:lumOff val="40000"/>
-              <a:alpha val="50000"/>
-            </a:schemeClr>
-          </a:solidFill>
-          <a:ln w="38100">
-            <a:solidFill>
-              <a:schemeClr val="accent5">
-                <a:lumMod val="20000"/>
-                <a:lumOff val="80000"/>
-              </a:schemeClr>
-            </a:solidFill>
-            <a:round/>
-            <a:headEnd/>
-            <a:tailEnd/>
-          </a:ln>
-          <a:effectLst/>
-        </p:spPr>
-        <p:txBody>
-          <a:bodyPr wrap="none" anchor="ctr"/>
-          <a:lstStyle/>
-          <a:p>
-            <a:pPr algn="ctr" eaLnBrk="1" hangingPunct="1">
-              <a:lnSpc>
-                <a:spcPct val="100000"/>
-              </a:lnSpc>
-            </a:pPr>
-            <a:r>
-              <a:rPr kumimoji="0" lang="en-US" sz="2400" b="1" dirty="0">
-                <a:solidFill>
-                  <a:schemeClr val="tx1">
-                    <a:lumMod val="40000"/>
-                    <a:lumOff val="60000"/>
-                  </a:schemeClr>
-                </a:solidFill>
-                <a:effectLst>
-                  <a:outerShdw blurRad="38100" dist="38100" dir="2700000" algn="tl">
-                    <a:srgbClr val="000000">
-                      <a:alpha val="43137"/>
-                    </a:srgbClr>
-                  </a:outerShdw>
-                </a:effectLst>
-                <a:latin typeface="Consolas" pitchFamily="49" charset="0"/>
-                <a:cs typeface="Consolas" pitchFamily="49" charset="0"/>
-              </a:rPr>
-              <a:t>17</a:t>
-            </a:r>
-          </a:p>
-        </p:txBody>
-      </p:sp>
-      <p:sp>
-        <p:nvSpPr>
-          <p:cNvPr id="26" name="Oval 25"/>
-          <p:cNvSpPr>
-            <a:spLocks noChangeArrowheads="1"/>
-          </p:cNvSpPr>
-          <p:nvPr/>
-        </p:nvSpPr>
-        <p:spPr bwMode="auto">
-          <a:xfrm>
-            <a:off x="9980084" y="3141522"/>
-            <a:ext cx="845971" cy="803028"/>
-          </a:xfrm>
-          <a:prstGeom prst="ellipse">
-            <a:avLst/>
-          </a:prstGeom>
-          <a:solidFill>
-            <a:schemeClr val="accent5">
-              <a:lumMod val="60000"/>
-              <a:lumOff val="40000"/>
-              <a:alpha val="50000"/>
-            </a:schemeClr>
-          </a:solidFill>
-          <a:ln w="38100">
-            <a:solidFill>
-              <a:schemeClr val="accent5">
-                <a:lumMod val="20000"/>
-                <a:lumOff val="80000"/>
-              </a:schemeClr>
-            </a:solidFill>
-            <a:round/>
-            <a:headEnd/>
-            <a:tailEnd/>
-          </a:ln>
-          <a:effectLst/>
-        </p:spPr>
-        <p:txBody>
-          <a:bodyPr wrap="none" anchor="ctr"/>
-          <a:lstStyle/>
-          <a:p>
-            <a:pPr algn="ctr" eaLnBrk="1" hangingPunct="1">
-              <a:lnSpc>
-                <a:spcPct val="100000"/>
-              </a:lnSpc>
-            </a:pPr>
-            <a:r>
-              <a:rPr kumimoji="0" lang="en-US" sz="2400" b="1" dirty="0">
-                <a:solidFill>
-                  <a:schemeClr val="tx1">
-                    <a:lumMod val="40000"/>
-                    <a:lumOff val="60000"/>
-                  </a:schemeClr>
-                </a:solidFill>
-                <a:effectLst>
-                  <a:outerShdw blurRad="38100" dist="38100" dir="2700000" algn="tl">
-                    <a:srgbClr val="000000">
-                      <a:alpha val="43137"/>
-                    </a:srgbClr>
-                  </a:outerShdw>
-                </a:effectLst>
-                <a:latin typeface="Consolas" pitchFamily="49" charset="0"/>
-                <a:cs typeface="Consolas" pitchFamily="49" charset="0"/>
-              </a:rPr>
-              <a:t>19</a:t>
-            </a:r>
-          </a:p>
-        </p:txBody>
-      </p:sp>
-      <p:sp>
-        <p:nvSpPr>
-          <p:cNvPr id="30" name="Oval 29"/>
-          <p:cNvSpPr>
-            <a:spLocks noChangeArrowheads="1"/>
-          </p:cNvSpPr>
-          <p:nvPr/>
-        </p:nvSpPr>
-        <p:spPr bwMode="auto">
-          <a:xfrm>
-            <a:off x="7541526" y="3088993"/>
-            <a:ext cx="844318" cy="803028"/>
-          </a:xfrm>
-          <a:prstGeom prst="ellipse">
-            <a:avLst/>
-          </a:prstGeom>
-          <a:solidFill>
-            <a:schemeClr val="accent5">
-              <a:lumMod val="60000"/>
-              <a:lumOff val="40000"/>
-              <a:alpha val="50000"/>
-            </a:schemeClr>
-          </a:solidFill>
-          <a:ln w="38100">
-            <a:solidFill>
-              <a:schemeClr val="accent5">
-                <a:lumMod val="20000"/>
-                <a:lumOff val="80000"/>
-              </a:schemeClr>
-            </a:solidFill>
-            <a:round/>
-            <a:headEnd/>
-            <a:tailEnd/>
-          </a:ln>
-          <a:effectLst/>
-        </p:spPr>
-        <p:txBody>
-          <a:bodyPr wrap="none" anchor="ctr"/>
-          <a:lstStyle/>
-          <a:p>
-            <a:pPr algn="ctr" eaLnBrk="1" hangingPunct="1">
-              <a:lnSpc>
-                <a:spcPct val="100000"/>
-              </a:lnSpc>
-            </a:pPr>
-            <a:r>
-              <a:rPr kumimoji="0" lang="en-US" sz="2400" b="1" dirty="0">
-                <a:solidFill>
-                  <a:schemeClr val="tx1">
-                    <a:lumMod val="40000"/>
-                    <a:lumOff val="60000"/>
-                  </a:schemeClr>
-                </a:solidFill>
-                <a:effectLst>
-                  <a:outerShdw blurRad="38100" dist="38100" dir="2700000" algn="tl">
-                    <a:srgbClr val="000000">
-                      <a:alpha val="43137"/>
-                    </a:srgbClr>
-                  </a:outerShdw>
-                </a:effectLst>
-                <a:latin typeface="Consolas" pitchFamily="49" charset="0"/>
-                <a:cs typeface="Consolas" pitchFamily="49" charset="0"/>
-              </a:rPr>
-              <a:t>9</a:t>
-            </a:r>
-          </a:p>
-        </p:txBody>
-      </p:sp>
-      <p:sp>
-        <p:nvSpPr>
-          <p:cNvPr id="33" name="Oval 32"/>
-          <p:cNvSpPr>
-            <a:spLocks noChangeArrowheads="1"/>
-          </p:cNvSpPr>
-          <p:nvPr/>
-        </p:nvSpPr>
-        <p:spPr bwMode="auto">
-          <a:xfrm>
-            <a:off x="9249532" y="4498386"/>
-            <a:ext cx="849276" cy="803028"/>
-          </a:xfrm>
-          <a:prstGeom prst="ellipse">
-            <a:avLst/>
-          </a:prstGeom>
-          <a:solidFill>
-            <a:schemeClr val="accent5">
-              <a:lumMod val="60000"/>
-              <a:lumOff val="40000"/>
-              <a:alpha val="50000"/>
-            </a:schemeClr>
-          </a:solidFill>
-          <a:ln w="38100">
-            <a:solidFill>
-              <a:schemeClr val="accent5">
-                <a:lumMod val="20000"/>
-                <a:lumOff val="80000"/>
-              </a:schemeClr>
-            </a:solidFill>
-            <a:round/>
-            <a:headEnd/>
-            <a:tailEnd/>
-          </a:ln>
-          <a:effectLst/>
-        </p:spPr>
-        <p:txBody>
-          <a:bodyPr wrap="none" anchor="ctr"/>
-          <a:lstStyle/>
-          <a:p>
-            <a:pPr algn="ctr" eaLnBrk="1" hangingPunct="1">
-              <a:lnSpc>
-                <a:spcPct val="100000"/>
-              </a:lnSpc>
-            </a:pPr>
-            <a:r>
-              <a:rPr kumimoji="0" lang="en-US" sz="2400" b="1" dirty="0">
-                <a:solidFill>
-                  <a:schemeClr val="tx1">
-                    <a:lumMod val="40000"/>
-                    <a:lumOff val="60000"/>
-                  </a:schemeClr>
-                </a:solidFill>
-                <a:effectLst>
-                  <a:outerShdw blurRad="38100" dist="38100" dir="2700000" algn="tl">
-                    <a:srgbClr val="000000">
-                      <a:alpha val="43137"/>
-                    </a:srgbClr>
-                  </a:outerShdw>
-                </a:effectLst>
-                <a:latin typeface="Consolas" pitchFamily="49" charset="0"/>
-                <a:cs typeface="Consolas" pitchFamily="49" charset="0"/>
-              </a:rPr>
-              <a:t>18</a:t>
-            </a:r>
-          </a:p>
-        </p:txBody>
-      </p:sp>
-      <p:sp>
-        <p:nvSpPr>
-          <p:cNvPr id="34" name="Line 10"/>
-          <p:cNvSpPr>
-            <a:spLocks noChangeShapeType="1"/>
-          </p:cNvSpPr>
-          <p:nvPr/>
-        </p:nvSpPr>
-        <p:spPr bwMode="auto">
-          <a:xfrm flipH="1">
-            <a:off x="8262316" y="2508939"/>
-            <a:ext cx="601033" cy="688655"/>
-          </a:xfrm>
-          <a:prstGeom prst="line">
-            <a:avLst/>
-          </a:prstGeom>
-          <a:noFill/>
-          <a:ln w="38100">
-            <a:solidFill>
-              <a:schemeClr val="accent5">
-                <a:lumMod val="20000"/>
-                <a:lumOff val="80000"/>
-              </a:schemeClr>
-            </a:solidFill>
-            <a:round/>
-            <a:headEnd/>
-            <a:tailEnd type="triangle" w="med" len="med"/>
-          </a:ln>
-          <a:effectLst/>
-        </p:spPr>
-        <p:txBody>
-          <a:bodyPr/>
-          <a:lstStyle/>
-          <a:p>
-            <a:endParaRPr lang="en-US" b="1" dirty="0">
-              <a:solidFill>
-                <a:schemeClr val="tx1">
-                  <a:lumMod val="40000"/>
-                  <a:lumOff val="60000"/>
-                </a:schemeClr>
-              </a:solidFill>
-              <a:effectLst>
-                <a:outerShdw blurRad="38100" dist="38100" dir="2700000" algn="tl">
-                  <a:srgbClr val="000000">
-                    <a:alpha val="43137"/>
-                  </a:srgbClr>
-                </a:outerShdw>
-              </a:effectLst>
-              <a:latin typeface="Consolas" pitchFamily="49" charset="0"/>
-              <a:cs typeface="Consolas" pitchFamily="49" charset="0"/>
-            </a:endParaRPr>
-          </a:p>
-        </p:txBody>
-      </p:sp>
-      <p:sp>
-        <p:nvSpPr>
-          <p:cNvPr id="35" name="Line 11"/>
-          <p:cNvSpPr>
-            <a:spLocks noChangeShapeType="1"/>
-          </p:cNvSpPr>
-          <p:nvPr/>
-        </p:nvSpPr>
-        <p:spPr bwMode="auto">
-          <a:xfrm flipH="1">
-            <a:off x="7305116" y="3868308"/>
-            <a:ext cx="457817" cy="619147"/>
-          </a:xfrm>
-          <a:prstGeom prst="line">
-            <a:avLst/>
-          </a:prstGeom>
-          <a:noFill/>
-          <a:ln w="38100">
-            <a:solidFill>
-              <a:schemeClr val="accent5">
-                <a:lumMod val="20000"/>
-                <a:lumOff val="80000"/>
-              </a:schemeClr>
-            </a:solidFill>
-            <a:round/>
-            <a:headEnd/>
-            <a:tailEnd type="triangle" w="med" len="med"/>
-          </a:ln>
-          <a:effectLst/>
-        </p:spPr>
-        <p:txBody>
-          <a:bodyPr/>
-          <a:lstStyle/>
-          <a:p>
-            <a:endParaRPr lang="en-US" b="1" dirty="0">
-              <a:solidFill>
-                <a:schemeClr val="tx1">
-                  <a:lumMod val="40000"/>
-                  <a:lumOff val="60000"/>
-                </a:schemeClr>
-              </a:solidFill>
-              <a:effectLst>
-                <a:outerShdw blurRad="38100" dist="38100" dir="2700000" algn="tl">
-                  <a:srgbClr val="000000">
-                    <a:alpha val="43137"/>
-                  </a:srgbClr>
-                </a:outerShdw>
-              </a:effectLst>
-              <a:latin typeface="Consolas" pitchFamily="49" charset="0"/>
-              <a:cs typeface="Consolas" pitchFamily="49" charset="0"/>
-            </a:endParaRPr>
-          </a:p>
-        </p:txBody>
-      </p:sp>
-      <p:sp>
-        <p:nvSpPr>
-          <p:cNvPr id="36" name="Line 12"/>
-          <p:cNvSpPr>
-            <a:spLocks noChangeShapeType="1"/>
-          </p:cNvSpPr>
-          <p:nvPr/>
-        </p:nvSpPr>
-        <p:spPr bwMode="auto">
-          <a:xfrm flipH="1">
-            <a:off x="9766410" y="3868308"/>
-            <a:ext cx="332398" cy="619147"/>
-          </a:xfrm>
-          <a:prstGeom prst="line">
-            <a:avLst/>
-          </a:prstGeom>
-          <a:noFill/>
-          <a:ln w="38100">
-            <a:solidFill>
-              <a:schemeClr val="accent5">
-                <a:lumMod val="20000"/>
-                <a:lumOff val="80000"/>
-              </a:schemeClr>
-            </a:solidFill>
-            <a:round/>
-            <a:headEnd/>
-            <a:tailEnd type="triangle" w="med" len="med"/>
-          </a:ln>
-          <a:effectLst/>
-        </p:spPr>
-        <p:txBody>
-          <a:bodyPr/>
-          <a:lstStyle/>
-          <a:p>
-            <a:endParaRPr lang="en-US" b="1" dirty="0">
-              <a:solidFill>
-                <a:schemeClr val="tx1">
-                  <a:lumMod val="40000"/>
-                  <a:lumOff val="60000"/>
-                </a:schemeClr>
-              </a:solidFill>
-              <a:effectLst>
-                <a:outerShdw blurRad="38100" dist="38100" dir="2700000" algn="tl">
-                  <a:srgbClr val="000000">
-                    <a:alpha val="43137"/>
-                  </a:srgbClr>
-                </a:outerShdw>
-              </a:effectLst>
-              <a:latin typeface="Consolas" pitchFamily="49" charset="0"/>
-              <a:cs typeface="Consolas" pitchFamily="49" charset="0"/>
-            </a:endParaRPr>
-          </a:p>
-        </p:txBody>
-      </p:sp>
-      <p:sp>
-        <p:nvSpPr>
-          <p:cNvPr id="37" name="Line 13"/>
-          <p:cNvSpPr>
-            <a:spLocks noChangeShapeType="1"/>
-          </p:cNvSpPr>
-          <p:nvPr/>
-        </p:nvSpPr>
-        <p:spPr bwMode="auto">
-          <a:xfrm>
-            <a:off x="9535803" y="2568149"/>
-            <a:ext cx="563005" cy="684100"/>
-          </a:xfrm>
-          <a:prstGeom prst="line">
-            <a:avLst/>
-          </a:prstGeom>
-          <a:noFill/>
-          <a:ln w="38100">
-            <a:solidFill>
-              <a:schemeClr val="accent5">
-                <a:lumMod val="20000"/>
-                <a:lumOff val="80000"/>
-              </a:schemeClr>
-            </a:solidFill>
-            <a:round/>
-            <a:headEnd/>
-            <a:tailEnd type="triangle" w="med" len="med"/>
-          </a:ln>
-          <a:effectLst/>
-        </p:spPr>
-        <p:txBody>
-          <a:bodyPr/>
-          <a:lstStyle/>
-          <a:p>
-            <a:endParaRPr lang="en-US" b="1" dirty="0">
-              <a:solidFill>
-                <a:schemeClr val="tx1">
-                  <a:lumMod val="40000"/>
-                  <a:lumOff val="60000"/>
-                </a:schemeClr>
-              </a:solidFill>
-              <a:effectLst>
-                <a:outerShdw blurRad="38100" dist="38100" dir="2700000" algn="tl">
-                  <a:srgbClr val="000000">
-                    <a:alpha val="43137"/>
-                  </a:srgbClr>
-                </a:outerShdw>
-              </a:effectLst>
-              <a:latin typeface="Consolas" pitchFamily="49" charset="0"/>
-              <a:cs typeface="Consolas" pitchFamily="49" charset="0"/>
-            </a:endParaRPr>
-          </a:p>
-        </p:txBody>
-      </p:sp>
-      <p:sp>
-        <p:nvSpPr>
-          <p:cNvPr id="38" name="Oval 37"/>
-          <p:cNvSpPr>
-            <a:spLocks noChangeArrowheads="1"/>
-          </p:cNvSpPr>
-          <p:nvPr/>
-        </p:nvSpPr>
-        <p:spPr bwMode="auto">
-          <a:xfrm>
-            <a:off x="10841753" y="4452842"/>
-            <a:ext cx="845971" cy="803028"/>
-          </a:xfrm>
-          <a:prstGeom prst="ellipse">
-            <a:avLst/>
-          </a:prstGeom>
-          <a:solidFill>
-            <a:schemeClr val="accent5">
-              <a:lumMod val="60000"/>
-              <a:lumOff val="40000"/>
-              <a:alpha val="50000"/>
-            </a:schemeClr>
-          </a:solidFill>
-          <a:ln w="38100">
-            <a:solidFill>
-              <a:schemeClr val="accent5">
-                <a:lumMod val="20000"/>
-                <a:lumOff val="80000"/>
-              </a:schemeClr>
-            </a:solidFill>
-            <a:round/>
-            <a:headEnd/>
-            <a:tailEnd/>
-          </a:ln>
-          <a:effectLst/>
-        </p:spPr>
-        <p:txBody>
-          <a:bodyPr wrap="none" anchor="ctr"/>
-          <a:lstStyle/>
-          <a:p>
-            <a:pPr algn="ctr" eaLnBrk="1" hangingPunct="1">
-              <a:lnSpc>
-                <a:spcPct val="100000"/>
-              </a:lnSpc>
-            </a:pPr>
-            <a:r>
-              <a:rPr kumimoji="0" lang="en-US" sz="2400" b="1" dirty="0">
-                <a:solidFill>
-                  <a:schemeClr val="tx1">
-                    <a:lumMod val="40000"/>
-                    <a:lumOff val="60000"/>
-                  </a:schemeClr>
-                </a:solidFill>
-                <a:effectLst>
-                  <a:outerShdw blurRad="38100" dist="38100" dir="2700000" algn="tl">
-                    <a:srgbClr val="000000">
-                      <a:alpha val="43137"/>
-                    </a:srgbClr>
-                  </a:outerShdw>
-                </a:effectLst>
-                <a:latin typeface="Consolas" pitchFamily="49" charset="0"/>
-                <a:cs typeface="Consolas" pitchFamily="49" charset="0"/>
-              </a:rPr>
-              <a:t>25</a:t>
-            </a:r>
-          </a:p>
-        </p:txBody>
-      </p:sp>
-      <p:sp>
-        <p:nvSpPr>
-          <p:cNvPr id="39" name="Line 15"/>
-          <p:cNvSpPr>
-            <a:spLocks noChangeShapeType="1"/>
-          </p:cNvSpPr>
-          <p:nvPr/>
-        </p:nvSpPr>
-        <p:spPr bwMode="auto">
-          <a:xfrm>
-            <a:off x="10610800" y="3897179"/>
-            <a:ext cx="445210" cy="601207"/>
-          </a:xfrm>
-          <a:prstGeom prst="line">
-            <a:avLst/>
-          </a:prstGeom>
-          <a:noFill/>
-          <a:ln w="38100">
-            <a:solidFill>
-              <a:schemeClr val="accent5">
-                <a:lumMod val="20000"/>
-                <a:lumOff val="80000"/>
-              </a:schemeClr>
-            </a:solidFill>
-            <a:round/>
-            <a:headEnd/>
-            <a:tailEnd type="triangle" w="med" len="med"/>
-          </a:ln>
-          <a:effectLst/>
-        </p:spPr>
-        <p:txBody>
-          <a:bodyPr/>
-          <a:lstStyle/>
-          <a:p>
-            <a:endParaRPr lang="en-US" b="1" dirty="0">
-              <a:solidFill>
-                <a:schemeClr val="tx1">
-                  <a:lumMod val="40000"/>
-                  <a:lumOff val="60000"/>
-                </a:schemeClr>
-              </a:solidFill>
-              <a:effectLst>
-                <a:outerShdw blurRad="38100" dist="38100" dir="2700000" algn="tl">
-                  <a:srgbClr val="000000">
-                    <a:alpha val="43137"/>
-                  </a:srgbClr>
-                </a:outerShdw>
-              </a:effectLst>
-              <a:latin typeface="Consolas" pitchFamily="49" charset="0"/>
-              <a:cs typeface="Consolas" pitchFamily="49" charset="0"/>
-            </a:endParaRPr>
-          </a:p>
-        </p:txBody>
-      </p:sp>
-      <p:sp>
-        <p:nvSpPr>
-          <p:cNvPr id="40" name="Oval 39"/>
-          <p:cNvSpPr>
-            <a:spLocks noChangeArrowheads="1"/>
-          </p:cNvSpPr>
-          <p:nvPr/>
-        </p:nvSpPr>
-        <p:spPr bwMode="auto">
-          <a:xfrm>
-            <a:off x="6704012" y="4453411"/>
-            <a:ext cx="845971" cy="803028"/>
-          </a:xfrm>
-          <a:prstGeom prst="ellipse">
-            <a:avLst/>
-          </a:prstGeom>
-          <a:solidFill>
-            <a:schemeClr val="accent5">
-              <a:lumMod val="60000"/>
-              <a:lumOff val="40000"/>
-              <a:alpha val="50000"/>
-            </a:schemeClr>
-          </a:solidFill>
-          <a:ln w="38100">
-            <a:solidFill>
-              <a:schemeClr val="accent5">
-                <a:lumMod val="20000"/>
-                <a:lumOff val="80000"/>
-              </a:schemeClr>
-            </a:solidFill>
-            <a:round/>
-            <a:headEnd/>
-            <a:tailEnd/>
-          </a:ln>
-          <a:effectLst/>
-        </p:spPr>
-        <p:txBody>
-          <a:bodyPr wrap="none" anchor="ctr"/>
-          <a:lstStyle/>
-          <a:p>
-            <a:pPr algn="ctr" eaLnBrk="1" hangingPunct="1">
-              <a:lnSpc>
-                <a:spcPct val="100000"/>
-              </a:lnSpc>
-            </a:pPr>
-            <a:r>
-              <a:rPr kumimoji="0" lang="en-US" sz="2400" b="1" dirty="0">
-                <a:solidFill>
-                  <a:schemeClr val="tx1">
-                    <a:lumMod val="40000"/>
-                    <a:lumOff val="60000"/>
-                  </a:schemeClr>
-                </a:solidFill>
-                <a:effectLst>
-                  <a:outerShdw blurRad="38100" dist="38100" dir="2700000" algn="tl">
-                    <a:srgbClr val="000000">
-                      <a:alpha val="43137"/>
-                    </a:srgbClr>
-                  </a:outerShdw>
-                </a:effectLst>
-                <a:latin typeface="Consolas" pitchFamily="49" charset="0"/>
-                <a:cs typeface="Consolas" pitchFamily="49" charset="0"/>
-              </a:rPr>
-              <a:t>6</a:t>
-            </a:r>
-          </a:p>
-        </p:txBody>
-      </p:sp>
-    </p:spTree>
-    <p:extLst>
-      <p:ext uri="{BB962C8B-B14F-4D97-AF65-F5344CB8AC3E}">
-        <p14:creationId xmlns:p14="http://schemas.microsoft.com/office/powerpoint/2010/main" val="4046683784"/>
-      </p:ext>
-    </p:extLst>
-  </p:cSld>
-  <p:clrMapOvr>
-    <a:masterClrMapping/>
-  </p:clrMapOvr>
-  <p:timing>
-    <p:tnLst>
-      <p:par>
-        <p:cTn id="1" dur="indefinite" restart="never" nodeType="tmRoot">
-          <p:childTnLst>
-            <p:seq concurrent="1" nextAc="seek">
-              <p:cTn id="2" dur="indefinite" nodeType="mainSeq">
-                <p:childTnLst>
-                  <p:par>
-                    <p:cTn id="3" fill="hold">
-                      <p:stCondLst>
-                        <p:cond delay="indefinite"/>
-                      </p:stCondLst>
-                      <p:childTnLst>
-                        <p:par>
-                          <p:cTn id="4" fill="hold">
-                            <p:stCondLst>
-                              <p:cond delay="0"/>
-                            </p:stCondLst>
-                            <p:childTnLst>
-                              <p:par>
-                                <p:cTn id="5" presetID="1" presetClass="exit" presetSubtype="0" fill="hold" grpId="0" nodeType="clickEffect">
-                                  <p:stCondLst>
-                                    <p:cond delay="0"/>
-                                  </p:stCondLst>
-                                  <p:childTnLst>
-                                    <p:set>
-                                      <p:cBhvr>
-                                        <p:cTn id="6" dur="1" fill="hold">
-                                          <p:stCondLst>
-                                            <p:cond delay="0"/>
-                                          </p:stCondLst>
-                                        </p:cTn>
-                                        <p:tgtEl>
-                                          <p:spTgt spid="26"/>
-                                        </p:tgtEl>
-                                        <p:attrNameLst>
-                                          <p:attrName>style.visibility</p:attrName>
-                                        </p:attrNameLst>
-                                      </p:cBhvr>
-                                      <p:to>
-                                        <p:strVal val="hidden"/>
-                                      </p:to>
-                                    </p:set>
-                                  </p:childTnLst>
-                                </p:cTn>
-                              </p:par>
-                              <p:par>
-                                <p:cTn id="7" presetID="1" presetClass="exit" presetSubtype="0" fill="hold" grpId="0" nodeType="withEffect">
-                                  <p:stCondLst>
-                                    <p:cond delay="0"/>
-                                  </p:stCondLst>
-                                  <p:childTnLst>
-                                    <p:set>
-                                      <p:cBhvr>
-                                        <p:cTn id="8" dur="1" fill="hold">
-                                          <p:stCondLst>
-                                            <p:cond delay="0"/>
-                                          </p:stCondLst>
-                                        </p:cTn>
-                                        <p:tgtEl>
-                                          <p:spTgt spid="39"/>
-                                        </p:tgtEl>
-                                        <p:attrNameLst>
-                                          <p:attrName>style.visibility</p:attrName>
-                                        </p:attrNameLst>
-                                      </p:cBhvr>
-                                      <p:to>
-                                        <p:strVal val="hidden"/>
-                                      </p:to>
-                                    </p:set>
-                                  </p:childTnLst>
-                                </p:cTn>
-                              </p:par>
-                              <p:par>
-                                <p:cTn id="9" presetID="1" presetClass="exit" presetSubtype="0" fill="hold" grpId="0" nodeType="withEffect">
-                                  <p:stCondLst>
-                                    <p:cond delay="0"/>
-                                  </p:stCondLst>
-                                  <p:childTnLst>
-                                    <p:set>
-                                      <p:cBhvr>
-                                        <p:cTn id="10" dur="1" fill="hold">
-                                          <p:stCondLst>
-                                            <p:cond delay="0"/>
-                                          </p:stCondLst>
-                                        </p:cTn>
-                                        <p:tgtEl>
-                                          <p:spTgt spid="24"/>
-                                        </p:tgtEl>
-                                        <p:attrNameLst>
-                                          <p:attrName>style.visibility</p:attrName>
-                                        </p:attrNameLst>
-                                      </p:cBhvr>
-                                      <p:to>
-                                        <p:strVal val="hidden"/>
-                                      </p:to>
-                                    </p:set>
-                                  </p:childTnLst>
-                                </p:cTn>
-                              </p:par>
-                              <p:par>
-                                <p:cTn id="11" presetID="1" presetClass="exit" presetSubtype="0" fill="hold" grpId="0" nodeType="withEffect">
-                                  <p:stCondLst>
-                                    <p:cond delay="0"/>
-                                  </p:stCondLst>
-                                  <p:childTnLst>
-                                    <p:set>
-                                      <p:cBhvr>
-                                        <p:cTn id="12" dur="1" fill="hold">
-                                          <p:stCondLst>
-                                            <p:cond delay="0"/>
-                                          </p:stCondLst>
-                                        </p:cTn>
-                                        <p:tgtEl>
-                                          <p:spTgt spid="2"/>
-                                        </p:tgtEl>
-                                        <p:attrNameLst>
-                                          <p:attrName>style.visibility</p:attrName>
-                                        </p:attrNameLst>
-                                      </p:cBhvr>
-                                      <p:to>
-                                        <p:strVal val="hidden"/>
-                                      </p:to>
-                                    </p:set>
-                                  </p:childTnLst>
-                                </p:cTn>
-                              </p:par>
-                            </p:childTnLst>
-                          </p:cTn>
-                        </p:par>
-                      </p:childTnLst>
-                    </p:cTn>
-                  </p:par>
-                  <p:par>
-                    <p:cTn id="13" fill="hold">
-                      <p:stCondLst>
-                        <p:cond delay="indefinite"/>
-                      </p:stCondLst>
-                      <p:childTnLst>
-                        <p:par>
-                          <p:cTn id="14" fill="hold">
-                            <p:stCondLst>
-                              <p:cond delay="0"/>
-                            </p:stCondLst>
-                            <p:childTnLst>
-                              <p:par>
-                                <p:cTn id="15" presetID="64" presetClass="path" presetSubtype="0" accel="50000" decel="50000" fill="hold" grpId="0" nodeType="clickEffect">
-                                  <p:stCondLst>
-                                    <p:cond delay="0"/>
-                                  </p:stCondLst>
-                                  <p:childTnLst>
-                                    <p:animMotion origin="layout" path="M 1.23209E-6 -3.7037E-7 L -0.07176 -0.18565 " pathEditMode="relative" rAng="0" ptsTypes="AA">
-                                      <p:cBhvr>
-                                        <p:cTn id="16" dur="2000" fill="hold"/>
-                                        <p:tgtEl>
-                                          <p:spTgt spid="38"/>
-                                        </p:tgtEl>
-                                        <p:attrNameLst>
-                                          <p:attrName>ppt_x</p:attrName>
-                                          <p:attrName>ppt_y</p:attrName>
-                                        </p:attrNameLst>
-                                      </p:cBhvr>
-                                      <p:rCtr x="-3595" y="-9282"/>
-                                    </p:animMotion>
-                                  </p:childTnLst>
-                                </p:cTn>
-                              </p:par>
-                            </p:childTnLst>
-                          </p:cTn>
-                        </p:par>
-                      </p:childTnLst>
-                    </p:cTn>
-                  </p:par>
-                </p:childTnLst>
-              </p:cTn>
-              <p:prevCondLst>
-                <p:cond evt="onPrev" delay="0">
-                  <p:tgtEl>
-                    <p:sldTgt/>
-                  </p:tgtEl>
-                </p:cond>
-              </p:prevCondLst>
-              <p:nextCondLst>
-                <p:cond evt="onNext" delay="0">
-                  <p:tgtEl>
-                    <p:sldTgt/>
-                  </p:tgtEl>
-                </p:cond>
-              </p:nextCondLst>
-            </p:seq>
-          </p:childTnLst>
-        </p:cTn>
-      </p:par>
-    </p:tnLst>
-    <p:bldLst>
-      <p:bldP spid="24" grpId="0" animBg="1"/>
-      <p:bldP spid="2" grpId="0"/>
-      <p:bldP spid="26" grpId="0" animBg="1"/>
-      <p:bldP spid="38" grpId="0" animBg="1"/>
-      <p:bldP spid="39" grpId="0" animBg="1"/>
-    </p:bldLst>
-  </p:timing>
-</p:sld>
-</file>
-
-<file path=ppt/slides/slide21.xml><?xml version="1.0" encoding="utf-8"?>
-<p:sld xmlns:a="http://schemas.openxmlformats.org/drawingml/2006/main" xmlns:r="http://schemas.openxmlformats.org/officeDocument/2006/relationships" xmlns:p="http://schemas.openxmlformats.org/presentationml/2006/main">
-  <p:cSld>
-    <p:spTree>
-      <p:nvGrpSpPr>
-        <p:cNvPr id="1" name=""/>
-        <p:cNvGrpSpPr/>
-        <p:nvPr/>
-      </p:nvGrpSpPr>
-      <p:grpSpPr>
-        <a:xfrm>
-          <a:off x="0" y="0"/>
-          <a:ext cx="0" cy="0"/>
-          <a:chOff x="0" y="0"/>
-          <a:chExt cx="0" cy="0"/>
-        </a:xfrm>
-      </p:grpSpPr>
-      <p:sp>
-        <p:nvSpPr>
-          <p:cNvPr id="23" name="Slide Number Placeholder 3"/>
-          <p:cNvSpPr>
-            <a:spLocks noGrp="1"/>
-          </p:cNvSpPr>
-          <p:nvPr>
-            <p:ph type="sldNum" sz="quarter" idx="4"/>
-          </p:nvPr>
-        </p:nvSpPr>
-        <p:spPr>
-          <a:prstGeom prst="rect">
-            <a:avLst/>
-          </a:prstGeom>
-        </p:spPr>
-        <p:txBody>
-          <a:bodyPr/>
-          <a:lstStyle/>
-          <a:p>
-            <a:pPr>
-              <a:defRPr/>
-            </a:pPr>
-            <a:fld id="{58452FF4-89E3-4D1B-9927-2DBDC00E58D7}" type="slidenum">
-              <a:rPr lang="en-US" smtClean="0"/>
-              <a:pPr>
-                <a:defRPr/>
-              </a:pPr>
-              <a:t>21</a:t>
-            </a:fld>
-            <a:endParaRPr lang="en-US" dirty="0"/>
-          </a:p>
-        </p:txBody>
-      </p:sp>
-      <p:sp>
-        <p:nvSpPr>
-          <p:cNvPr id="574467" name="Rectangle 3"/>
-          <p:cNvSpPr>
-            <a:spLocks noGrp="1" noChangeArrowheads="1"/>
-          </p:cNvSpPr>
-          <p:nvPr>
-            <p:ph idx="1"/>
-          </p:nvPr>
-        </p:nvSpPr>
-        <p:spPr/>
-        <p:txBody>
-          <a:bodyPr>
-            <a:normAutofit/>
-          </a:bodyPr>
-          <a:lstStyle/>
-          <a:p>
-            <a:pPr>
-              <a:lnSpc>
-                <a:spcPct val="100000"/>
-              </a:lnSpc>
-            </a:pPr>
-            <a:r>
-              <a:rPr lang="en-GB" dirty="0">
-                <a:cs typeface="Times New Roman" pitchFamily="18" charset="0"/>
-                <a:sym typeface="Symbol" pitchFamily="18" charset="2"/>
-              </a:rPr>
               <a:t>3. Deleted right's child has left child</a:t>
             </a:r>
           </a:p>
@@ -14520,6 +12877,296 @@
 </p:sld>
 </file>
 
+<file path=ppt/slides/slide21.xml><?xml version="1.0" encoding="utf-8"?>
+<p:sld xmlns:a="http://schemas.openxmlformats.org/drawingml/2006/main" xmlns:r="http://schemas.openxmlformats.org/officeDocument/2006/relationships" xmlns:p="http://schemas.openxmlformats.org/presentationml/2006/main">
+  <p:cSld>
+    <p:spTree>
+      <p:nvGrpSpPr>
+        <p:cNvPr id="1" name=""/>
+        <p:cNvGrpSpPr/>
+        <p:nvPr/>
+      </p:nvGrpSpPr>
+      <p:grpSpPr>
+        <a:xfrm>
+          <a:off x="0" y="0"/>
+          <a:ext cx="0" cy="0"/>
+          <a:chOff x="0" y="0"/>
+          <a:chExt cx="0" cy="0"/>
+        </a:xfrm>
+      </p:grpSpPr>
+      <p:sp>
+        <p:nvSpPr>
+          <p:cNvPr id="4" name="Slide Number Placeholder 3"/>
+          <p:cNvSpPr>
+            <a:spLocks noGrp="1"/>
+          </p:cNvSpPr>
+          <p:nvPr>
+            <p:ph type="sldNum" sz="quarter" idx="4"/>
+          </p:nvPr>
+        </p:nvSpPr>
+        <p:spPr>
+          <a:prstGeom prst="rect">
+            <a:avLst/>
+          </a:prstGeom>
+        </p:spPr>
+        <p:txBody>
+          <a:bodyPr/>
+          <a:lstStyle/>
+          <a:p>
+            <a:pPr>
+              <a:defRPr/>
+            </a:pPr>
+            <a:fld id="{58452FF4-89E3-4D1B-9927-2DBDC00E58D7}" type="slidenum">
+              <a:rPr lang="en-US" smtClean="0"/>
+              <a:pPr>
+                <a:defRPr/>
+              </a:pPr>
+              <a:t>21</a:t>
+            </a:fld>
+            <a:endParaRPr lang="en-US" dirty="0"/>
+          </a:p>
+        </p:txBody>
+      </p:sp>
+      <p:sp>
+        <p:nvSpPr>
+          <p:cNvPr id="466947" name="Rectangle 3"/>
+          <p:cNvSpPr>
+            <a:spLocks noGrp="1" noChangeArrowheads="1"/>
+          </p:cNvSpPr>
+          <p:nvPr>
+            <p:ph idx="1"/>
+          </p:nvPr>
+        </p:nvSpPr>
+        <p:spPr/>
+        <p:txBody>
+          <a:bodyPr>
+            <a:normAutofit/>
+          </a:bodyPr>
+          <a:lstStyle/>
+          <a:p>
+            <a:pPr>
+              <a:lnSpc>
+                <a:spcPct val="110000"/>
+              </a:lnSpc>
+            </a:pPr>
+            <a:r>
+              <a:rPr lang="en-US" altLang="ko-KR" dirty="0">
+                <a:ea typeface="굴림" pitchFamily="50" charset="-127"/>
+              </a:rPr>
+              <a:t>Implement: </a:t>
+            </a:r>
+          </a:p>
+          <a:p>
+            <a:pPr lvl="2">
+              <a:lnSpc>
+                <a:spcPct val="110000"/>
+              </a:lnSpc>
+            </a:pPr>
+            <a:r>
+              <a:rPr lang="en-US" altLang="ko-KR" b="1" dirty="0">
+                <a:solidFill>
+                  <a:schemeClr val="tx2">
+                    <a:lumMod val="75000"/>
+                  </a:schemeClr>
+                </a:solidFill>
+                <a:latin typeface="Consolas" panose="020B0609020204030204" pitchFamily="49" charset="0"/>
+                <a:ea typeface="굴림" pitchFamily="50" charset="-127"/>
+              </a:rPr>
+              <a:t>void </a:t>
+            </a:r>
+            <a:r>
+              <a:rPr lang="en-US" altLang="ko-KR" b="1" noProof="1">
+                <a:solidFill>
+                  <a:schemeClr val="tx2">
+                    <a:lumMod val="75000"/>
+                  </a:schemeClr>
+                </a:solidFill>
+                <a:latin typeface="Consolas" panose="020B0609020204030204" pitchFamily="49" charset="0"/>
+                <a:ea typeface="굴림" pitchFamily="50" charset="-127"/>
+              </a:rPr>
+              <a:t>DeleteMin</a:t>
+            </a:r>
+            <a:r>
+              <a:rPr lang="en-US" altLang="ko-KR" b="1" dirty="0">
+                <a:solidFill>
+                  <a:schemeClr val="tx2">
+                    <a:lumMod val="75000"/>
+                  </a:schemeClr>
+                </a:solidFill>
+                <a:latin typeface="Consolas" panose="020B0609020204030204" pitchFamily="49" charset="0"/>
+                <a:ea typeface="굴림" pitchFamily="50" charset="-127"/>
+              </a:rPr>
+              <a:t>()</a:t>
+            </a:r>
+          </a:p>
+          <a:p>
+            <a:pPr>
+              <a:lnSpc>
+                <a:spcPct val="110000"/>
+              </a:lnSpc>
+            </a:pPr>
+            <a:r>
+              <a:rPr lang="en-US" altLang="ko-KR" dirty="0">
+                <a:latin typeface="+mj-lt"/>
+                <a:ea typeface="굴림" pitchFamily="50" charset="-127"/>
+              </a:rPr>
+              <a:t>Make sure the method works for: </a:t>
+            </a:r>
+          </a:p>
+          <a:p>
+            <a:pPr lvl="1">
+              <a:lnSpc>
+                <a:spcPct val="110000"/>
+              </a:lnSpc>
+            </a:pPr>
+            <a:r>
+              <a:rPr lang="en-US" altLang="ko-KR" b="1" dirty="0">
+                <a:solidFill>
+                  <a:schemeClr val="tx2">
+                    <a:lumMod val="75000"/>
+                  </a:schemeClr>
+                </a:solidFill>
+                <a:latin typeface="+mj-lt"/>
+                <a:ea typeface="굴림" pitchFamily="50" charset="-127"/>
+              </a:rPr>
+              <a:t>empty tree</a:t>
+            </a:r>
+          </a:p>
+          <a:p>
+            <a:pPr lvl="1">
+              <a:lnSpc>
+                <a:spcPct val="110000"/>
+              </a:lnSpc>
+            </a:pPr>
+            <a:r>
+              <a:rPr lang="en-US" altLang="ko-KR" dirty="0">
+                <a:latin typeface="+mj-lt"/>
+                <a:ea typeface="굴림" pitchFamily="50" charset="-127"/>
+              </a:rPr>
+              <a:t>tree with </a:t>
+            </a:r>
+            <a:r>
+              <a:rPr lang="en-US" altLang="ko-KR" b="1" dirty="0">
+                <a:solidFill>
+                  <a:schemeClr val="tx2">
+                    <a:lumMod val="75000"/>
+                  </a:schemeClr>
+                </a:solidFill>
+                <a:latin typeface="+mj-lt"/>
+                <a:ea typeface="굴림" pitchFamily="50" charset="-127"/>
+              </a:rPr>
+              <a:t>one element</a:t>
+            </a:r>
+          </a:p>
+          <a:p>
+            <a:pPr lvl="1">
+              <a:lnSpc>
+                <a:spcPct val="110000"/>
+              </a:lnSpc>
+            </a:pPr>
+            <a:r>
+              <a:rPr lang="en-US" altLang="ko-KR" dirty="0">
+                <a:latin typeface="+mj-lt"/>
+                <a:ea typeface="굴림" pitchFamily="50" charset="-127"/>
+              </a:rPr>
+              <a:t>tree with </a:t>
+            </a:r>
+            <a:r>
+              <a:rPr lang="en-US" altLang="ko-KR" b="1" dirty="0">
+                <a:solidFill>
+                  <a:schemeClr val="tx2">
+                    <a:lumMod val="75000"/>
+                  </a:schemeClr>
+                </a:solidFill>
+                <a:latin typeface="+mj-lt"/>
+                <a:ea typeface="굴림" pitchFamily="50" charset="-127"/>
+              </a:rPr>
+              <a:t>two elements - root + left/right</a:t>
+            </a:r>
+          </a:p>
+          <a:p>
+            <a:pPr lvl="1">
+              <a:lnSpc>
+                <a:spcPct val="110000"/>
+              </a:lnSpc>
+            </a:pPr>
+            <a:r>
+              <a:rPr lang="en-US" altLang="ko-KR" dirty="0">
+                <a:latin typeface="+mj-lt"/>
+                <a:ea typeface="굴림" pitchFamily="50" charset="-127"/>
+              </a:rPr>
+              <a:t>tree with </a:t>
+            </a:r>
+            <a:r>
+              <a:rPr lang="en-US" altLang="ko-KR" b="1" dirty="0">
+                <a:solidFill>
+                  <a:schemeClr val="tx2">
+                    <a:lumMod val="75000"/>
+                  </a:schemeClr>
+                </a:solidFill>
+                <a:latin typeface="+mj-lt"/>
+                <a:ea typeface="굴림" pitchFamily="50" charset="-127"/>
+              </a:rPr>
+              <a:t>multiple elements</a:t>
+            </a:r>
+          </a:p>
+          <a:p>
+            <a:pPr marL="377887" lvl="1" indent="0">
+              <a:lnSpc>
+                <a:spcPct val="110000"/>
+              </a:lnSpc>
+              <a:buNone/>
+            </a:pPr>
+            <a:endParaRPr lang="en-US" altLang="ko-KR" b="1" dirty="0">
+              <a:solidFill>
+                <a:schemeClr val="tx2">
+                  <a:lumMod val="75000"/>
+                </a:schemeClr>
+              </a:solidFill>
+              <a:latin typeface="Consolas" panose="020B0609020204030204" pitchFamily="49" charset="0"/>
+              <a:ea typeface="굴림" pitchFamily="50" charset="-127"/>
+            </a:endParaRPr>
+          </a:p>
+        </p:txBody>
+      </p:sp>
+      <p:sp>
+        <p:nvSpPr>
+          <p:cNvPr id="466946" name="Rectangle 2"/>
+          <p:cNvSpPr>
+            <a:spLocks noGrp="1" noChangeArrowheads="1"/>
+          </p:cNvSpPr>
+          <p:nvPr>
+            <p:ph type="title"/>
+          </p:nvPr>
+        </p:nvSpPr>
+        <p:spPr/>
+        <p:txBody>
+          <a:bodyPr/>
+          <a:lstStyle/>
+          <a:p>
+            <a:r>
+              <a:rPr lang="en-US" altLang="ko-KR" dirty="0">
+                <a:ea typeface="굴림" pitchFamily="50" charset="-127"/>
+              </a:rPr>
+              <a:t>Problem: BST Delete Min</a:t>
+            </a:r>
+            <a:endParaRPr lang="bg-BG" dirty="0"/>
+          </a:p>
+        </p:txBody>
+      </p:sp>
+    </p:spTree>
+    <p:extLst>
+      <p:ext uri="{BB962C8B-B14F-4D97-AF65-F5344CB8AC3E}">
+        <p14:creationId xmlns:p14="http://schemas.microsoft.com/office/powerpoint/2010/main" val="484508763"/>
+      </p:ext>
+    </p:extLst>
+  </p:cSld>
+  <p:clrMapOvr>
+    <a:masterClrMapping/>
+  </p:clrMapOvr>
+</p:sld>
+</file>
+
 <file path=ppt/slides/slide22.xml><?xml version="1.0" encoding="utf-8"?>
 <p:sld xmlns:a="http://schemas.openxmlformats.org/drawingml/2006/main" xmlns:r="http://schemas.openxmlformats.org/officeDocument/2006/relationships" xmlns:p="http://schemas.openxmlformats.org/presentationml/2006/main">
   <p:cSld>
@@ -14565,296 +13212,6 @@
                 <a:defRPr/>
               </a:pPr>
               <a:t>22</a:t>
-            </a:fld>
-            <a:endParaRPr lang="en-US" dirty="0"/>
-          </a:p>
-        </p:txBody>
-      </p:sp>
-      <p:sp>
-        <p:nvSpPr>
-          <p:cNvPr id="466947" name="Rectangle 3"/>
-          <p:cNvSpPr>
-            <a:spLocks noGrp="1" noChangeArrowheads="1"/>
-          </p:cNvSpPr>
-          <p:nvPr>
-            <p:ph idx="1"/>
-          </p:nvPr>
-        </p:nvSpPr>
-        <p:spPr/>
-        <p:txBody>
-          <a:bodyPr>
-            <a:normAutofit/>
-          </a:bodyPr>
-          <a:lstStyle/>
-          <a:p>
-            <a:pPr>
-              <a:lnSpc>
-                <a:spcPct val="110000"/>
-              </a:lnSpc>
-            </a:pPr>
-            <a:r>
-              <a:rPr lang="en-US" altLang="ko-KR" dirty="0">
-                <a:ea typeface="굴림" pitchFamily="50" charset="-127"/>
-              </a:rPr>
-              <a:t>Implement: </a:t>
-            </a:r>
-          </a:p>
-          <a:p>
-            <a:pPr lvl="2">
-              <a:lnSpc>
-                <a:spcPct val="110000"/>
-              </a:lnSpc>
-            </a:pPr>
-            <a:r>
-              <a:rPr lang="en-US" altLang="ko-KR" b="1" dirty="0">
-                <a:solidFill>
-                  <a:schemeClr val="tx2">
-                    <a:lumMod val="75000"/>
-                  </a:schemeClr>
-                </a:solidFill>
-                <a:latin typeface="Consolas" panose="020B0609020204030204" pitchFamily="49" charset="0"/>
-                <a:ea typeface="굴림" pitchFamily="50" charset="-127"/>
-              </a:rPr>
-              <a:t>void </a:t>
-            </a:r>
-            <a:r>
-              <a:rPr lang="en-US" altLang="ko-KR" b="1" noProof="1">
-                <a:solidFill>
-                  <a:schemeClr val="tx2">
-                    <a:lumMod val="75000"/>
-                  </a:schemeClr>
-                </a:solidFill>
-                <a:latin typeface="Consolas" panose="020B0609020204030204" pitchFamily="49" charset="0"/>
-                <a:ea typeface="굴림" pitchFamily="50" charset="-127"/>
-              </a:rPr>
-              <a:t>DeleteMin</a:t>
-            </a:r>
-            <a:r>
-              <a:rPr lang="en-US" altLang="ko-KR" b="1" dirty="0">
-                <a:solidFill>
-                  <a:schemeClr val="tx2">
-                    <a:lumMod val="75000"/>
-                  </a:schemeClr>
-                </a:solidFill>
-                <a:latin typeface="Consolas" panose="020B0609020204030204" pitchFamily="49" charset="0"/>
-                <a:ea typeface="굴림" pitchFamily="50" charset="-127"/>
-              </a:rPr>
-              <a:t>()</a:t>
-            </a:r>
-          </a:p>
-          <a:p>
-            <a:pPr>
-              <a:lnSpc>
-                <a:spcPct val="110000"/>
-              </a:lnSpc>
-            </a:pPr>
-            <a:r>
-              <a:rPr lang="en-US" altLang="ko-KR" dirty="0">
-                <a:latin typeface="+mj-lt"/>
-                <a:ea typeface="굴림" pitchFamily="50" charset="-127"/>
-              </a:rPr>
-              <a:t>Make sure the method works for: </a:t>
-            </a:r>
-          </a:p>
-          <a:p>
-            <a:pPr lvl="1">
-              <a:lnSpc>
-                <a:spcPct val="110000"/>
-              </a:lnSpc>
-            </a:pPr>
-            <a:r>
-              <a:rPr lang="en-US" altLang="ko-KR" b="1" dirty="0">
-                <a:solidFill>
-                  <a:schemeClr val="tx2">
-                    <a:lumMod val="75000"/>
-                  </a:schemeClr>
-                </a:solidFill>
-                <a:latin typeface="+mj-lt"/>
-                <a:ea typeface="굴림" pitchFamily="50" charset="-127"/>
-              </a:rPr>
-              <a:t>empty tree</a:t>
-            </a:r>
-          </a:p>
-          <a:p>
-            <a:pPr lvl="1">
-              <a:lnSpc>
-                <a:spcPct val="110000"/>
-              </a:lnSpc>
-            </a:pPr>
-            <a:r>
-              <a:rPr lang="en-US" altLang="ko-KR" dirty="0">
-                <a:latin typeface="+mj-lt"/>
-                <a:ea typeface="굴림" pitchFamily="50" charset="-127"/>
-              </a:rPr>
-              <a:t>tree with </a:t>
-            </a:r>
-            <a:r>
-              <a:rPr lang="en-US" altLang="ko-KR" b="1" dirty="0">
-                <a:solidFill>
-                  <a:schemeClr val="tx2">
-                    <a:lumMod val="75000"/>
-                  </a:schemeClr>
-                </a:solidFill>
-                <a:latin typeface="+mj-lt"/>
-                <a:ea typeface="굴림" pitchFamily="50" charset="-127"/>
-              </a:rPr>
-              <a:t>one element</a:t>
-            </a:r>
-          </a:p>
-          <a:p>
-            <a:pPr lvl="1">
-              <a:lnSpc>
-                <a:spcPct val="110000"/>
-              </a:lnSpc>
-            </a:pPr>
-            <a:r>
-              <a:rPr lang="en-US" altLang="ko-KR" dirty="0">
-                <a:latin typeface="+mj-lt"/>
-                <a:ea typeface="굴림" pitchFamily="50" charset="-127"/>
-              </a:rPr>
-              <a:t>tree with </a:t>
-            </a:r>
-            <a:r>
-              <a:rPr lang="en-US" altLang="ko-KR" b="1" dirty="0">
-                <a:solidFill>
-                  <a:schemeClr val="tx2">
-                    <a:lumMod val="75000"/>
-                  </a:schemeClr>
-                </a:solidFill>
-                <a:latin typeface="+mj-lt"/>
-                <a:ea typeface="굴림" pitchFamily="50" charset="-127"/>
-              </a:rPr>
-              <a:t>two elements - root + left/right</a:t>
-            </a:r>
-          </a:p>
-          <a:p>
-            <a:pPr lvl="1">
-              <a:lnSpc>
-                <a:spcPct val="110000"/>
-              </a:lnSpc>
-            </a:pPr>
-            <a:r>
-              <a:rPr lang="en-US" altLang="ko-KR" dirty="0">
-                <a:latin typeface="+mj-lt"/>
-                <a:ea typeface="굴림" pitchFamily="50" charset="-127"/>
-              </a:rPr>
-              <a:t>tree with </a:t>
-            </a:r>
-            <a:r>
-              <a:rPr lang="en-US" altLang="ko-KR" b="1" dirty="0">
-                <a:solidFill>
-                  <a:schemeClr val="tx2">
-                    <a:lumMod val="75000"/>
-                  </a:schemeClr>
-                </a:solidFill>
-                <a:latin typeface="+mj-lt"/>
-                <a:ea typeface="굴림" pitchFamily="50" charset="-127"/>
-              </a:rPr>
-              <a:t>multiple elements</a:t>
-            </a:r>
-          </a:p>
-          <a:p>
-            <a:pPr marL="377887" lvl="1" indent="0">
-              <a:lnSpc>
-                <a:spcPct val="110000"/>
-              </a:lnSpc>
-              <a:buNone/>
-            </a:pPr>
-            <a:endParaRPr lang="en-US" altLang="ko-KR" b="1" dirty="0">
-              <a:solidFill>
-                <a:schemeClr val="tx2">
-                  <a:lumMod val="75000"/>
-                </a:schemeClr>
-              </a:solidFill>
-              <a:latin typeface="Consolas" panose="020B0609020204030204" pitchFamily="49" charset="0"/>
-              <a:ea typeface="굴림" pitchFamily="50" charset="-127"/>
-            </a:endParaRPr>
-          </a:p>
-        </p:txBody>
-      </p:sp>
-      <p:sp>
-        <p:nvSpPr>
-          <p:cNvPr id="466946" name="Rectangle 2"/>
-          <p:cNvSpPr>
-            <a:spLocks noGrp="1" noChangeArrowheads="1"/>
-          </p:cNvSpPr>
-          <p:nvPr>
-            <p:ph type="title"/>
-          </p:nvPr>
-        </p:nvSpPr>
-        <p:spPr/>
-        <p:txBody>
-          <a:bodyPr/>
-          <a:lstStyle/>
-          <a:p>
-            <a:r>
-              <a:rPr lang="en-US" altLang="ko-KR" dirty="0">
-                <a:ea typeface="굴림" pitchFamily="50" charset="-127"/>
-              </a:rPr>
-              <a:t>Problem: BST Delete Min</a:t>
-            </a:r>
-            <a:endParaRPr lang="bg-BG" dirty="0"/>
-          </a:p>
-        </p:txBody>
-      </p:sp>
-    </p:spTree>
-    <p:extLst>
-      <p:ext uri="{BB962C8B-B14F-4D97-AF65-F5344CB8AC3E}">
-        <p14:creationId xmlns:p14="http://schemas.microsoft.com/office/powerpoint/2010/main" val="484508763"/>
-      </p:ext>
-    </p:extLst>
-  </p:cSld>
-  <p:clrMapOvr>
-    <a:masterClrMapping/>
-  </p:clrMapOvr>
-</p:sld>
-</file>
-
-<file path=ppt/slides/slide23.xml><?xml version="1.0" encoding="utf-8"?>
-<p:sld xmlns:a="http://schemas.openxmlformats.org/drawingml/2006/main" xmlns:r="http://schemas.openxmlformats.org/officeDocument/2006/relationships" xmlns:p="http://schemas.openxmlformats.org/presentationml/2006/main">
-  <p:cSld>
-    <p:spTree>
-      <p:nvGrpSpPr>
-        <p:cNvPr id="1" name=""/>
-        <p:cNvGrpSpPr/>
-        <p:nvPr/>
-      </p:nvGrpSpPr>
-      <p:grpSpPr>
-        <a:xfrm>
-          <a:off x="0" y="0"/>
-          <a:ext cx="0" cy="0"/>
-          <a:chOff x="0" y="0"/>
-          <a:chExt cx="0" cy="0"/>
-        </a:xfrm>
-      </p:grpSpPr>
-      <p:sp>
-        <p:nvSpPr>
-          <p:cNvPr id="4" name="Slide Number Placeholder 3"/>
-          <p:cNvSpPr>
-            <a:spLocks noGrp="1"/>
-          </p:cNvSpPr>
-          <p:nvPr>
-            <p:ph type="sldNum" sz="quarter" idx="4"/>
-          </p:nvPr>
-        </p:nvSpPr>
-        <p:spPr>
-          <a:prstGeom prst="rect">
-            <a:avLst/>
-          </a:prstGeom>
-        </p:spPr>
-        <p:txBody>
-          <a:bodyPr/>
-          <a:lstStyle/>
-          <a:p>
-            <a:pPr>
-              <a:defRPr/>
-            </a:pPr>
-            <a:fld id="{58452FF4-89E3-4D1B-9927-2DBDC00E58D7}" type="slidenum">
-              <a:rPr lang="en-US" smtClean="0"/>
-              <a:pPr>
-                <a:defRPr/>
-              </a:pPr>
-              <a:t>23</a:t>
             </a:fld>
             <a:endParaRPr lang="en-US" dirty="0"/>
           </a:p>
@@ -15382,7 +13739,7 @@
 </p:sld>
 </file>
 
-<file path=ppt/slides/slide24.xml><?xml version="1.0" encoding="utf-8"?>
+<file path=ppt/slides/slide23.xml><?xml version="1.0" encoding="utf-8"?>
 <p:sld xmlns:a="http://schemas.openxmlformats.org/drawingml/2006/main" xmlns:r="http://schemas.openxmlformats.org/officeDocument/2006/relationships" xmlns:p="http://schemas.openxmlformats.org/presentationml/2006/main">
   <p:cSld>
     <p:spTree>
@@ -15494,7 +13851,7 @@
 </p:sld>
 </file>
 
-<file path=ppt/slides/slide25.xml><?xml version="1.0" encoding="utf-8"?>
+<file path=ppt/slides/slide24.xml><?xml version="1.0" encoding="utf-8"?>
 <p:sld xmlns:a="http://schemas.openxmlformats.org/drawingml/2006/main" xmlns:r="http://schemas.openxmlformats.org/officeDocument/2006/relationships" xmlns:p="http://schemas.openxmlformats.org/presentationml/2006/main">
   <p:cSld>
     <p:spTree>
@@ -15529,7 +13886,7 @@
             <a:fld id="{C014DD1E-5D91-48A3-AD6D-45FBA980D106}" type="slidenum">
               <a:rPr lang="en-US" smtClean="0"/>
               <a:pPr/>
-              <a:t>25</a:t>
+              <a:t>24</a:t>
             </a:fld>
             <a:endParaRPr lang="en-US" dirty="0"/>
           </a:p>
@@ -16439,7 +14796,7 @@
 </p:sld>
 </file>
 
-<file path=ppt/slides/slide26.xml><?xml version="1.0" encoding="utf-8"?>
+<file path=ppt/slides/slide25.xml><?xml version="1.0" encoding="utf-8"?>
 <p:sld xmlns:a="http://schemas.openxmlformats.org/drawingml/2006/main" xmlns:r="http://schemas.openxmlformats.org/officeDocument/2006/relationships" xmlns:p="http://schemas.openxmlformats.org/presentationml/2006/main">
   <p:cSld>
     <p:spTree>
@@ -16474,7 +14831,7 @@
             <a:fld id="{C014DD1E-5D91-48A3-AD6D-45FBA980D106}" type="slidenum">
               <a:rPr lang="en-US" smtClean="0"/>
               <a:pPr/>
-              <a:t>26</a:t>
+              <a:t>25</a:t>
             </a:fld>
             <a:endParaRPr lang="en-US" dirty="0"/>
           </a:p>
@@ -17866,7 +16223,7 @@
 </p:sld>
 </file>
 
-<file path=ppt/slides/slide27.xml><?xml version="1.0" encoding="utf-8"?>
+<file path=ppt/slides/slide26.xml><?xml version="1.0" encoding="utf-8"?>
 <p:sld xmlns:a="http://schemas.openxmlformats.org/drawingml/2006/main" xmlns:r="http://schemas.openxmlformats.org/officeDocument/2006/relationships" xmlns:p="http://schemas.openxmlformats.org/presentationml/2006/main">
   <p:cSld>
     <p:spTree>
@@ -17901,7 +16258,7 @@
             <a:fld id="{C014DD1E-5D91-48A3-AD6D-45FBA980D106}" type="slidenum">
               <a:rPr lang="en-US" smtClean="0"/>
               <a:pPr/>
-              <a:t>27</a:t>
+              <a:t>26</a:t>
             </a:fld>
             <a:endParaRPr lang="en-US" dirty="0"/>
           </a:p>
@@ -19248,7 +17605,7 @@
 </p:sld>
 </file>
 
-<file path=ppt/slides/slide28.xml><?xml version="1.0" encoding="utf-8"?>
+<file path=ppt/slides/slide27.xml><?xml version="1.0" encoding="utf-8"?>
 <p:sld xmlns:a="http://schemas.openxmlformats.org/drawingml/2006/main" xmlns:r="http://schemas.openxmlformats.org/officeDocument/2006/relationships" xmlns:p="http://schemas.openxmlformats.org/presentationml/2006/main">
   <p:cSld>
     <p:spTree>
@@ -19283,7 +17640,7 @@
             <a:fld id="{C014DD1E-5D91-48A3-AD6D-45FBA980D106}" type="slidenum">
               <a:rPr lang="en-US" smtClean="0"/>
               <a:pPr/>
-              <a:t>28</a:t>
+              <a:t>27</a:t>
             </a:fld>
             <a:endParaRPr lang="en-US" dirty="0"/>
           </a:p>
@@ -20182,7 +18539,7 @@
 </p:sld>
 </file>
 
-<file path=ppt/slides/slide29.xml><?xml version="1.0" encoding="utf-8"?>
+<file path=ppt/slides/slide28.xml><?xml version="1.0" encoding="utf-8"?>
 <p:sld xmlns:a="http://schemas.openxmlformats.org/drawingml/2006/main" xmlns:r="http://schemas.openxmlformats.org/officeDocument/2006/relationships" xmlns:p="http://schemas.openxmlformats.org/presentationml/2006/main">
   <p:cSld>
     <p:spTree>
@@ -20226,7 +18583,7 @@
               <a:pPr>
                 <a:defRPr/>
               </a:pPr>
-              <a:t>29</a:t>
+              <a:t>28</a:t>
             </a:fld>
             <a:endParaRPr lang="en-US" dirty="0"/>
           </a:p>
@@ -20418,7 +18775,7 @@
 </p:sld>
 </file>
 
-<file path=ppt/slides/slide3.xml><?xml version="1.0" encoding="utf-8"?>
+<file path=ppt/slides/slide29.xml><?xml version="1.0" encoding="utf-8"?>
 <p:sld xmlns:a="http://schemas.openxmlformats.org/drawingml/2006/main" xmlns:r="http://schemas.openxmlformats.org/officeDocument/2006/relationships" xmlns:p="http://schemas.openxmlformats.org/presentationml/2006/main">
   <p:cSld>
     <p:spTree>
@@ -20437,134 +18794,6 @@
       </p:grpSpPr>
       <p:sp>
         <p:nvSpPr>
-          <p:cNvPr id="2" name="Slide Number Placeholder 1"/>
-          <p:cNvSpPr>
-            <a:spLocks noGrp="1"/>
-          </p:cNvSpPr>
-          <p:nvPr>
-            <p:ph type="sldNum" sz="quarter" idx="4"/>
-          </p:nvPr>
-        </p:nvSpPr>
-        <p:spPr/>
-        <p:txBody>
-          <a:bodyPr/>
-          <a:lstStyle/>
-          <a:p>
-            <a:fld id="{C014DD1E-5D91-48A3-AD6D-45FBA980D106}" type="slidenum">
-              <a:rPr lang="en-US" smtClean="0"/>
-              <a:pPr/>
-              <a:t>3</a:t>
-            </a:fld>
-            <a:endParaRPr lang="en-US" dirty="0"/>
-          </a:p>
-        </p:txBody>
-      </p:sp>
-      <p:sp>
-        <p:nvSpPr>
-          <p:cNvPr id="3" name="Content Placeholder 2"/>
-          <p:cNvSpPr>
-            <a:spLocks noGrp="1"/>
-          </p:cNvSpPr>
-          <p:nvPr>
-            <p:ph idx="1"/>
-          </p:nvPr>
-        </p:nvSpPr>
-        <p:spPr>
-          <a:xfrm>
-            <a:off x="190413" y="1151121"/>
-            <a:ext cx="11804822" cy="5373881"/>
-          </a:xfrm>
-        </p:spPr>
-        <p:txBody>
-          <a:bodyPr>
-            <a:normAutofit/>
-          </a:bodyPr>
-          <a:lstStyle/>
-          <a:p>
-            <a:pPr marL="0" indent="0" algn="ctr">
-              <a:buNone/>
-            </a:pPr>
-            <a:endParaRPr lang="bg-BG" b="1" dirty="0"/>
-          </a:p>
-          <a:p>
-            <a:pPr marL="0" indent="0" algn="ctr">
-              <a:buNone/>
-            </a:pPr>
-            <a:r>
-              <a:rPr lang="en-US" sz="8800" b="1" dirty="0">
-                <a:solidFill>
-                  <a:schemeClr val="tx2">
-                    <a:lumMod val="75000"/>
-                  </a:schemeClr>
-                </a:solidFill>
-              </a:rPr>
-              <a:t>sli.do</a:t>
-            </a:r>
-            <a:br>
-              <a:rPr lang="en-US" sz="6000" b="1" dirty="0"/>
-            </a:br>
-            <a:r>
-              <a:rPr lang="en-US" sz="11500" b="1" noProof="1"/>
-              <a:t>#DsAlgo</a:t>
-            </a:r>
-            <a:endParaRPr lang="en-US" noProof="1"/>
-          </a:p>
-        </p:txBody>
-      </p:sp>
-      <p:sp>
-        <p:nvSpPr>
-          <p:cNvPr id="4" name="Title 3"/>
-          <p:cNvSpPr>
-            <a:spLocks noGrp="1"/>
-          </p:cNvSpPr>
-          <p:nvPr>
-            <p:ph type="title"/>
-          </p:nvPr>
-        </p:nvSpPr>
-        <p:spPr/>
-        <p:txBody>
-          <a:bodyPr/>
-          <a:lstStyle/>
-          <a:p>
-            <a:r>
-              <a:rPr lang="en-US" dirty="0"/>
-              <a:t>Have a Question?</a:t>
-            </a:r>
-          </a:p>
-        </p:txBody>
-      </p:sp>
-    </p:spTree>
-    <p:extLst>
-      <p:ext uri="{BB962C8B-B14F-4D97-AF65-F5344CB8AC3E}">
-        <p14:creationId xmlns:p14="http://schemas.microsoft.com/office/powerpoint/2010/main" val="4021829012"/>
-      </p:ext>
-    </p:extLst>
-  </p:cSld>
-  <p:clrMapOvr>
-    <a:masterClrMapping/>
-  </p:clrMapOvr>
-</p:sld>
-</file>
-
-<file path=ppt/slides/slide30.xml><?xml version="1.0" encoding="utf-8"?>
-<p:sld xmlns:a="http://schemas.openxmlformats.org/drawingml/2006/main" xmlns:r="http://schemas.openxmlformats.org/officeDocument/2006/relationships" xmlns:p="http://schemas.openxmlformats.org/presentationml/2006/main">
-  <p:cSld>
-    <p:spTree>
-      <p:nvGrpSpPr>
-        <p:cNvPr id="1" name=""/>
-        <p:cNvGrpSpPr/>
-        <p:nvPr/>
-      </p:nvGrpSpPr>
-      <p:grpSpPr>
-        <a:xfrm>
-          <a:off x="0" y="0"/>
-          <a:ext cx="0" cy="0"/>
-          <a:chOff x="0" y="0"/>
-          <a:chExt cx="0" cy="0"/>
-        </a:xfrm>
-      </p:grpSpPr>
-      <p:sp>
-        <p:nvSpPr>
           <p:cNvPr id="23" name="Slide Number Placeholder 3"/>
           <p:cNvSpPr>
             <a:spLocks noGrp="1"/>
@@ -20590,7 +18819,7 @@
               <a:pPr>
                 <a:defRPr/>
               </a:pPr>
-              <a:t>30</a:t>
+              <a:t>29</a:t>
             </a:fld>
             <a:endParaRPr lang="en-US" dirty="0"/>
           </a:p>
@@ -22382,7 +20611,117 @@
 </p:sld>
 </file>
 
-<file path=ppt/slides/slide31.xml><?xml version="1.0" encoding="utf-8"?>
+<file path=ppt/slides/slide3.xml><?xml version="1.0" encoding="utf-8"?>
+<p:sld xmlns:a="http://schemas.openxmlformats.org/drawingml/2006/main" xmlns:r="http://schemas.openxmlformats.org/officeDocument/2006/relationships" xmlns:p="http://schemas.openxmlformats.org/presentationml/2006/main">
+  <p:cSld>
+    <p:spTree>
+      <p:nvGrpSpPr>
+        <p:cNvPr id="1" name=""/>
+        <p:cNvGrpSpPr/>
+        <p:nvPr/>
+      </p:nvGrpSpPr>
+      <p:grpSpPr>
+        <a:xfrm>
+          <a:off x="0" y="0"/>
+          <a:ext cx="0" cy="0"/>
+          <a:chOff x="0" y="0"/>
+          <a:chExt cx="0" cy="0"/>
+        </a:xfrm>
+      </p:grpSpPr>
+      <p:sp>
+        <p:nvSpPr>
+          <p:cNvPr id="4" name="Title 3"/>
+          <p:cNvSpPr>
+            <a:spLocks noGrp="1"/>
+          </p:cNvSpPr>
+          <p:nvPr>
+            <p:ph type="ctrTitle"/>
+          </p:nvPr>
+        </p:nvSpPr>
+        <p:spPr>
+          <a:xfrm>
+            <a:off x="912813" y="4634350"/>
+            <a:ext cx="10363200" cy="834450"/>
+          </a:xfrm>
+        </p:spPr>
+        <p:txBody>
+          <a:bodyPr/>
+          <a:lstStyle/>
+          <a:p>
+            <a:r>
+              <a:rPr lang="en-US" dirty="0"/>
+              <a:t>Binary Search Trees</a:t>
+            </a:r>
+          </a:p>
+        </p:txBody>
+      </p:sp>
+      <p:sp>
+        <p:nvSpPr>
+          <p:cNvPr id="5" name="Subtitle 4"/>
+          <p:cNvSpPr>
+            <a:spLocks noGrp="1"/>
+          </p:cNvSpPr>
+          <p:nvPr>
+            <p:ph type="subTitle" idx="1"/>
+          </p:nvPr>
+        </p:nvSpPr>
+        <p:spPr>
+          <a:xfrm>
+            <a:off x="912813" y="5529366"/>
+            <a:ext cx="10363200" cy="719034"/>
+          </a:xfrm>
+        </p:spPr>
+        <p:txBody>
+          <a:bodyPr/>
+          <a:lstStyle/>
+          <a:p>
+            <a:r>
+              <a:rPr lang="en-US" dirty="0"/>
+              <a:t>Two Children at Most</a:t>
+            </a:r>
+          </a:p>
+        </p:txBody>
+      </p:sp>
+      <p:pic>
+        <p:nvPicPr>
+          <p:cNvPr id="3" name="Picture 2"/>
+          <p:cNvPicPr>
+            <a:picLocks noChangeAspect="1"/>
+          </p:cNvPicPr>
+          <p:nvPr/>
+        </p:nvPicPr>
+        <p:blipFill>
+          <a:blip r:embed="rId2"/>
+          <a:stretch>
+            <a:fillRect/>
+          </a:stretch>
+        </p:blipFill>
+        <p:spPr>
+          <a:xfrm>
+            <a:off x="4396406" y="1485296"/>
+            <a:ext cx="3505198" cy="2781904"/>
+          </a:xfrm>
+          <a:prstGeom prst="roundRect">
+            <a:avLst>
+              <a:gd name="adj" fmla="val 1949"/>
+            </a:avLst>
+          </a:prstGeom>
+        </p:spPr>
+      </p:pic>
+    </p:spTree>
+    <p:extLst>
+      <p:ext uri="{BB962C8B-B14F-4D97-AF65-F5344CB8AC3E}">
+        <p14:creationId xmlns:p14="http://schemas.microsoft.com/office/powerpoint/2010/main" val="579291357"/>
+      </p:ext>
+    </p:extLst>
+  </p:cSld>
+  <p:clrMapOvr>
+    <a:masterClrMapping/>
+  </p:clrMapOvr>
+</p:sld>
+</file>
+
+<file path=ppt/slides/slide30.xml><?xml version="1.0" encoding="utf-8"?>
 <p:sld xmlns:a="http://schemas.openxmlformats.org/drawingml/2006/main" xmlns:r="http://schemas.openxmlformats.org/officeDocument/2006/relationships" xmlns:p="http://schemas.openxmlformats.org/presentationml/2006/main">
   <p:cSld>
     <p:spTree>
@@ -22490,7 +20829,7 @@
 </p:sld>
 </file>
 
-<file path=ppt/slides/slide32.xml><?xml version="1.0" encoding="utf-8"?>
+<file path=ppt/slides/slide31.xml><?xml version="1.0" encoding="utf-8"?>
 <p:sld xmlns:a="http://schemas.openxmlformats.org/drawingml/2006/main" xmlns:r="http://schemas.openxmlformats.org/officeDocument/2006/relationships" xmlns:p="http://schemas.openxmlformats.org/presentationml/2006/main">
   <p:cSld>
     <p:spTree>
@@ -22567,7 +20906,7 @@
             <a:fld id="{C014DD1E-5D91-48A3-AD6D-45FBA980D106}" type="slidenum">
               <a:rPr lang="en-US" smtClean="0"/>
               <a:pPr/>
-              <a:t>32</a:t>
+              <a:t>31</a:t>
             </a:fld>
             <a:endParaRPr lang="en-US" dirty="0"/>
           </a:p>
@@ -23117,7 +21456,7 @@
 </p:sld>
 </file>
 
-<file path=ppt/slides/slide33.xml><?xml version="1.0" encoding="utf-8"?>
+<file path=ppt/slides/slide32.xml><?xml version="1.0" encoding="utf-8"?>
 <p:sld xmlns:a="http://schemas.openxmlformats.org/drawingml/2006/main" xmlns:r="http://schemas.openxmlformats.org/officeDocument/2006/relationships" xmlns:p="http://schemas.openxmlformats.org/presentationml/2006/main">
   <p:cSld>
     <p:spTree>
@@ -23152,7 +21491,7 @@
             <a:fld id="{C014DD1E-5D91-48A3-AD6D-45FBA980D106}" type="slidenum">
               <a:rPr lang="en-US" smtClean="0"/>
               <a:pPr/>
-              <a:t>33</a:t>
+              <a:t>32</a:t>
             </a:fld>
             <a:endParaRPr lang="en-US" dirty="0"/>
           </a:p>
@@ -23352,7 +21691,7 @@
 </p:sld>
 </file>
 
-<file path=ppt/slides/slide34.xml><?xml version="1.0" encoding="utf-8"?>
+<file path=ppt/slides/slide33.xml><?xml version="1.0" encoding="utf-8"?>
 <p:sld xmlns:a="http://schemas.openxmlformats.org/drawingml/2006/main" xmlns:r="http://schemas.openxmlformats.org/officeDocument/2006/relationships" xmlns:p="http://schemas.openxmlformats.org/presentationml/2006/main">
   <p:cSld>
     <p:spTree>
@@ -23387,7 +21726,7 @@
             <a:fld id="{C014DD1E-5D91-48A3-AD6D-45FBA980D106}" type="slidenum">
               <a:rPr lang="en-US" smtClean="0"/>
               <a:pPr/>
-              <a:t>34</a:t>
+              <a:t>33</a:t>
             </a:fld>
             <a:endParaRPr lang="en-US" dirty="0"/>
           </a:p>
@@ -23662,1026 +22001,6 @@
 </p:sld>
 </file>
 
-<file path=ppt/slides/slide35.xml><?xml version="1.0" encoding="utf-8"?>
-<p:sld xmlns:a="http://schemas.openxmlformats.org/drawingml/2006/main" xmlns:r="http://schemas.openxmlformats.org/officeDocument/2006/relationships" xmlns:p="http://schemas.openxmlformats.org/presentationml/2006/main">
-  <p:cSld>
-    <p:spTree>
-      <p:nvGrpSpPr>
-        <p:cNvPr id="1" name=""/>
-        <p:cNvGrpSpPr/>
-        <p:nvPr/>
-      </p:nvGrpSpPr>
-      <p:grpSpPr>
-        <a:xfrm>
-          <a:off x="0" y="0"/>
-          <a:ext cx="0" cy="0"/>
-          <a:chOff x="0" y="0"/>
-          <a:chExt cx="0" cy="0"/>
-        </a:xfrm>
-      </p:grpSpPr>
-      <p:sp>
-        <p:nvSpPr>
-          <p:cNvPr id="11" name="Title 10"/>
-          <p:cNvSpPr>
-            <a:spLocks noGrp="1"/>
-          </p:cNvSpPr>
-          <p:nvPr>
-            <p:ph type="title"/>
-          </p:nvPr>
-        </p:nvSpPr>
-        <p:spPr/>
-        <p:txBody>
-          <a:bodyPr>
-            <a:normAutofit/>
-          </a:bodyPr>
-          <a:lstStyle/>
-          <a:p>
-            <a:r>
-              <a:rPr lang="en-US" dirty="0"/>
-              <a:t>Binary Search Trees</a:t>
-            </a:r>
-          </a:p>
-        </p:txBody>
-      </p:sp>
-      <p:sp>
-        <p:nvSpPr>
-          <p:cNvPr id="3" name="Text Placeholder 2"/>
-          <p:cNvSpPr>
-            <a:spLocks noGrp="1"/>
-          </p:cNvSpPr>
-          <p:nvPr>
-            <p:ph type="body" sz="quarter" idx="10"/>
-          </p:nvPr>
-        </p:nvSpPr>
-        <p:spPr>
-          <a:xfrm>
-            <a:off x="1529384" y="6400802"/>
-            <a:ext cx="10482604" cy="351754"/>
-          </a:xfrm>
-        </p:spPr>
-        <p:txBody>
-          <a:bodyPr/>
-          <a:lstStyle/>
-          <a:p>
-            <a:r>
-              <a:rPr lang="en-US" dirty="0">
-                <a:hlinkClick r:id="rId3"/>
-              </a:rPr>
-              <a:t>https://softuni.bg/opencourses/data-structures</a:t>
-            </a:r>
-            <a:r>
-              <a:rPr lang="en-US" dirty="0"/>
-              <a:t>  </a:t>
-            </a:r>
-          </a:p>
-        </p:txBody>
-      </p:sp>
-      <p:pic>
-        <p:nvPicPr>
-          <p:cNvPr id="13" name="Picture 12">
-            <a:hlinkClick r:id="rId4"/>
-          </p:cNvPr>
-          <p:cNvPicPr>
-            <a:picLocks noChangeAspect="1"/>
-          </p:cNvPicPr>
-          <p:nvPr/>
-        </p:nvPicPr>
-        <p:blipFill rotWithShape="1">
-          <a:blip r:embed="rId5"/>
-          <a:srcRect l="-16203" r="-16203"/>
-          <a:stretch/>
-        </p:blipFill>
-        <p:spPr>
-          <a:xfrm>
-            <a:off x="303212" y="1246226"/>
-            <a:ext cx="2763622" cy="957764"/>
-          </a:xfrm>
-          <a:prstGeom prst="roundRect">
-            <a:avLst>
-              <a:gd name="adj" fmla="val 3159"/>
-            </a:avLst>
-          </a:prstGeom>
-          <a:solidFill>
-            <a:schemeClr val="tx1"/>
-          </a:solidFill>
-        </p:spPr>
-      </p:pic>
-      <p:pic>
-        <p:nvPicPr>
-          <p:cNvPr id="14" name="Picture 13">
-            <a:hlinkClick r:id="rId6"/>
-          </p:cNvPr>
-          <p:cNvPicPr>
-            <a:picLocks noChangeAspect="1"/>
-          </p:cNvPicPr>
-          <p:nvPr/>
-        </p:nvPicPr>
-        <p:blipFill rotWithShape="1">
-          <a:blip r:embed="rId7"/>
-          <a:srcRect l="-5908" r="-5908"/>
-          <a:stretch/>
-        </p:blipFill>
-        <p:spPr>
-          <a:xfrm>
-            <a:off x="3787285" y="1254944"/>
-            <a:ext cx="2763621" cy="949046"/>
-          </a:xfrm>
-          <a:prstGeom prst="roundRect">
-            <a:avLst>
-              <a:gd name="adj" fmla="val 3159"/>
-            </a:avLst>
-          </a:prstGeom>
-          <a:solidFill>
-            <a:schemeClr val="tx1"/>
-          </a:solidFill>
-        </p:spPr>
-      </p:pic>
-      <p:pic>
-        <p:nvPicPr>
-          <p:cNvPr id="16" name="Picture 15">
-            <a:hlinkClick r:id="rId8"/>
-          </p:cNvPr>
-          <p:cNvPicPr>
-            <a:picLocks noChangeAspect="1"/>
-          </p:cNvPicPr>
-          <p:nvPr/>
-        </p:nvPicPr>
-        <p:blipFill rotWithShape="1">
-          <a:blip r:embed="rId9"/>
-          <a:srcRect l="-25003" r="-25003"/>
-          <a:stretch/>
-        </p:blipFill>
-        <p:spPr>
-          <a:xfrm>
-            <a:off x="7271357" y="4002018"/>
-            <a:ext cx="4614255" cy="949046"/>
-          </a:xfrm>
-          <a:prstGeom prst="roundRect">
-            <a:avLst>
-              <a:gd name="adj" fmla="val 2953"/>
-            </a:avLst>
-          </a:prstGeom>
-          <a:solidFill>
-            <a:schemeClr val="tx1"/>
-          </a:solidFill>
-        </p:spPr>
-      </p:pic>
-      <p:pic>
-        <p:nvPicPr>
-          <p:cNvPr id="17" name="Picture 16">
-            <a:hlinkClick r:id="rId10"/>
-          </p:cNvPr>
-          <p:cNvPicPr>
-            <a:picLocks noChangeAspect="1"/>
-          </p:cNvPicPr>
-          <p:nvPr/>
-        </p:nvPicPr>
-        <p:blipFill rotWithShape="1">
-          <a:blip r:embed="rId11"/>
-          <a:srcRect l="-705" r="-705"/>
-          <a:stretch/>
-        </p:blipFill>
-        <p:spPr>
-          <a:xfrm>
-            <a:off x="7271357" y="5375554"/>
-            <a:ext cx="4614255" cy="949046"/>
-          </a:xfrm>
-          <a:prstGeom prst="roundRect">
-            <a:avLst>
-              <a:gd name="adj" fmla="val 3159"/>
-            </a:avLst>
-          </a:prstGeom>
-          <a:solidFill>
-            <a:schemeClr val="tx1"/>
-          </a:solidFill>
-        </p:spPr>
-      </p:pic>
-      <p:pic>
-        <p:nvPicPr>
-          <p:cNvPr id="18" name="Picture 17">
-            <a:hlinkClick r:id="rId12"/>
-          </p:cNvPr>
-          <p:cNvPicPr>
-            <a:picLocks noChangeAspect="1"/>
-          </p:cNvPicPr>
-          <p:nvPr/>
-        </p:nvPicPr>
-        <p:blipFill rotWithShape="1">
-          <a:blip r:embed="rId13"/>
-          <a:srcRect t="-66530" b="-59505"/>
-          <a:stretch/>
-        </p:blipFill>
-        <p:spPr>
-          <a:xfrm>
-            <a:off x="7271357" y="2619763"/>
-            <a:ext cx="4614255" cy="957764"/>
-          </a:xfrm>
-          <a:prstGeom prst="roundRect">
-            <a:avLst>
-              <a:gd name="adj" fmla="val 3159"/>
-            </a:avLst>
-          </a:prstGeom>
-          <a:solidFill>
-            <a:schemeClr val="tx1"/>
-          </a:solidFill>
-        </p:spPr>
-      </p:pic>
-      <p:pic>
-        <p:nvPicPr>
-          <p:cNvPr id="20" name="Picture 19">
-            <a:hlinkClick r:id="rId14"/>
-          </p:cNvPr>
-          <p:cNvPicPr>
-            <a:picLocks noChangeAspect="1"/>
-          </p:cNvPicPr>
-          <p:nvPr/>
-        </p:nvPicPr>
-        <p:blipFill rotWithShape="1">
-          <a:blip r:embed="rId15"/>
-          <a:srcRect l="-14709" r="-14709"/>
-          <a:stretch/>
-        </p:blipFill>
-        <p:spPr>
-          <a:xfrm>
-            <a:off x="303212" y="5375554"/>
-            <a:ext cx="2763622" cy="949046"/>
-          </a:xfrm>
-          <a:prstGeom prst="roundRect">
-            <a:avLst>
-              <a:gd name="adj" fmla="val 3159"/>
-            </a:avLst>
-          </a:prstGeom>
-          <a:solidFill>
-            <a:schemeClr val="tx1"/>
-          </a:solidFill>
-        </p:spPr>
-      </p:pic>
-      <p:pic>
-        <p:nvPicPr>
-          <p:cNvPr id="21" name="Picture 20">
-            <a:hlinkClick r:id="rId16"/>
-          </p:cNvPr>
-          <p:cNvPicPr>
-            <a:picLocks noChangeAspect="1"/>
-          </p:cNvPicPr>
-          <p:nvPr/>
-        </p:nvPicPr>
-        <p:blipFill>
-          <a:blip r:embed="rId17"/>
-          <a:stretch>
-            <a:fillRect/>
-          </a:stretch>
-        </p:blipFill>
-        <p:spPr>
-          <a:xfrm>
-            <a:off x="3787284" y="5375554"/>
-            <a:ext cx="2763622" cy="949046"/>
-          </a:xfrm>
-          <a:prstGeom prst="roundRect">
-            <a:avLst>
-              <a:gd name="adj" fmla="val 3159"/>
-            </a:avLst>
-          </a:prstGeom>
-        </p:spPr>
-      </p:pic>
-      <p:pic>
-        <p:nvPicPr>
-          <p:cNvPr id="24" name="Picture 23">
-            <a:hlinkClick r:id="rId18"/>
-          </p:cNvPr>
-          <p:cNvPicPr>
-            <a:picLocks noChangeAspect="1"/>
-          </p:cNvPicPr>
-          <p:nvPr/>
-        </p:nvPicPr>
-        <p:blipFill rotWithShape="1">
-          <a:blip r:embed="rId19"/>
-          <a:srcRect l="-9951" r="-9951"/>
-          <a:stretch/>
-        </p:blipFill>
-        <p:spPr>
-          <a:xfrm>
-            <a:off x="7271357" y="1246226"/>
-            <a:ext cx="4614254" cy="949046"/>
-          </a:xfrm>
-          <a:prstGeom prst="roundRect">
-            <a:avLst>
-              <a:gd name="adj" fmla="val 3159"/>
-            </a:avLst>
-          </a:prstGeom>
-          <a:solidFill>
-            <a:schemeClr val="tx1"/>
-          </a:solidFill>
-        </p:spPr>
-      </p:pic>
-    </p:spTree>
-    <p:extLst>
-      <p:ext uri="{BB962C8B-B14F-4D97-AF65-F5344CB8AC3E}">
-        <p14:creationId xmlns:p14="http://schemas.microsoft.com/office/powerpoint/2010/main" val="3538928320"/>
-      </p:ext>
-    </p:extLst>
-  </p:cSld>
-  <p:clrMapOvr>
-    <a:masterClrMapping/>
-  </p:clrMapOvr>
-</p:sld>
-</file>
-
-<file path=ppt/slides/slide36.xml><?xml version="1.0" encoding="utf-8"?>
-<p:sld xmlns:a="http://schemas.openxmlformats.org/drawingml/2006/main" xmlns:r="http://schemas.openxmlformats.org/officeDocument/2006/relationships" xmlns:p="http://schemas.openxmlformats.org/presentationml/2006/main">
-  <p:cSld>
-    <p:spTree>
-      <p:nvGrpSpPr>
-        <p:cNvPr id="1" name=""/>
-        <p:cNvGrpSpPr/>
-        <p:nvPr/>
-      </p:nvGrpSpPr>
-      <p:grpSpPr>
-        <a:xfrm>
-          <a:off x="0" y="0"/>
-          <a:ext cx="0" cy="0"/>
-          <a:chOff x="0" y="0"/>
-          <a:chExt cx="0" cy="0"/>
-        </a:xfrm>
-      </p:grpSpPr>
-      <p:sp>
-        <p:nvSpPr>
-          <p:cNvPr id="2" name="Title 1"/>
-          <p:cNvSpPr>
-            <a:spLocks noGrp="1"/>
-          </p:cNvSpPr>
-          <p:nvPr>
-            <p:ph type="title"/>
-          </p:nvPr>
-        </p:nvSpPr>
-        <p:spPr/>
-        <p:txBody>
-          <a:bodyPr>
-            <a:normAutofit/>
-          </a:bodyPr>
-          <a:lstStyle/>
-          <a:p>
-            <a:r>
-              <a:rPr lang="en-US" dirty="0"/>
-              <a:t>License</a:t>
-            </a:r>
-          </a:p>
-        </p:txBody>
-      </p:sp>
-      <p:sp>
-        <p:nvSpPr>
-          <p:cNvPr id="3" name="Content Placeholder 2"/>
-          <p:cNvSpPr>
-            <a:spLocks noGrp="1"/>
-          </p:cNvSpPr>
-          <p:nvPr>
-            <p:ph idx="4294967295"/>
-          </p:nvPr>
-        </p:nvSpPr>
-        <p:spPr>
-          <a:xfrm>
-            <a:off x="190413" y="1151121"/>
-            <a:ext cx="11804822" cy="1796243"/>
-          </a:xfrm>
-        </p:spPr>
-        <p:txBody>
-          <a:bodyPr>
-            <a:normAutofit/>
-          </a:bodyPr>
-          <a:lstStyle/>
-          <a:p>
-            <a:r>
-              <a:rPr lang="en-US" dirty="0"/>
-              <a:t>This course (slides, examples, labs, videos, homework, etc.)</a:t>
-            </a:r>
-            <a:br>
-              <a:rPr lang="en-US" dirty="0"/>
-            </a:br>
-            <a:r>
-              <a:rPr lang="en-US" dirty="0"/>
-              <a:t>is licensed under the "</a:t>
-            </a:r>
-            <a:r>
-              <a:rPr lang="en-US" dirty="0">
-                <a:hlinkClick r:id="rId3"/>
-              </a:rPr>
-              <a:t>Creative Commons </a:t>
-            </a:r>
-            <a:r>
-              <a:rPr lang="en-US" noProof="1">
-                <a:hlinkClick r:id="rId3"/>
-              </a:rPr>
-              <a:t>Attribution-NonCommercial-ShareAlike</a:t>
-            </a:r>
-            <a:r>
-              <a:rPr lang="en-US" dirty="0">
-                <a:hlinkClick r:id="rId3"/>
-              </a:rPr>
-              <a:t> 4.0 International</a:t>
-            </a:r>
-            <a:r>
-              <a:rPr lang="en-US" dirty="0"/>
-              <a:t>" license</a:t>
-            </a:r>
-            <a:endParaRPr lang="en-US" sz="2000" dirty="0"/>
-          </a:p>
-        </p:txBody>
-      </p:sp>
-      <p:sp>
-        <p:nvSpPr>
-          <p:cNvPr id="4" name="Slide Number Placeholder 3"/>
-          <p:cNvSpPr>
-            <a:spLocks noGrp="1"/>
-          </p:cNvSpPr>
-          <p:nvPr>
-            <p:ph type="sldNum" sz="quarter" idx="4"/>
-          </p:nvPr>
-        </p:nvSpPr>
-        <p:spPr>
-          <a:xfrm>
-            <a:off x="11566412" y="6525002"/>
-            <a:ext cx="428822" cy="196477"/>
-          </a:xfrm>
-        </p:spPr>
-        <p:txBody>
-          <a:bodyPr/>
-          <a:lstStyle/>
-          <a:p>
-            <a:fld id="{C014DD1E-5D91-48A3-AD6D-45FBA980D106}" type="slidenum">
-              <a:rPr lang="en-US" smtClean="0"/>
-              <a:pPr/>
-              <a:t>36</a:t>
-            </a:fld>
-            <a:endParaRPr lang="en-US" dirty="0"/>
-          </a:p>
-        </p:txBody>
-      </p:sp>
-      <p:pic>
-        <p:nvPicPr>
-          <p:cNvPr id="8" name="Picture 4" title="CC-BY-NC-SA License">
-            <a:hlinkClick r:id="rId3" tooltip="This work is licensed under the &quot;Creative Commons Attribution-NonCommercial-ShareAlike 4.0 International&quot; license"/>
-          </p:cNvPr>
-          <p:cNvPicPr>
-            <a:picLocks noChangeAspect="1" noChangeArrowheads="1"/>
-          </p:cNvPicPr>
-          <p:nvPr/>
-        </p:nvPicPr>
-        <p:blipFill>
-          <a:blip r:embed="rId4">
-            <a:extLst>
-              <a:ext uri="{28A0092B-C50C-407E-A947-70E740481C1C}">
-                <a14:useLocalDpi xmlns:a14="http://schemas.microsoft.com/office/drawing/2010/main" val="0"/>
-              </a:ext>
-            </a:extLst>
-          </a:blip>
-          <a:srcRect/>
-          <a:stretch>
-            <a:fillRect/>
-          </a:stretch>
-        </p:blipFill>
-        <p:spPr bwMode="auto">
-          <a:xfrm>
-            <a:off x="4507637" y="3281192"/>
-            <a:ext cx="3170776" cy="1109380"/>
-          </a:xfrm>
-          <a:prstGeom prst="roundRect">
-            <a:avLst>
-              <a:gd name="adj" fmla="val 4326"/>
-            </a:avLst>
-          </a:prstGeom>
-          <a:noFill/>
-          <a:ln>
-            <a:solidFill>
-              <a:schemeClr val="accent2">
-                <a:lumMod val="75000"/>
-              </a:schemeClr>
-            </a:solidFill>
-          </a:ln>
-          <a:extLst>
-            <a:ext uri="{909E8E84-426E-40DD-AFC4-6F175D3DCCD1}">
-              <a14:hiddenFill xmlns:a14="http://schemas.microsoft.com/office/drawing/2010/main">
-                <a:solidFill>
-                  <a:srgbClr val="FFFFFF"/>
-                </a:solidFill>
-              </a14:hiddenFill>
-            </a:ext>
-          </a:extLst>
-        </p:spPr>
-      </p:pic>
-      <p:sp>
-        <p:nvSpPr>
-          <p:cNvPr id="6" name="Content Placeholder 2"/>
-          <p:cNvSpPr>
-            <a:spLocks noGrp="1"/>
-          </p:cNvSpPr>
-          <p:nvPr>
-            <p:ph idx="4294967295"/>
-          </p:nvPr>
-        </p:nvSpPr>
-        <p:spPr>
-          <a:xfrm>
-            <a:off x="188815" y="4724400"/>
-            <a:ext cx="11804822" cy="1997079"/>
-          </a:xfrm>
-        </p:spPr>
-        <p:txBody>
-          <a:bodyPr>
-            <a:normAutofit/>
-          </a:bodyPr>
-          <a:lstStyle/>
-          <a:p>
-            <a:pPr>
-              <a:spcBef>
-                <a:spcPts val="1800"/>
-              </a:spcBef>
-            </a:pPr>
-            <a:r>
-              <a:rPr lang="en-US" sz="2400" dirty="0"/>
-              <a:t>Attribution: this work may contain portions from</a:t>
-            </a:r>
-          </a:p>
-          <a:p>
-            <a:pPr lvl="1"/>
-            <a:r>
-              <a:rPr lang="en-US" sz="2000" dirty="0"/>
-              <a:t>"</a:t>
-            </a:r>
-            <a:r>
-              <a:rPr lang="en-US" sz="2000" dirty="0">
-                <a:hlinkClick r:id="rId5"/>
-              </a:rPr>
-              <a:t>Fundamentals of Computer Programming with C#</a:t>
-            </a:r>
-            <a:r>
-              <a:rPr lang="en-US" sz="2000" dirty="0"/>
-              <a:t>" book by Svetlin Nakov &amp; Co. under </a:t>
-            </a:r>
-            <a:r>
-              <a:rPr lang="en-US" sz="2000" dirty="0">
-                <a:hlinkClick r:id="rId6"/>
-              </a:rPr>
-              <a:t>CC-BY-SA</a:t>
-            </a:r>
-            <a:r>
-              <a:rPr lang="en-US" sz="2000" dirty="0"/>
-              <a:t> license</a:t>
-            </a:r>
-          </a:p>
-          <a:p>
-            <a:pPr lvl="1"/>
-            <a:r>
-              <a:rPr lang="en-US" sz="2000" dirty="0"/>
-              <a:t>"</a:t>
-            </a:r>
-            <a:r>
-              <a:rPr lang="en-US" sz="2000" dirty="0">
-                <a:hlinkClick r:id="rId7"/>
-              </a:rPr>
-              <a:t>Data Structures and Algorithms</a:t>
-            </a:r>
-            <a:r>
-              <a:rPr lang="en-US" sz="2000" dirty="0"/>
-              <a:t>" course by </a:t>
-            </a:r>
-            <a:r>
-              <a:rPr lang="en-US" sz="2000" noProof="1"/>
-              <a:t>Telerik Academy</a:t>
-            </a:r>
-            <a:r>
-              <a:rPr lang="en-US" sz="2000" dirty="0"/>
-              <a:t> under </a:t>
-            </a:r>
-            <a:r>
-              <a:rPr lang="en-US" sz="2000" dirty="0">
-                <a:hlinkClick r:id="rId8"/>
-              </a:rPr>
-              <a:t>CC-BY-NC-SA</a:t>
-            </a:r>
-            <a:r>
-              <a:rPr lang="en-US" sz="2000" dirty="0"/>
-              <a:t> license</a:t>
-            </a:r>
-          </a:p>
-        </p:txBody>
-      </p:sp>
-    </p:spTree>
-    <p:extLst>
-      <p:ext uri="{BB962C8B-B14F-4D97-AF65-F5344CB8AC3E}">
-        <p14:creationId xmlns:p14="http://schemas.microsoft.com/office/powerpoint/2010/main" val="4004410376"/>
-      </p:ext>
-    </p:extLst>
-  </p:cSld>
-  <p:clrMapOvr>
-    <a:masterClrMapping/>
-  </p:clrMapOvr>
-</p:sld>
-</file>
-
-<file path=ppt/slides/slide37.xml><?xml version="1.0" encoding="utf-8"?>
-<p:sld xmlns:a="http://schemas.openxmlformats.org/drawingml/2006/main" xmlns:r="http://schemas.openxmlformats.org/officeDocument/2006/relationships" xmlns:p="http://schemas.openxmlformats.org/presentationml/2006/main">
-  <p:cSld>
-    <p:spTree>
-      <p:nvGrpSpPr>
-        <p:cNvPr id="1" name=""/>
-        <p:cNvGrpSpPr/>
-        <p:nvPr/>
-      </p:nvGrpSpPr>
-      <p:grpSpPr>
-        <a:xfrm>
-          <a:off x="0" y="0"/>
-          <a:ext cx="0" cy="0"/>
-          <a:chOff x="0" y="0"/>
-          <a:chExt cx="0" cy="0"/>
-        </a:xfrm>
-      </p:grpSpPr>
-      <p:sp>
-        <p:nvSpPr>
-          <p:cNvPr id="3" name="Title 2"/>
-          <p:cNvSpPr>
-            <a:spLocks noGrp="1"/>
-          </p:cNvSpPr>
-          <p:nvPr>
-            <p:ph type="title" idx="4294967295"/>
-          </p:nvPr>
-        </p:nvSpPr>
-        <p:spPr>
-          <a:xfrm>
-            <a:off x="259899" y="103056"/>
-            <a:ext cx="9074150" cy="936625"/>
-          </a:xfrm>
-        </p:spPr>
-        <p:txBody>
-          <a:bodyPr>
-            <a:normAutofit/>
-          </a:bodyPr>
-          <a:lstStyle/>
-          <a:p>
-            <a:r>
-              <a:rPr lang="en-US" dirty="0"/>
-              <a:t>Trainings @ Software University</a:t>
-            </a:r>
-            <a:r>
-              <a:rPr lang="bg-BG" dirty="0"/>
-              <a:t> (</a:t>
-            </a:r>
-            <a:r>
-              <a:rPr lang="en-US" dirty="0"/>
-              <a:t>SoftUni)</a:t>
-            </a:r>
-          </a:p>
-        </p:txBody>
-      </p:sp>
-      <p:sp>
-        <p:nvSpPr>
-          <p:cNvPr id="4" name="Content Placeholder 3"/>
-          <p:cNvSpPr>
-            <a:spLocks noGrp="1"/>
-          </p:cNvSpPr>
-          <p:nvPr>
-            <p:ph idx="4294967295"/>
-          </p:nvPr>
-        </p:nvSpPr>
-        <p:spPr>
-          <a:xfrm>
-            <a:off x="259899" y="1039681"/>
-            <a:ext cx="9434513" cy="5639378"/>
-          </a:xfrm>
-        </p:spPr>
-        <p:txBody>
-          <a:bodyPr>
-            <a:noAutofit/>
-          </a:bodyPr>
-          <a:lstStyle/>
-          <a:p>
-            <a:pPr>
-              <a:lnSpc>
-                <a:spcPct val="100000"/>
-              </a:lnSpc>
-            </a:pPr>
-            <a:r>
-              <a:rPr lang="en-US" sz="3200" dirty="0"/>
-              <a:t>Software University – High-Quality Education, Profession and Job for Software Developers</a:t>
-            </a:r>
-          </a:p>
-          <a:p>
-            <a:pPr lvl="1">
-              <a:lnSpc>
-                <a:spcPct val="100000"/>
-              </a:lnSpc>
-            </a:pPr>
-            <a:r>
-              <a:rPr lang="en-US" sz="2900" noProof="1">
-                <a:hlinkClick r:id="rId3"/>
-              </a:rPr>
-              <a:t>softuni.bg</a:t>
-            </a:r>
-            <a:r>
-              <a:rPr lang="en-US" sz="2900" noProof="1"/>
-              <a:t> </a:t>
-            </a:r>
-          </a:p>
-          <a:p>
-            <a:pPr>
-              <a:lnSpc>
-                <a:spcPct val="100000"/>
-              </a:lnSpc>
-            </a:pPr>
-            <a:r>
-              <a:rPr lang="en-US" sz="3200" dirty="0"/>
-              <a:t>Software University Foundation</a:t>
-            </a:r>
-            <a:endParaRPr lang="bg-BG" sz="3200" dirty="0"/>
-          </a:p>
-          <a:p>
-            <a:pPr lvl="1">
-              <a:lnSpc>
-                <a:spcPct val="100000"/>
-              </a:lnSpc>
-            </a:pPr>
-            <a:r>
-              <a:rPr lang="en-US" sz="3000" noProof="1">
-                <a:hlinkClick r:id="rId4"/>
-              </a:rPr>
-              <a:t>softuni.org</a:t>
-            </a:r>
-            <a:endParaRPr lang="en-US" sz="3000" noProof="1"/>
-          </a:p>
-          <a:p>
-            <a:pPr marL="304747" lvl="1" indent="-304747">
-              <a:lnSpc>
-                <a:spcPct val="100000"/>
-              </a:lnSpc>
-              <a:buClr>
-                <a:srgbClr val="F2B254"/>
-              </a:buClr>
-              <a:buSzPct val="100000"/>
-              <a:tabLst>
-                <a:tab pos="282575" algn="l"/>
-              </a:tabLst>
-            </a:pPr>
-            <a:r>
-              <a:rPr lang="en-US" dirty="0"/>
-              <a:t>Software University @ Facebook</a:t>
-            </a:r>
-          </a:p>
-          <a:p>
-            <a:pPr lvl="1">
-              <a:lnSpc>
-                <a:spcPct val="100000"/>
-              </a:lnSpc>
-              <a:tabLst>
-                <a:tab pos="282575" algn="l"/>
-              </a:tabLst>
-            </a:pPr>
-            <a:r>
-              <a:rPr lang="en-US" sz="2900" noProof="1">
-                <a:hlinkClick r:id="rId5"/>
-              </a:rPr>
-              <a:t>facebook.com/SoftwareUniversity</a:t>
-            </a:r>
-            <a:endParaRPr lang="en-US" sz="2900" noProof="1"/>
-          </a:p>
-          <a:p>
-            <a:pPr marL="304747" lvl="1" indent="-304747">
-              <a:lnSpc>
-                <a:spcPct val="100000"/>
-              </a:lnSpc>
-              <a:buClr>
-                <a:srgbClr val="F2B254"/>
-              </a:buClr>
-              <a:buSzPct val="100000"/>
-              <a:tabLst>
-                <a:tab pos="282575" algn="l"/>
-              </a:tabLst>
-            </a:pPr>
-            <a:r>
-              <a:rPr lang="en-US" noProof="1"/>
-              <a:t>Software University Forums</a:t>
-            </a:r>
-            <a:endParaRPr lang="bg-BG" noProof="1"/>
-          </a:p>
-          <a:p>
-            <a:pPr marL="609494" lvl="2" indent="-304747">
-              <a:lnSpc>
-                <a:spcPct val="100000"/>
-              </a:lnSpc>
-              <a:buClr>
-                <a:srgbClr val="F2B254"/>
-              </a:buClr>
-              <a:buSzPct val="100000"/>
-              <a:tabLst>
-                <a:tab pos="282575" algn="l"/>
-              </a:tabLst>
-            </a:pPr>
-            <a:r>
-              <a:rPr lang="en-US" dirty="0">
-                <a:hlinkClick r:id="rId6"/>
-              </a:rPr>
-              <a:t>forum.softuni.bg</a:t>
-            </a:r>
-            <a:endParaRPr lang="en-US" noProof="1"/>
-          </a:p>
-        </p:txBody>
-      </p:sp>
-      <p:pic>
-        <p:nvPicPr>
-          <p:cNvPr id="9" name="Picture 8" descr="http://softuni.bg" title="Software University">
-            <a:hlinkClick r:id="rId3" tooltip="Software University (SoftUni)"/>
-          </p:cNvPr>
-          <p:cNvPicPr>
-            <a:picLocks noChangeAspect="1"/>
-          </p:cNvPicPr>
-          <p:nvPr/>
-        </p:nvPicPr>
-        <p:blipFill>
-          <a:blip r:embed="rId7" cstate="print">
-            <a:extLst>
-              <a:ext uri="{28A0092B-C50C-407E-A947-70E740481C1C}">
-                <a14:useLocalDpi xmlns:a14="http://schemas.microsoft.com/office/drawing/2010/main" val="0"/>
-              </a:ext>
-            </a:extLst>
-          </a:blip>
-          <a:stretch>
-            <a:fillRect/>
-          </a:stretch>
-        </p:blipFill>
-        <p:spPr>
-          <a:xfrm>
-            <a:off x="9726400" y="914400"/>
-            <a:ext cx="1701050" cy="1570200"/>
-          </a:xfrm>
-          <a:prstGeom prst="roundRect">
-            <a:avLst>
-              <a:gd name="adj" fmla="val 785"/>
-            </a:avLst>
-          </a:prstGeom>
-          <a:ln w="12700">
-            <a:solidFill>
-              <a:srgbClr val="00B0F0">
-                <a:alpha val="50196"/>
-              </a:srgbClr>
-            </a:solidFill>
-          </a:ln>
-        </p:spPr>
-      </p:pic>
-      <p:pic>
-        <p:nvPicPr>
-          <p:cNvPr id="10" name="Picture 9" descr="http://softuni.org" title="Software University Foundation">
-            <a:hlinkClick r:id="rId4" tooltip="Software University Foundation"/>
-          </p:cNvPr>
-          <p:cNvPicPr>
-            <a:picLocks noChangeAspect="1"/>
-          </p:cNvPicPr>
-          <p:nvPr/>
-        </p:nvPicPr>
-        <p:blipFill rotWithShape="1">
-          <a:blip r:embed="rId8" cstate="print">
-            <a:extLst>
-              <a:ext uri="{28A0092B-C50C-407E-A947-70E740481C1C}">
-                <a14:useLocalDpi xmlns:a14="http://schemas.microsoft.com/office/drawing/2010/main"/>
-              </a:ext>
-            </a:extLst>
-          </a:blip>
-          <a:srcRect l="-5359" t="-15226" r="-5359" b="-15226"/>
-          <a:stretch/>
-        </p:blipFill>
-        <p:spPr>
-          <a:xfrm>
-            <a:off x="9457098" y="2865600"/>
-            <a:ext cx="2269870" cy="874916"/>
-          </a:xfrm>
-          <a:prstGeom prst="roundRect">
-            <a:avLst>
-              <a:gd name="adj" fmla="val 3940"/>
-            </a:avLst>
-          </a:prstGeom>
-          <a:solidFill>
-            <a:srgbClr val="231F20">
-              <a:alpha val="50000"/>
-            </a:srgbClr>
-          </a:solidFill>
-          <a:ln>
-            <a:solidFill>
-              <a:schemeClr val="accent1">
-                <a:lumMod val="75000"/>
-                <a:alpha val="40000"/>
-              </a:schemeClr>
-            </a:solidFill>
-          </a:ln>
-        </p:spPr>
-      </p:pic>
-      <p:pic>
-        <p:nvPicPr>
-          <p:cNvPr id="11" name="Picture 4" descr="http://www.facebook.com/SoftwareUniversity" title="Software University @ Facebook">
-            <a:hlinkClick r:id="rId9" tooltip="Software University @ Facebook"/>
-          </p:cNvPr>
-          <p:cNvPicPr>
-            <a:picLocks noChangeAspect="1" noChangeArrowheads="1"/>
-          </p:cNvPicPr>
-          <p:nvPr/>
-        </p:nvPicPr>
-        <p:blipFill rotWithShape="1">
-          <a:blip r:embed="rId10" cstate="print">
-            <a:extLst>
-              <a:ext uri="{28A0092B-C50C-407E-A947-70E740481C1C}">
-                <a14:useLocalDpi xmlns:a14="http://schemas.microsoft.com/office/drawing/2010/main"/>
-              </a:ext>
-            </a:extLst>
-          </a:blip>
-          <a:srcRect/>
-          <a:stretch/>
-        </p:blipFill>
-        <p:spPr bwMode="auto">
-          <a:xfrm>
-            <a:off x="10075536" y="4064268"/>
-            <a:ext cx="1003954" cy="1017562"/>
-          </a:xfrm>
-          <a:prstGeom prst="rect">
-            <a:avLst/>
-          </a:prstGeom>
-          <a:noFill/>
-          <a:extLst>
-            <a:ext uri="{909E8E84-426E-40DD-AFC4-6F175D3DCCD1}">
-              <a14:hiddenFill xmlns:a14="http://schemas.microsoft.com/office/drawing/2010/main">
-                <a:solidFill>
-                  <a:srgbClr val="FFFFFF"/>
-                </a:solidFill>
-              </a14:hiddenFill>
-            </a:ext>
-          </a:extLst>
-        </p:spPr>
-      </p:pic>
-      <p:pic>
-        <p:nvPicPr>
-          <p:cNvPr id="13" name="Picture 12" descr="http://forum.softuni.bg" title="Software University - Forum">
-            <a:hlinkClick r:id="rId6" tooltip="Software University Discussion Forum"/>
-          </p:cNvPr>
-          <p:cNvPicPr>
-            <a:picLocks noChangeAspect="1"/>
-          </p:cNvPicPr>
-          <p:nvPr/>
-        </p:nvPicPr>
-        <p:blipFill>
-          <a:blip r:embed="rId11" cstate="print">
-            <a:extLst>
-              <a:ext uri="{28A0092B-C50C-407E-A947-70E740481C1C}">
-                <a14:useLocalDpi xmlns:a14="http://schemas.microsoft.com/office/drawing/2010/main"/>
-              </a:ext>
-            </a:extLst>
-          </a:blip>
-          <a:stretch>
-            <a:fillRect/>
-          </a:stretch>
-        </p:blipFill>
-        <p:spPr>
-          <a:xfrm>
-            <a:off x="10109334" y="5410200"/>
-            <a:ext cx="970156" cy="965726"/>
-          </a:xfrm>
-          <a:prstGeom prst="rect">
-            <a:avLst/>
-          </a:prstGeom>
-        </p:spPr>
-      </p:pic>
-      <p:pic>
-        <p:nvPicPr>
-          <p:cNvPr id="5" name="Picture 4">
-            <a:hlinkClick r:id="rId3"/>
-          </p:cNvPr>
-          <p:cNvPicPr>
-            <a:picLocks noChangeAspect="1"/>
-          </p:cNvPicPr>
-          <p:nvPr/>
-        </p:nvPicPr>
-        <p:blipFill>
-          <a:blip r:embed="rId12"/>
-          <a:stretch>
-            <a:fillRect/>
-          </a:stretch>
-        </p:blipFill>
-        <p:spPr>
-          <a:xfrm>
-            <a:off x="6780212" y="3145320"/>
-            <a:ext cx="2286198" cy="2493480"/>
-          </a:xfrm>
-          <a:prstGeom prst="rect">
-            <a:avLst/>
-          </a:prstGeom>
-        </p:spPr>
-      </p:pic>
-    </p:spTree>
-    <p:extLst>
-      <p:ext uri="{BB962C8B-B14F-4D97-AF65-F5344CB8AC3E}">
-        <p14:creationId xmlns:p14="http://schemas.microsoft.com/office/powerpoint/2010/main" val="1214126766"/>
-      </p:ext>
-    </p:extLst>
-  </p:cSld>
-  <p:clrMapOvr>
-    <a:masterClrMapping/>
-  </p:clrMapOvr>
-</p:sld>
-</file>
-
 <file path=ppt/slides/slide4.xml><?xml version="1.0" encoding="utf-8"?>
 <p:sld xmlns:a="http://schemas.openxmlformats.org/drawingml/2006/main" xmlns:r="http://schemas.openxmlformats.org/officeDocument/2006/relationships" xmlns:p="http://schemas.openxmlformats.org/presentationml/2006/main">
   <p:cSld>
@@ -24701,116 +22020,6 @@
       </p:grpSpPr>
       <p:sp>
         <p:nvSpPr>
-          <p:cNvPr id="4" name="Title 3"/>
-          <p:cNvSpPr>
-            <a:spLocks noGrp="1"/>
-          </p:cNvSpPr>
-          <p:nvPr>
-            <p:ph type="ctrTitle"/>
-          </p:nvPr>
-        </p:nvSpPr>
-        <p:spPr>
-          <a:xfrm>
-            <a:off x="912813" y="4634350"/>
-            <a:ext cx="10363200" cy="834450"/>
-          </a:xfrm>
-        </p:spPr>
-        <p:txBody>
-          <a:bodyPr/>
-          <a:lstStyle/>
-          <a:p>
-            <a:r>
-              <a:rPr lang="en-US" dirty="0"/>
-              <a:t>Binary Search Trees</a:t>
-            </a:r>
-          </a:p>
-        </p:txBody>
-      </p:sp>
-      <p:sp>
-        <p:nvSpPr>
-          <p:cNvPr id="5" name="Subtitle 4"/>
-          <p:cNvSpPr>
-            <a:spLocks noGrp="1"/>
-          </p:cNvSpPr>
-          <p:nvPr>
-            <p:ph type="subTitle" idx="1"/>
-          </p:nvPr>
-        </p:nvSpPr>
-        <p:spPr>
-          <a:xfrm>
-            <a:off x="912813" y="5529366"/>
-            <a:ext cx="10363200" cy="719034"/>
-          </a:xfrm>
-        </p:spPr>
-        <p:txBody>
-          <a:bodyPr/>
-          <a:lstStyle/>
-          <a:p>
-            <a:r>
-              <a:rPr lang="en-US" dirty="0"/>
-              <a:t>Two Children at Most</a:t>
-            </a:r>
-          </a:p>
-        </p:txBody>
-      </p:sp>
-      <p:pic>
-        <p:nvPicPr>
-          <p:cNvPr id="3" name="Picture 2"/>
-          <p:cNvPicPr>
-            <a:picLocks noChangeAspect="1"/>
-          </p:cNvPicPr>
-          <p:nvPr/>
-        </p:nvPicPr>
-        <p:blipFill>
-          <a:blip r:embed="rId2"/>
-          <a:stretch>
-            <a:fillRect/>
-          </a:stretch>
-        </p:blipFill>
-        <p:spPr>
-          <a:xfrm>
-            <a:off x="4396406" y="1485296"/>
-            <a:ext cx="3505198" cy="2781904"/>
-          </a:xfrm>
-          <a:prstGeom prst="roundRect">
-            <a:avLst>
-              <a:gd name="adj" fmla="val 1949"/>
-            </a:avLst>
-          </a:prstGeom>
-        </p:spPr>
-      </p:pic>
-    </p:spTree>
-    <p:extLst>
-      <p:ext uri="{BB962C8B-B14F-4D97-AF65-F5344CB8AC3E}">
-        <p14:creationId xmlns:p14="http://schemas.microsoft.com/office/powerpoint/2010/main" val="579291357"/>
-      </p:ext>
-    </p:extLst>
-  </p:cSld>
-  <p:clrMapOvr>
-    <a:masterClrMapping/>
-  </p:clrMapOvr>
-</p:sld>
-</file>
-
-<file path=ppt/slides/slide5.xml><?xml version="1.0" encoding="utf-8"?>
-<p:sld xmlns:a="http://schemas.openxmlformats.org/drawingml/2006/main" xmlns:r="http://schemas.openxmlformats.org/officeDocument/2006/relationships" xmlns:p="http://schemas.openxmlformats.org/presentationml/2006/main">
-  <p:cSld>
-    <p:spTree>
-      <p:nvGrpSpPr>
-        <p:cNvPr id="1" name=""/>
-        <p:cNvGrpSpPr/>
-        <p:nvPr/>
-      </p:nvGrpSpPr>
-      <p:grpSpPr>
-        <a:xfrm>
-          <a:off x="0" y="0"/>
-          <a:ext cx="0" cy="0"/>
-          <a:chOff x="0" y="0"/>
-          <a:chExt cx="0" cy="0"/>
-        </a:xfrm>
-      </p:grpSpPr>
-      <p:sp>
-        <p:nvSpPr>
           <p:cNvPr id="4" name="Slide Number Placeholder 3"/>
           <p:cNvSpPr>
             <a:spLocks noGrp="1"/>
@@ -24836,7 +22045,7 @@
               <a:pPr>
                 <a:defRPr/>
               </a:pPr>
-              <a:t>5</a:t>
+              <a:t>4</a:t>
             </a:fld>
             <a:endParaRPr lang="en-US" dirty="0"/>
           </a:p>
@@ -26216,7 +23425,7 @@
 </p:sld>
 </file>
 
-<file path=ppt/slides/slide6.xml><?xml version="1.0" encoding="utf-8"?>
+<file path=ppt/slides/slide5.xml><?xml version="1.0" encoding="utf-8"?>
 <p:sld xmlns:a="http://schemas.openxmlformats.org/drawingml/2006/main" xmlns:r="http://schemas.openxmlformats.org/officeDocument/2006/relationships" xmlns:p="http://schemas.openxmlformats.org/presentationml/2006/main">
   <p:cSld>
     <p:spTree>
@@ -26260,7 +23469,7 @@
               <a:pPr>
                 <a:defRPr/>
               </a:pPr>
-              <a:t>6</a:t>
+              <a:t>5</a:t>
             </a:fld>
             <a:endParaRPr lang="en-US" dirty="0"/>
           </a:p>
@@ -27226,7 +24435,7 @@
 </p:sld>
 </file>
 
-<file path=ppt/slides/slide7.xml><?xml version="1.0" encoding="utf-8"?>
+<file path=ppt/slides/slide6.xml><?xml version="1.0" encoding="utf-8"?>
 <p:sld xmlns:a="http://schemas.openxmlformats.org/drawingml/2006/main" xmlns:r="http://schemas.openxmlformats.org/officeDocument/2006/relationships" xmlns:p="http://schemas.openxmlformats.org/presentationml/2006/main">
   <p:cSld>
     <p:spTree>
@@ -27270,7 +24479,7 @@
               <a:pPr>
                 <a:defRPr/>
               </a:pPr>
-              <a:t>7</a:t>
+              <a:t>6</a:t>
             </a:fld>
             <a:endParaRPr lang="en-US" dirty="0"/>
           </a:p>
@@ -28234,7 +25443,7 @@
 </p:sld>
 </file>
 
-<file path=ppt/slides/slide8.xml><?xml version="1.0" encoding="utf-8"?>
+<file path=ppt/slides/slide7.xml><?xml version="1.0" encoding="utf-8"?>
 <p:sld xmlns:a="http://schemas.openxmlformats.org/drawingml/2006/main" xmlns:r="http://schemas.openxmlformats.org/officeDocument/2006/relationships" xmlns:p="http://schemas.openxmlformats.org/presentationml/2006/main">
   <p:cSld>
     <p:spTree>
@@ -28278,7 +25487,7 @@
               <a:pPr>
                 <a:defRPr/>
               </a:pPr>
-              <a:t>8</a:t>
+              <a:t>7</a:t>
             </a:fld>
             <a:endParaRPr lang="en-US" dirty="0"/>
           </a:p>
@@ -29048,7 +26257,7 @@
 </p:sld>
 </file>
 
-<file path=ppt/slides/slide9.xml><?xml version="1.0" encoding="utf-8"?>
+<file path=ppt/slides/slide8.xml><?xml version="1.0" encoding="utf-8"?>
 <p:sld xmlns:a="http://schemas.openxmlformats.org/drawingml/2006/main" xmlns:r="http://schemas.openxmlformats.org/officeDocument/2006/relationships" xmlns:p="http://schemas.openxmlformats.org/presentationml/2006/main">
   <p:cSld>
     <p:spTree>
@@ -29092,7 +26301,7 @@
               <a:pPr>
                 <a:defRPr/>
               </a:pPr>
-              <a:t>9</a:t>
+              <a:t>8</a:t>
             </a:fld>
             <a:endParaRPr lang="en-US" dirty="0"/>
           </a:p>
@@ -29738,6 +26947,581 @@
       <p:bldP spid="8" grpId="0" animBg="1"/>
     </p:bldLst>
   </p:timing>
+</p:sld>
+</file>
+
+<file path=ppt/slides/slide9.xml><?xml version="1.0" encoding="utf-8"?>
+<p:sld xmlns:a="http://schemas.openxmlformats.org/drawingml/2006/main" xmlns:r="http://schemas.openxmlformats.org/officeDocument/2006/relationships" xmlns:p="http://schemas.openxmlformats.org/presentationml/2006/main">
+  <p:cSld>
+    <p:spTree>
+      <p:nvGrpSpPr>
+        <p:cNvPr id="1" name=""/>
+        <p:cNvGrpSpPr/>
+        <p:nvPr/>
+      </p:nvGrpSpPr>
+      <p:grpSpPr>
+        <a:xfrm>
+          <a:off x="0" y="0"/>
+          <a:ext cx="0" cy="0"/>
+          <a:chOff x="0" y="0"/>
+          <a:chExt cx="0" cy="0"/>
+        </a:xfrm>
+      </p:grpSpPr>
+      <p:sp>
+        <p:nvSpPr>
+          <p:cNvPr id="4" name="Slide Number Placeholder 3"/>
+          <p:cNvSpPr>
+            <a:spLocks noGrp="1"/>
+          </p:cNvSpPr>
+          <p:nvPr>
+            <p:ph type="sldNum" sz="quarter" idx="4"/>
+          </p:nvPr>
+        </p:nvSpPr>
+        <p:spPr>
+          <a:prstGeom prst="rect">
+            <a:avLst/>
+          </a:prstGeom>
+        </p:spPr>
+        <p:txBody>
+          <a:bodyPr/>
+          <a:lstStyle/>
+          <a:p>
+            <a:pPr>
+              <a:defRPr/>
+            </a:pPr>
+            <a:fld id="{58452FF4-89E3-4D1B-9927-2DBDC00E58D7}" type="slidenum">
+              <a:rPr lang="en-US" smtClean="0"/>
+              <a:pPr>
+                <a:defRPr/>
+              </a:pPr>
+              <a:t>9</a:t>
+            </a:fld>
+            <a:endParaRPr lang="en-US" dirty="0"/>
+          </a:p>
+        </p:txBody>
+      </p:sp>
+      <p:sp>
+        <p:nvSpPr>
+          <p:cNvPr id="2" name="Title 1"/>
+          <p:cNvSpPr>
+            <a:spLocks noGrp="1"/>
+          </p:cNvSpPr>
+          <p:nvPr>
+            <p:ph type="title"/>
+          </p:nvPr>
+        </p:nvSpPr>
+        <p:spPr/>
+        <p:txBody>
+          <a:bodyPr/>
+          <a:lstStyle/>
+          <a:p>
+            <a:r>
+              <a:rPr lang="en-US" altLang="ko-KR" dirty="0">
+                <a:ea typeface="굴림" pitchFamily="50" charset="-127"/>
+              </a:rPr>
+              <a:t>Solution: BST Contains</a:t>
+            </a:r>
+            <a:endParaRPr lang="en-US" dirty="0"/>
+          </a:p>
+        </p:txBody>
+      </p:sp>
+      <p:sp>
+        <p:nvSpPr>
+          <p:cNvPr id="5" name="Rectangle 4"/>
+          <p:cNvSpPr>
+            <a:spLocks noChangeArrowheads="1"/>
+          </p:cNvSpPr>
+          <p:nvPr/>
+        </p:nvSpPr>
+        <p:spPr bwMode="auto">
+          <a:xfrm>
+            <a:off x="989011" y="1137821"/>
+            <a:ext cx="10210802" cy="5262979"/>
+          </a:xfrm>
+          <a:prstGeom prst="rect">
+            <a:avLst/>
+          </a:prstGeom>
+          <a:solidFill>
+            <a:schemeClr val="accent5">
+              <a:lumMod val="40000"/>
+              <a:lumOff val="60000"/>
+              <a:alpha val="15000"/>
+            </a:schemeClr>
+          </a:solidFill>
+          <a:ln w="12700">
+            <a:solidFill>
+              <a:schemeClr val="accent5">
+                <a:lumMod val="60000"/>
+                <a:lumOff val="40000"/>
+              </a:schemeClr>
+            </a:solidFill>
+          </a:ln>
+        </p:spPr>
+        <p:txBody>
+          <a:bodyPr wrap="square">
+            <a:spAutoFit/>
+          </a:bodyPr>
+          <a:lstStyle/>
+          <a:p>
+            <a:pPr eaLnBrk="0" hangingPunct="0">
+              <a:spcBef>
+                <a:spcPts val="0"/>
+              </a:spcBef>
+              <a:buClr>
+                <a:schemeClr val="accent5">
+                  <a:lumMod val="40000"/>
+                  <a:lumOff val="60000"/>
+                </a:schemeClr>
+              </a:buClr>
+              <a:buSzPct val="70000"/>
+            </a:pPr>
+            <a:r>
+              <a:rPr lang="en-GB" b="1" noProof="1">
+                <a:solidFill>
+                  <a:schemeClr val="tx2"/>
+                </a:solidFill>
+                <a:effectLst>
+                  <a:outerShdw blurRad="38100" dist="38100" dir="2700000" algn="tl">
+                    <a:srgbClr val="000000">
+                      <a:alpha val="43137"/>
+                    </a:srgbClr>
+                  </a:outerShdw>
+                </a:effectLst>
+                <a:latin typeface="Consolas" pitchFamily="49" charset="0"/>
+                <a:cs typeface="Consolas" pitchFamily="49" charset="0"/>
+              </a:rPr>
+              <a:t>public bool Contains(T value)</a:t>
+            </a:r>
+          </a:p>
+          <a:p>
+            <a:pPr eaLnBrk="0" hangingPunct="0">
+              <a:spcBef>
+                <a:spcPts val="0"/>
+              </a:spcBef>
+              <a:buClr>
+                <a:schemeClr val="accent5">
+                  <a:lumMod val="40000"/>
+                  <a:lumOff val="60000"/>
+                </a:schemeClr>
+              </a:buClr>
+              <a:buSzPct val="70000"/>
+            </a:pPr>
+            <a:r>
+              <a:rPr lang="en-GB" b="1" noProof="1">
+                <a:solidFill>
+                  <a:schemeClr val="tx2"/>
+                </a:solidFill>
+                <a:effectLst>
+                  <a:outerShdw blurRad="38100" dist="38100" dir="2700000" algn="tl">
+                    <a:srgbClr val="000000">
+                      <a:alpha val="43137"/>
+                    </a:srgbClr>
+                  </a:outerShdw>
+                </a:effectLst>
+                <a:latin typeface="Consolas" pitchFamily="49" charset="0"/>
+                <a:cs typeface="Consolas" pitchFamily="49" charset="0"/>
+              </a:rPr>
+              <a:t>{</a:t>
+            </a:r>
+          </a:p>
+          <a:p>
+            <a:pPr eaLnBrk="0" hangingPunct="0">
+              <a:spcBef>
+                <a:spcPts val="0"/>
+              </a:spcBef>
+              <a:buClr>
+                <a:schemeClr val="accent5">
+                  <a:lumMod val="40000"/>
+                  <a:lumOff val="60000"/>
+                </a:schemeClr>
+              </a:buClr>
+              <a:buSzPct val="70000"/>
+            </a:pPr>
+            <a:r>
+              <a:rPr lang="en-GB" b="1" noProof="1">
+                <a:solidFill>
+                  <a:schemeClr val="tx2"/>
+                </a:solidFill>
+                <a:effectLst>
+                  <a:outerShdw blurRad="38100" dist="38100" dir="2700000" algn="tl">
+                    <a:srgbClr val="000000">
+                      <a:alpha val="43137"/>
+                    </a:srgbClr>
+                  </a:outerShdw>
+                </a:effectLst>
+                <a:latin typeface="Consolas" pitchFamily="49" charset="0"/>
+                <a:cs typeface="Consolas" pitchFamily="49" charset="0"/>
+              </a:rPr>
+              <a:t>  Node current = this.root;</a:t>
+            </a:r>
+          </a:p>
+          <a:p>
+            <a:pPr eaLnBrk="0" hangingPunct="0">
+              <a:spcBef>
+                <a:spcPts val="0"/>
+              </a:spcBef>
+              <a:buClr>
+                <a:schemeClr val="accent5">
+                  <a:lumMod val="40000"/>
+                  <a:lumOff val="60000"/>
+                </a:schemeClr>
+              </a:buClr>
+              <a:buSzPct val="70000"/>
+            </a:pPr>
+            <a:r>
+              <a:rPr lang="en-GB" b="1" noProof="1">
+                <a:solidFill>
+                  <a:schemeClr val="tx2"/>
+                </a:solidFill>
+                <a:effectLst>
+                  <a:outerShdw blurRad="38100" dist="38100" dir="2700000" algn="tl">
+                    <a:srgbClr val="000000">
+                      <a:alpha val="43137"/>
+                    </a:srgbClr>
+                  </a:outerShdw>
+                </a:effectLst>
+                <a:latin typeface="Consolas" pitchFamily="49" charset="0"/>
+                <a:cs typeface="Consolas" pitchFamily="49" charset="0"/>
+              </a:rPr>
+              <a:t>  while (current != null)</a:t>
+            </a:r>
+          </a:p>
+          <a:p>
+            <a:pPr eaLnBrk="0" hangingPunct="0">
+              <a:spcBef>
+                <a:spcPts val="0"/>
+              </a:spcBef>
+              <a:buClr>
+                <a:schemeClr val="accent5">
+                  <a:lumMod val="40000"/>
+                  <a:lumOff val="60000"/>
+                </a:schemeClr>
+              </a:buClr>
+              <a:buSzPct val="70000"/>
+            </a:pPr>
+            <a:r>
+              <a:rPr lang="en-GB" b="1" noProof="1">
+                <a:solidFill>
+                  <a:schemeClr val="tx2"/>
+                </a:solidFill>
+                <a:effectLst>
+                  <a:outerShdw blurRad="38100" dist="38100" dir="2700000" algn="tl">
+                    <a:srgbClr val="000000">
+                      <a:alpha val="43137"/>
+                    </a:srgbClr>
+                  </a:outerShdw>
+                </a:effectLst>
+                <a:latin typeface="Consolas" pitchFamily="49" charset="0"/>
+                <a:cs typeface="Consolas" pitchFamily="49" charset="0"/>
+              </a:rPr>
+              <a:t>  {</a:t>
+            </a:r>
+          </a:p>
+          <a:p>
+            <a:pPr eaLnBrk="0" hangingPunct="0">
+              <a:spcBef>
+                <a:spcPts val="0"/>
+              </a:spcBef>
+              <a:buClr>
+                <a:schemeClr val="accent5">
+                  <a:lumMod val="40000"/>
+                  <a:lumOff val="60000"/>
+                </a:schemeClr>
+              </a:buClr>
+              <a:buSzPct val="70000"/>
+            </a:pPr>
+            <a:r>
+              <a:rPr lang="en-GB" b="1" noProof="1">
+                <a:solidFill>
+                  <a:schemeClr val="tx2"/>
+                </a:solidFill>
+                <a:effectLst>
+                  <a:outerShdw blurRad="38100" dist="38100" dir="2700000" algn="tl">
+                    <a:srgbClr val="000000">
+                      <a:alpha val="43137"/>
+                    </a:srgbClr>
+                  </a:outerShdw>
+                </a:effectLst>
+                <a:latin typeface="Consolas" pitchFamily="49" charset="0"/>
+                <a:cs typeface="Consolas" pitchFamily="49" charset="0"/>
+              </a:rPr>
+              <a:t>    if (value.CompareTo(current.Value) &lt; 0) </a:t>
+            </a:r>
+          </a:p>
+          <a:p>
+            <a:pPr eaLnBrk="0" hangingPunct="0">
+              <a:spcBef>
+                <a:spcPts val="0"/>
+              </a:spcBef>
+              <a:buClr>
+                <a:schemeClr val="accent5">
+                  <a:lumMod val="40000"/>
+                  <a:lumOff val="60000"/>
+                </a:schemeClr>
+              </a:buClr>
+              <a:buSzPct val="70000"/>
+            </a:pPr>
+            <a:r>
+              <a:rPr lang="en-GB" b="1" noProof="1">
+                <a:solidFill>
+                  <a:schemeClr val="tx2"/>
+                </a:solidFill>
+                <a:effectLst>
+                  <a:outerShdw blurRad="38100" dist="38100" dir="2700000" algn="tl">
+                    <a:srgbClr val="000000">
+                      <a:alpha val="43137"/>
+                    </a:srgbClr>
+                  </a:outerShdw>
+                </a:effectLst>
+                <a:latin typeface="Consolas" pitchFamily="49" charset="0"/>
+                <a:cs typeface="Consolas" pitchFamily="49" charset="0"/>
+              </a:rPr>
+              <a:t>      current = current.Left; </a:t>
+            </a:r>
+          </a:p>
+          <a:p>
+            <a:pPr eaLnBrk="0" hangingPunct="0">
+              <a:spcBef>
+                <a:spcPts val="0"/>
+              </a:spcBef>
+              <a:buClr>
+                <a:schemeClr val="accent5">
+                  <a:lumMod val="40000"/>
+                  <a:lumOff val="60000"/>
+                </a:schemeClr>
+              </a:buClr>
+              <a:buSzPct val="70000"/>
+            </a:pPr>
+            <a:r>
+              <a:rPr lang="en-GB" b="1" noProof="1">
+                <a:solidFill>
+                  <a:schemeClr val="tx2"/>
+                </a:solidFill>
+                <a:effectLst>
+                  <a:outerShdw blurRad="38100" dist="38100" dir="2700000" algn="tl">
+                    <a:srgbClr val="000000">
+                      <a:alpha val="43137"/>
+                    </a:srgbClr>
+                  </a:outerShdw>
+                </a:effectLst>
+                <a:latin typeface="Consolas" pitchFamily="49" charset="0"/>
+                <a:cs typeface="Consolas" pitchFamily="49" charset="0"/>
+              </a:rPr>
+              <a:t>    else if (value.CompareTo(current.Value) &gt; 0)</a:t>
+            </a:r>
+          </a:p>
+          <a:p>
+            <a:pPr eaLnBrk="0" hangingPunct="0">
+              <a:spcBef>
+                <a:spcPts val="0"/>
+              </a:spcBef>
+              <a:buClr>
+                <a:schemeClr val="accent5">
+                  <a:lumMod val="40000"/>
+                  <a:lumOff val="60000"/>
+                </a:schemeClr>
+              </a:buClr>
+              <a:buSzPct val="70000"/>
+            </a:pPr>
+            <a:r>
+              <a:rPr lang="en-GB" b="1" noProof="1">
+                <a:solidFill>
+                  <a:schemeClr val="tx2"/>
+                </a:solidFill>
+                <a:effectLst>
+                  <a:outerShdw blurRad="38100" dist="38100" dir="2700000" algn="tl">
+                    <a:srgbClr val="000000">
+                      <a:alpha val="43137"/>
+                    </a:srgbClr>
+                  </a:outerShdw>
+                </a:effectLst>
+                <a:latin typeface="Consolas" pitchFamily="49" charset="0"/>
+                <a:cs typeface="Consolas" pitchFamily="49" charset="0"/>
+              </a:rPr>
+              <a:t>      current = current.Right;</a:t>
+            </a:r>
+          </a:p>
+          <a:p>
+            <a:pPr eaLnBrk="0" hangingPunct="0">
+              <a:spcBef>
+                <a:spcPts val="0"/>
+              </a:spcBef>
+              <a:buClr>
+                <a:schemeClr val="accent5">
+                  <a:lumMod val="40000"/>
+                  <a:lumOff val="60000"/>
+                </a:schemeClr>
+              </a:buClr>
+              <a:buSzPct val="70000"/>
+            </a:pPr>
+            <a:r>
+              <a:rPr lang="en-GB" b="1" noProof="1">
+                <a:solidFill>
+                  <a:schemeClr val="tx2"/>
+                </a:solidFill>
+                <a:effectLst>
+                  <a:outerShdw blurRad="38100" dist="38100" dir="2700000" algn="tl">
+                    <a:srgbClr val="000000">
+                      <a:alpha val="43137"/>
+                    </a:srgbClr>
+                  </a:outerShdw>
+                </a:effectLst>
+                <a:latin typeface="Consolas" pitchFamily="49" charset="0"/>
+                <a:cs typeface="Consolas" pitchFamily="49" charset="0"/>
+              </a:rPr>
+              <a:t>    else</a:t>
+            </a:r>
+          </a:p>
+          <a:p>
+            <a:pPr eaLnBrk="0" hangingPunct="0">
+              <a:spcBef>
+                <a:spcPts val="0"/>
+              </a:spcBef>
+              <a:buClr>
+                <a:schemeClr val="accent5">
+                  <a:lumMod val="40000"/>
+                  <a:lumOff val="60000"/>
+                </a:schemeClr>
+              </a:buClr>
+              <a:buSzPct val="70000"/>
+            </a:pPr>
+            <a:r>
+              <a:rPr lang="en-GB" b="1" noProof="1">
+                <a:solidFill>
+                  <a:schemeClr val="tx2"/>
+                </a:solidFill>
+                <a:effectLst>
+                  <a:outerShdw blurRad="38100" dist="38100" dir="2700000" algn="tl">
+                    <a:srgbClr val="000000">
+                      <a:alpha val="43137"/>
+                    </a:srgbClr>
+                  </a:outerShdw>
+                </a:effectLst>
+                <a:latin typeface="Consolas" pitchFamily="49" charset="0"/>
+                <a:cs typeface="Consolas" pitchFamily="49" charset="0"/>
+              </a:rPr>
+              <a:t>      break;</a:t>
+            </a:r>
+          </a:p>
+          <a:p>
+            <a:pPr eaLnBrk="0" hangingPunct="0">
+              <a:spcBef>
+                <a:spcPts val="0"/>
+              </a:spcBef>
+              <a:buClr>
+                <a:schemeClr val="accent5">
+                  <a:lumMod val="40000"/>
+                  <a:lumOff val="60000"/>
+                </a:schemeClr>
+              </a:buClr>
+              <a:buSzPct val="70000"/>
+            </a:pPr>
+            <a:r>
+              <a:rPr lang="en-GB" b="1" noProof="1">
+                <a:solidFill>
+                  <a:schemeClr val="tx2"/>
+                </a:solidFill>
+                <a:effectLst>
+                  <a:outerShdw blurRad="38100" dist="38100" dir="2700000" algn="tl">
+                    <a:srgbClr val="000000">
+                      <a:alpha val="43137"/>
+                    </a:srgbClr>
+                  </a:outerShdw>
+                </a:effectLst>
+                <a:latin typeface="Consolas" pitchFamily="49" charset="0"/>
+                <a:cs typeface="Consolas" pitchFamily="49" charset="0"/>
+              </a:rPr>
+              <a:t>  }</a:t>
+            </a:r>
+          </a:p>
+          <a:p>
+            <a:pPr eaLnBrk="0" hangingPunct="0">
+              <a:spcBef>
+                <a:spcPts val="0"/>
+              </a:spcBef>
+              <a:buClr>
+                <a:schemeClr val="accent5">
+                  <a:lumMod val="40000"/>
+                  <a:lumOff val="60000"/>
+                </a:schemeClr>
+              </a:buClr>
+              <a:buSzPct val="70000"/>
+            </a:pPr>
+            <a:r>
+              <a:rPr lang="en-GB" b="1" noProof="1">
+                <a:solidFill>
+                  <a:schemeClr val="tx2"/>
+                </a:solidFill>
+                <a:effectLst>
+                  <a:outerShdw blurRad="38100" dist="38100" dir="2700000" algn="tl">
+                    <a:srgbClr val="000000">
+                      <a:alpha val="43137"/>
+                    </a:srgbClr>
+                  </a:outerShdw>
+                </a:effectLst>
+                <a:latin typeface="Consolas" pitchFamily="49" charset="0"/>
+                <a:cs typeface="Consolas" pitchFamily="49" charset="0"/>
+              </a:rPr>
+              <a:t>  return current != null;</a:t>
+            </a:r>
+          </a:p>
+          <a:p>
+            <a:pPr eaLnBrk="0" hangingPunct="0">
+              <a:spcBef>
+                <a:spcPts val="0"/>
+              </a:spcBef>
+              <a:buClr>
+                <a:schemeClr val="accent5">
+                  <a:lumMod val="40000"/>
+                  <a:lumOff val="60000"/>
+                </a:schemeClr>
+              </a:buClr>
+              <a:buSzPct val="70000"/>
+            </a:pPr>
+            <a:r>
+              <a:rPr lang="en-GB" b="1" noProof="1">
+                <a:solidFill>
+                  <a:schemeClr val="tx2"/>
+                </a:solidFill>
+                <a:effectLst>
+                  <a:outerShdw blurRad="38100" dist="38100" dir="2700000" algn="tl">
+                    <a:srgbClr val="000000">
+                      <a:alpha val="43137"/>
+                    </a:srgbClr>
+                  </a:outerShdw>
+                </a:effectLst>
+                <a:latin typeface="Consolas" pitchFamily="49" charset="0"/>
+                <a:cs typeface="Consolas" pitchFamily="49" charset="0"/>
+              </a:rPr>
+              <a:t>}</a:t>
+            </a:r>
+            <a:endParaRPr lang="en-US" b="1" noProof="1">
+              <a:solidFill>
+                <a:schemeClr val="tx2"/>
+              </a:solidFill>
+              <a:effectLst>
+                <a:outerShdw blurRad="38100" dist="38100" dir="2700000" algn="tl">
+                  <a:srgbClr val="000000">
+                    <a:alpha val="43137"/>
+                  </a:srgbClr>
+                </a:outerShdw>
+              </a:effectLst>
+              <a:latin typeface="Consolas" pitchFamily="49" charset="0"/>
+              <a:cs typeface="Consolas" pitchFamily="49" charset="0"/>
+            </a:endParaRPr>
+          </a:p>
+        </p:txBody>
+      </p:sp>
+    </p:spTree>
+    <p:extLst>
+      <p:ext uri="{BB962C8B-B14F-4D97-AF65-F5344CB8AC3E}">
+        <p14:creationId xmlns:p14="http://schemas.microsoft.com/office/powerpoint/2010/main" val="3494891976"/>
+      </p:ext>
+    </p:extLst>
+  </p:cSld>
+  <p:clrMapOvr>
+    <a:masterClrMapping/>
+  </p:clrMapOvr>
 </p:sld>
 </file>
 
